--- a/presentation/Slide.pptx
+++ b/presentation/Slide.pptx
@@ -11,29 +11,30 @@
     <p:sldId id="260" r:id="rId5"/>
     <p:sldId id="261" r:id="rId6"/>
     <p:sldId id="287" r:id="rId7"/>
-    <p:sldId id="269" r:id="rId8"/>
-    <p:sldId id="263" r:id="rId9"/>
-    <p:sldId id="271" r:id="rId10"/>
-    <p:sldId id="272" r:id="rId11"/>
-    <p:sldId id="273" r:id="rId12"/>
-    <p:sldId id="264" r:id="rId13"/>
-    <p:sldId id="265" r:id="rId14"/>
-    <p:sldId id="288" r:id="rId15"/>
-    <p:sldId id="274" r:id="rId16"/>
-    <p:sldId id="275" r:id="rId17"/>
-    <p:sldId id="276" r:id="rId18"/>
-    <p:sldId id="277" r:id="rId19"/>
-    <p:sldId id="278" r:id="rId20"/>
-    <p:sldId id="279" r:id="rId21"/>
-    <p:sldId id="280" r:id="rId22"/>
-    <p:sldId id="266" r:id="rId23"/>
-    <p:sldId id="267" r:id="rId24"/>
-    <p:sldId id="281" r:id="rId25"/>
-    <p:sldId id="282" r:id="rId26"/>
-    <p:sldId id="283" r:id="rId27"/>
-    <p:sldId id="289" r:id="rId28"/>
-    <p:sldId id="285" r:id="rId29"/>
-    <p:sldId id="286" r:id="rId30"/>
+    <p:sldId id="290" r:id="rId8"/>
+    <p:sldId id="269" r:id="rId9"/>
+    <p:sldId id="263" r:id="rId10"/>
+    <p:sldId id="271" r:id="rId11"/>
+    <p:sldId id="272" r:id="rId12"/>
+    <p:sldId id="273" r:id="rId13"/>
+    <p:sldId id="264" r:id="rId14"/>
+    <p:sldId id="265" r:id="rId15"/>
+    <p:sldId id="288" r:id="rId16"/>
+    <p:sldId id="274" r:id="rId17"/>
+    <p:sldId id="275" r:id="rId18"/>
+    <p:sldId id="276" r:id="rId19"/>
+    <p:sldId id="277" r:id="rId20"/>
+    <p:sldId id="278" r:id="rId21"/>
+    <p:sldId id="279" r:id="rId22"/>
+    <p:sldId id="280" r:id="rId23"/>
+    <p:sldId id="266" r:id="rId24"/>
+    <p:sldId id="267" r:id="rId25"/>
+    <p:sldId id="281" r:id="rId26"/>
+    <p:sldId id="282" r:id="rId27"/>
+    <p:sldId id="283" r:id="rId28"/>
+    <p:sldId id="289" r:id="rId29"/>
+    <p:sldId id="285" r:id="rId30"/>
+    <p:sldId id="286" r:id="rId31"/>
   </p:sldIdLst>
   <p:sldSz cx="12192000" cy="6858000"/>
   <p:notesSz cx="6858000" cy="9144000"/>
@@ -143,6 +144,7 @@
             <p14:sldId id="260"/>
             <p14:sldId id="261"/>
             <p14:sldId id="287"/>
+            <p14:sldId id="290"/>
             <p14:sldId id="269"/>
             <p14:sldId id="263"/>
             <p14:sldId id="271"/>
@@ -18811,6 +18813,283 @@
       </p:grpSpPr>
       <p:sp>
         <p:nvSpPr>
+          <p:cNvPr id="11" name="Rectangle 10">
+            <a:extLst>
+              <a:ext uri="{FF2B5EF4-FFF2-40B4-BE49-F238E27FC236}">
+                <a16:creationId xmlns:a16="http://schemas.microsoft.com/office/drawing/2014/main" id="{EBF87945-A001-489F-9D9B-7D9435F0B9CA}"/>
+              </a:ext>
+              <a:ext uri="{C183D7F6-B498-43B3-948B-1728B52AA6E4}">
+                <adec:decorative xmlns:adec="http://schemas.microsoft.com/office/drawing/2017/decorative" val="1"/>
+              </a:ext>
+            </a:extLst>
+          </p:cNvPr>
+          <p:cNvSpPr>
+            <a:spLocks noGrp="1" noRot="1" noChangeAspect="1" noMove="1" noResize="1" noEditPoints="1" noAdjustHandles="1" noChangeArrowheads="1" noChangeShapeType="1" noTextEdit="1"/>
+          </p:cNvSpPr>
+          <p:nvPr>
+            <p:extLst>
+              <p:ext uri="{386F3935-93C4-4BCD-93E2-E3B085C9AB24}">
+                <p16:designElem xmlns:p16="http://schemas.microsoft.com/office/powerpoint/2015/main" val="1"/>
+              </p:ext>
+            </p:extLst>
+          </p:nvPr>
+        </p:nvSpPr>
+        <p:spPr>
+          <a:xfrm>
+            <a:off x="548639" y="347471"/>
+            <a:ext cx="11100816" cy="1801368"/>
+          </a:xfrm>
+          <a:prstGeom prst="rect">
+            <a:avLst/>
+          </a:prstGeom>
+          <a:solidFill>
+            <a:schemeClr val="tx1">
+              <a:lumMod val="75000"/>
+              <a:lumOff val="25000"/>
+            </a:schemeClr>
+          </a:solidFill>
+          <a:ln>
+            <a:noFill/>
+          </a:ln>
+        </p:spPr>
+        <p:style>
+          <a:lnRef idx="2">
+            <a:schemeClr val="accent1">
+              <a:shade val="50000"/>
+            </a:schemeClr>
+          </a:lnRef>
+          <a:fillRef idx="1">
+            <a:schemeClr val="accent1"/>
+          </a:fillRef>
+          <a:effectRef idx="0">
+            <a:schemeClr val="accent1"/>
+          </a:effectRef>
+          <a:fontRef idx="minor">
+            <a:schemeClr val="lt1"/>
+          </a:fontRef>
+        </p:style>
+        <p:txBody>
+          <a:bodyPr rtlCol="0" anchor="ctr"/>
+          <a:lstStyle/>
+          <a:p>
+            <a:pPr algn="ctr"/>
+            <a:endParaRPr lang="en-US"/>
+          </a:p>
+        </p:txBody>
+      </p:sp>
+      <p:sp>
+        <p:nvSpPr>
+          <p:cNvPr id="2" name="Tiêu đề 1">
+            <a:extLst>
+              <a:ext uri="{FF2B5EF4-FFF2-40B4-BE49-F238E27FC236}">
+                <a16:creationId xmlns:a16="http://schemas.microsoft.com/office/drawing/2014/main" id="{92D911EC-1388-4972-ADAB-810027EC2FA9}"/>
+              </a:ext>
+            </a:extLst>
+          </p:cNvPr>
+          <p:cNvSpPr>
+            <a:spLocks noGrp="1"/>
+          </p:cNvSpPr>
+          <p:nvPr>
+            <p:ph type="title"/>
+          </p:nvPr>
+        </p:nvSpPr>
+        <p:spPr>
+          <a:xfrm>
+            <a:off x="838200" y="585216"/>
+            <a:ext cx="10515600" cy="1325563"/>
+          </a:xfrm>
+        </p:spPr>
+        <p:txBody>
+          <a:bodyPr vert="horz" lIns="91440" tIns="45720" rIns="91440" bIns="45720" rtlCol="0" anchor="ctr">
+            <a:normAutofit/>
+          </a:bodyPr>
+          <a:lstStyle/>
+          <a:p>
+            <a:pPr algn="ctr"/>
+            <a:r>
+              <a:rPr lang="en-US" sz="4400" b="1" dirty="0" err="1">
+                <a:solidFill>
+                  <a:schemeClr val="bg1"/>
+                </a:solidFill>
+              </a:rPr>
+              <a:t>Khám</a:t>
+            </a:r>
+            <a:r>
+              <a:rPr lang="en-US" sz="4400" b="1" dirty="0">
+                <a:solidFill>
+                  <a:schemeClr val="bg1"/>
+                </a:solidFill>
+              </a:rPr>
+              <a:t> </a:t>
+            </a:r>
+            <a:r>
+              <a:rPr lang="en-US" sz="4400" b="1" dirty="0" err="1">
+                <a:solidFill>
+                  <a:schemeClr val="bg1"/>
+                </a:solidFill>
+              </a:rPr>
+              <a:t>phá</a:t>
+            </a:r>
+            <a:r>
+              <a:rPr lang="en-US" sz="4400" b="1" dirty="0">
+                <a:solidFill>
+                  <a:schemeClr val="bg1"/>
+                </a:solidFill>
+              </a:rPr>
+              <a:t> </a:t>
+            </a:r>
+            <a:r>
+              <a:rPr lang="en-US" sz="4400" b="1" dirty="0" err="1">
+                <a:solidFill>
+                  <a:schemeClr val="bg1"/>
+                </a:solidFill>
+              </a:rPr>
+              <a:t>dữ</a:t>
+            </a:r>
+            <a:r>
+              <a:rPr lang="en-US" sz="4400" b="1" dirty="0">
+                <a:solidFill>
+                  <a:schemeClr val="bg1"/>
+                </a:solidFill>
+              </a:rPr>
+              <a:t> </a:t>
+            </a:r>
+            <a:r>
+              <a:rPr lang="en-US" sz="4400" b="1" dirty="0" err="1">
+                <a:solidFill>
+                  <a:schemeClr val="bg1"/>
+                </a:solidFill>
+              </a:rPr>
+              <a:t>liệu</a:t>
+            </a:r>
+            <a:endParaRPr lang="en-US" sz="4400" b="1" dirty="0">
+              <a:solidFill>
+                <a:schemeClr val="bg1"/>
+              </a:solidFill>
+            </a:endParaRPr>
+          </a:p>
+        </p:txBody>
+      </p:sp>
+      <p:pic>
+        <p:nvPicPr>
+          <p:cNvPr id="6" name="Chỗ dành sẵn cho Hình ảnh 5">
+            <a:extLst>
+              <a:ext uri="{FF2B5EF4-FFF2-40B4-BE49-F238E27FC236}">
+                <a16:creationId xmlns:a16="http://schemas.microsoft.com/office/drawing/2014/main" id="{94212812-678B-4475-B670-7EB876963453}"/>
+              </a:ext>
+            </a:extLst>
+          </p:cNvPr>
+          <p:cNvPicPr>
+            <a:picLocks noGrp="1" noChangeAspect="1"/>
+          </p:cNvPicPr>
+          <p:nvPr>
+            <p:ph type="pic" idx="1"/>
+          </p:nvPr>
+        </p:nvPicPr>
+        <p:blipFill rotWithShape="1">
+          <a:blip r:embed="rId2"/>
+          <a:srcRect l="5697" r="2723" b="-1"/>
+          <a:stretch/>
+        </p:blipFill>
+        <p:spPr>
+          <a:xfrm>
+            <a:off x="841248" y="2516777"/>
+            <a:ext cx="6236208" cy="3660185"/>
+          </a:xfrm>
+          <a:prstGeom prst="rect">
+            <a:avLst/>
+          </a:prstGeom>
+        </p:spPr>
+      </p:pic>
+      <p:sp>
+        <p:nvSpPr>
+          <p:cNvPr id="4" name="Chỗ dành sẵn cho Văn bản 3">
+            <a:extLst>
+              <a:ext uri="{FF2B5EF4-FFF2-40B4-BE49-F238E27FC236}">
+                <a16:creationId xmlns:a16="http://schemas.microsoft.com/office/drawing/2014/main" id="{DAAEAA49-8418-4F60-94F5-BB0B77CDF8C0}"/>
+              </a:ext>
+            </a:extLst>
+          </p:cNvPr>
+          <p:cNvSpPr>
+            <a:spLocks noGrp="1"/>
+          </p:cNvSpPr>
+          <p:nvPr>
+            <p:ph type="body" sz="half" idx="2"/>
+          </p:nvPr>
+        </p:nvSpPr>
+        <p:spPr>
+          <a:xfrm>
+            <a:off x="7546848" y="2516777"/>
+            <a:ext cx="3803904" cy="3660185"/>
+          </a:xfrm>
+        </p:spPr>
+        <p:txBody>
+          <a:bodyPr vert="horz" lIns="91440" tIns="45720" rIns="91440" bIns="45720" rtlCol="0" anchor="ctr">
+            <a:normAutofit/>
+          </a:bodyPr>
+          <a:lstStyle/>
+          <a:p>
+            <a:pPr indent="-228600">
+              <a:buFont typeface="Arial" panose="020B0604020202020204" pitchFamily="34" charset="0"/>
+              <a:buChar char="•"/>
+            </a:pPr>
+            <a:r>
+              <a:rPr lang="en-US" sz="2200"/>
+              <a:t>Độ lớn của tập dữ liệu.</a:t>
+            </a:r>
+          </a:p>
+          <a:p>
+            <a:pPr indent="-228600">
+              <a:buFont typeface="Arial" panose="020B0604020202020204" pitchFamily="34" charset="0"/>
+              <a:buChar char="•"/>
+            </a:pPr>
+            <a:r>
+              <a:rPr lang="en-US" sz="2200"/>
+              <a:t>Các dông hay các cột bị thiếu giá trị</a:t>
+            </a:r>
+          </a:p>
+        </p:txBody>
+      </p:sp>
+    </p:spTree>
+    <p:extLst>
+      <p:ext uri="{BB962C8B-B14F-4D97-AF65-F5344CB8AC3E}">
+        <p14:creationId xmlns:p14="http://schemas.microsoft.com/office/powerpoint/2010/main" val="1718431185"/>
+      </p:ext>
+    </p:extLst>
+  </p:cSld>
+  <p:clrMapOvr>
+    <a:masterClrMapping/>
+  </p:clrMapOvr>
+</p:sld>
+</file>
+
+<file path=ppt/slides/slide11.xml><?xml version="1.0" encoding="utf-8"?>
+<p:sld xmlns:a="http://schemas.openxmlformats.org/drawingml/2006/main" xmlns:r="http://schemas.openxmlformats.org/officeDocument/2006/relationships" xmlns:p="http://schemas.openxmlformats.org/presentationml/2006/main">
+  <p:cSld>
+    <p:bg>
+      <p:bgPr>
+        <a:solidFill>
+          <a:schemeClr val="bg1"/>
+        </a:solidFill>
+        <a:effectLst/>
+      </p:bgPr>
+    </p:bg>
+    <p:spTree>
+      <p:nvGrpSpPr>
+        <p:cNvPr id="1" name=""/>
+        <p:cNvGrpSpPr/>
+        <p:nvPr/>
+      </p:nvGrpSpPr>
+      <p:grpSpPr>
+        <a:xfrm>
+          <a:off x="0" y="0"/>
+          <a:ext cx="0" cy="0"/>
+          <a:chOff x="0" y="0"/>
+          <a:chExt cx="0" cy="0"/>
+        </a:xfrm>
+      </p:grpSpPr>
+      <p:sp>
+        <p:nvSpPr>
           <p:cNvPr id="13" name="Rectangle 12">
             <a:extLst>
               <a:ext uri="{FF2B5EF4-FFF2-40B4-BE49-F238E27FC236}">
@@ -19061,7 +19340,7 @@
 </p:sld>
 </file>
 
-<file path=ppt/slides/slide11.xml><?xml version="1.0" encoding="utf-8"?>
+<file path=ppt/slides/slide12.xml><?xml version="1.0" encoding="utf-8"?>
 <p:sld xmlns:a="http://schemas.openxmlformats.org/drawingml/2006/main" xmlns:r="http://schemas.openxmlformats.org/officeDocument/2006/relationships" xmlns:p="http://schemas.openxmlformats.org/presentationml/2006/main">
   <p:cSld>
     <p:bg>
@@ -19404,7 +19683,7 @@
 </p:sld>
 </file>
 
-<file path=ppt/slides/slide12.xml><?xml version="1.0" encoding="utf-8"?>
+<file path=ppt/slides/slide13.xml><?xml version="1.0" encoding="utf-8"?>
 <p:sld xmlns:a="http://schemas.openxmlformats.org/drawingml/2006/main" xmlns:r="http://schemas.openxmlformats.org/officeDocument/2006/relationships" xmlns:p="http://schemas.openxmlformats.org/presentationml/2006/main">
   <p:cSld>
     <p:bg>
@@ -21202,1414 +21481,6 @@
 </p:sld>
 </file>
 
-<file path=ppt/slides/slide13.xml><?xml version="1.0" encoding="utf-8"?>
-<p:sld xmlns:a="http://schemas.openxmlformats.org/drawingml/2006/main" xmlns:r="http://schemas.openxmlformats.org/officeDocument/2006/relationships" xmlns:p="http://schemas.openxmlformats.org/presentationml/2006/main">
-  <p:cSld>
-    <p:bg>
-      <p:bgPr>
-        <a:solidFill>
-          <a:schemeClr val="bg1"/>
-        </a:solidFill>
-        <a:effectLst/>
-      </p:bgPr>
-    </p:bg>
-    <p:spTree>
-      <p:nvGrpSpPr>
-        <p:cNvPr id="1" name=""/>
-        <p:cNvGrpSpPr/>
-        <p:nvPr/>
-      </p:nvGrpSpPr>
-      <p:grpSpPr>
-        <a:xfrm>
-          <a:off x="0" y="0"/>
-          <a:ext cx="0" cy="0"/>
-          <a:chOff x="0" y="0"/>
-          <a:chExt cx="0" cy="0"/>
-        </a:xfrm>
-      </p:grpSpPr>
-      <p:sp useBgFill="1">
-        <p:nvSpPr>
-          <p:cNvPr id="9" name="Rectangle 8">
-            <a:extLst>
-              <a:ext uri="{FF2B5EF4-FFF2-40B4-BE49-F238E27FC236}">
-                <a16:creationId xmlns:a16="http://schemas.microsoft.com/office/drawing/2014/main" id="{827B839B-9ADE-406B-8590-F1CAEDED45A1}"/>
-              </a:ext>
-              <a:ext uri="{C183D7F6-B498-43B3-948B-1728B52AA6E4}">
-                <adec:decorative xmlns:adec="http://schemas.microsoft.com/office/drawing/2017/decorative" val="1"/>
-              </a:ext>
-            </a:extLst>
-          </p:cNvPr>
-          <p:cNvSpPr>
-            <a:spLocks noGrp="1" noRot="1" noChangeAspect="1" noMove="1" noResize="1" noEditPoints="1" noAdjustHandles="1" noChangeArrowheads="1" noChangeShapeType="1" noTextEdit="1"/>
-          </p:cNvSpPr>
-          <p:nvPr>
-            <p:extLst>
-              <p:ext uri="{386F3935-93C4-4BCD-93E2-E3B085C9AB24}">
-                <p16:designElem xmlns:p16="http://schemas.microsoft.com/office/powerpoint/2015/main" val="1"/>
-              </p:ext>
-            </p:extLst>
-          </p:nvPr>
-        </p:nvSpPr>
-        <p:spPr>
-          <a:xfrm>
-            <a:off x="0" y="0"/>
-            <a:ext cx="12188952" cy="6858000"/>
-          </a:xfrm>
-          <a:prstGeom prst="rect">
-            <a:avLst/>
-          </a:prstGeom>
-          <a:ln>
-            <a:noFill/>
-          </a:ln>
-        </p:spPr>
-        <p:style>
-          <a:lnRef idx="2">
-            <a:schemeClr val="accent1">
-              <a:shade val="50000"/>
-            </a:schemeClr>
-          </a:lnRef>
-          <a:fillRef idx="1">
-            <a:schemeClr val="accent1"/>
-          </a:fillRef>
-          <a:effectRef idx="0">
-            <a:schemeClr val="accent1"/>
-          </a:effectRef>
-          <a:fontRef idx="minor">
-            <a:schemeClr val="lt1"/>
-          </a:fontRef>
-        </p:style>
-        <p:txBody>
-          <a:bodyPr rtlCol="0" anchor="ctr"/>
-          <a:lstStyle/>
-          <a:p>
-            <a:pPr algn="ctr"/>
-            <a:endParaRPr lang="en-US"/>
-          </a:p>
-        </p:txBody>
-      </p:sp>
-      <p:sp>
-        <p:nvSpPr>
-          <p:cNvPr id="11" name="Freeform 45">
-            <a:extLst>
-              <a:ext uri="{FF2B5EF4-FFF2-40B4-BE49-F238E27FC236}">
-                <a16:creationId xmlns:a16="http://schemas.microsoft.com/office/drawing/2014/main" id="{CFE45BF0-46DB-408C-B5F7-7B11716805D4}"/>
-              </a:ext>
-              <a:ext uri="{C183D7F6-B498-43B3-948B-1728B52AA6E4}">
-                <adec:decorative xmlns:adec="http://schemas.microsoft.com/office/drawing/2017/decorative" val="1"/>
-              </a:ext>
-            </a:extLst>
-          </p:cNvPr>
-          <p:cNvSpPr>
-            <a:spLocks noGrp="1" noRot="1" noChangeAspect="1" noMove="1" noResize="1" noEditPoints="1" noAdjustHandles="1" noChangeArrowheads="1" noChangeShapeType="1" noTextEdit="1"/>
-          </p:cNvSpPr>
-          <p:nvPr>
-            <p:extLst>
-              <p:ext uri="{386F3935-93C4-4BCD-93E2-E3B085C9AB24}">
-                <p16:designElem xmlns:p16="http://schemas.microsoft.com/office/powerpoint/2015/main" val="1"/>
-              </p:ext>
-            </p:extLst>
-          </p:nvPr>
-        </p:nvSpPr>
-        <p:spPr bwMode="auto">
-          <a:xfrm>
-            <a:off x="409710" y="1022350"/>
-            <a:ext cx="709612" cy="2095501"/>
-          </a:xfrm>
-          <a:custGeom>
-            <a:avLst/>
-            <a:gdLst>
-              <a:gd name="T0" fmla="*/ 447 w 447"/>
-              <a:gd name="T1" fmla="*/ 1363 h 1363"/>
-              <a:gd name="T2" fmla="*/ 0 w 447"/>
-              <a:gd name="T3" fmla="*/ 987 h 1363"/>
-              <a:gd name="T4" fmla="*/ 0 w 447"/>
-              <a:gd name="T5" fmla="*/ 0 h 1363"/>
-              <a:gd name="T6" fmla="*/ 447 w 447"/>
-              <a:gd name="T7" fmla="*/ 376 h 1363"/>
-              <a:gd name="T8" fmla="*/ 447 w 447"/>
-              <a:gd name="T9" fmla="*/ 1363 h 1363"/>
-            </a:gdLst>
-            <a:ahLst/>
-            <a:cxnLst>
-              <a:cxn ang="0">
-                <a:pos x="T0" y="T1"/>
-              </a:cxn>
-              <a:cxn ang="0">
-                <a:pos x="T2" y="T3"/>
-              </a:cxn>
-              <a:cxn ang="0">
-                <a:pos x="T4" y="T5"/>
-              </a:cxn>
-              <a:cxn ang="0">
-                <a:pos x="T6" y="T7"/>
-              </a:cxn>
-              <a:cxn ang="0">
-                <a:pos x="T8" y="T9"/>
-              </a:cxn>
-            </a:cxnLst>
-            <a:rect l="0" t="0" r="r" b="b"/>
-            <a:pathLst>
-              <a:path w="447" h="1363">
-                <a:moveTo>
-                  <a:pt x="447" y="1363"/>
-                </a:moveTo>
-                <a:lnTo>
-                  <a:pt x="0" y="987"/>
-                </a:lnTo>
-                <a:lnTo>
-                  <a:pt x="0" y="0"/>
-                </a:lnTo>
-                <a:lnTo>
-                  <a:pt x="447" y="376"/>
-                </a:lnTo>
-                <a:lnTo>
-                  <a:pt x="447" y="1363"/>
-                </a:lnTo>
-                <a:close/>
-              </a:path>
-            </a:pathLst>
-          </a:custGeom>
-          <a:solidFill>
-            <a:schemeClr val="accent1">
-              <a:lumMod val="50000"/>
-            </a:schemeClr>
-          </a:solidFill>
-          <a:ln>
-            <a:noFill/>
-          </a:ln>
-        </p:spPr>
-        <p:txBody>
-          <a:bodyPr vert="horz" wrap="square" lIns="91440" tIns="45720" rIns="91440" bIns="45720" numCol="1" anchor="t" anchorCtr="0" compatLnSpc="1">
-            <a:prstTxWarp prst="textNoShape">
-              <a:avLst/>
-            </a:prstTxWarp>
-          </a:bodyPr>
-          <a:lstStyle/>
-          <a:p>
-            <a:endParaRPr lang="en-US"/>
-          </a:p>
-        </p:txBody>
-      </p:sp>
-      <p:sp>
-        <p:nvSpPr>
-          <p:cNvPr id="13" name="Freeform 46">
-            <a:extLst>
-              <a:ext uri="{FF2B5EF4-FFF2-40B4-BE49-F238E27FC236}">
-                <a16:creationId xmlns:a16="http://schemas.microsoft.com/office/drawing/2014/main" id="{2AEBC8F2-97B1-41B4-93F1-2D289E197FBA}"/>
-              </a:ext>
-              <a:ext uri="{C183D7F6-B498-43B3-948B-1728B52AA6E4}">
-                <adec:decorative xmlns:adec="http://schemas.microsoft.com/office/drawing/2017/decorative" val="1"/>
-              </a:ext>
-            </a:extLst>
-          </p:cNvPr>
-          <p:cNvSpPr>
-            <a:spLocks noGrp="1" noRot="1" noChangeAspect="1" noMove="1" noResize="1" noEditPoints="1" noAdjustHandles="1" noChangeArrowheads="1" noChangeShapeType="1" noTextEdit="1"/>
-          </p:cNvSpPr>
-          <p:nvPr>
-            <p:extLst>
-              <p:ext uri="{386F3935-93C4-4BCD-93E2-E3B085C9AB24}">
-                <p16:designElem xmlns:p16="http://schemas.microsoft.com/office/powerpoint/2015/main" val="1"/>
-              </p:ext>
-            </p:extLst>
-          </p:nvPr>
-        </p:nvSpPr>
-        <p:spPr bwMode="auto">
-          <a:xfrm>
-            <a:off x="409710" y="837744"/>
-            <a:ext cx="403225" cy="1705431"/>
-          </a:xfrm>
-          <a:custGeom>
-            <a:avLst/>
-            <a:gdLst>
-              <a:gd name="T0" fmla="*/ 254 w 254"/>
-              <a:gd name="T1" fmla="*/ 987 h 1109"/>
-              <a:gd name="T2" fmla="*/ 0 w 254"/>
-              <a:gd name="T3" fmla="*/ 1109 h 1109"/>
-              <a:gd name="T4" fmla="*/ 0 w 254"/>
-              <a:gd name="T5" fmla="*/ 119 h 1109"/>
-              <a:gd name="T6" fmla="*/ 254 w 254"/>
-              <a:gd name="T7" fmla="*/ 0 h 1109"/>
-              <a:gd name="T8" fmla="*/ 254 w 254"/>
-              <a:gd name="T9" fmla="*/ 987 h 1109"/>
-            </a:gdLst>
-            <a:ahLst/>
-            <a:cxnLst>
-              <a:cxn ang="0">
-                <a:pos x="T0" y="T1"/>
-              </a:cxn>
-              <a:cxn ang="0">
-                <a:pos x="T2" y="T3"/>
-              </a:cxn>
-              <a:cxn ang="0">
-                <a:pos x="T4" y="T5"/>
-              </a:cxn>
-              <a:cxn ang="0">
-                <a:pos x="T6" y="T7"/>
-              </a:cxn>
-              <a:cxn ang="0">
-                <a:pos x="T8" y="T9"/>
-              </a:cxn>
-            </a:cxnLst>
-            <a:rect l="0" t="0" r="r" b="b"/>
-            <a:pathLst>
-              <a:path w="254" h="1109">
-                <a:moveTo>
-                  <a:pt x="254" y="987"/>
-                </a:moveTo>
-                <a:lnTo>
-                  <a:pt x="0" y="1109"/>
-                </a:lnTo>
-                <a:lnTo>
-                  <a:pt x="0" y="119"/>
-                </a:lnTo>
-                <a:lnTo>
-                  <a:pt x="254" y="0"/>
-                </a:lnTo>
-                <a:lnTo>
-                  <a:pt x="254" y="987"/>
-                </a:lnTo>
-                <a:close/>
-              </a:path>
-            </a:pathLst>
-          </a:custGeom>
-          <a:solidFill>
-            <a:schemeClr val="accent1">
-              <a:lumMod val="75000"/>
-            </a:schemeClr>
-          </a:solidFill>
-          <a:ln>
-            <a:noFill/>
-          </a:ln>
-        </p:spPr>
-        <p:txBody>
-          <a:bodyPr vert="horz" wrap="square" lIns="91440" tIns="45720" rIns="91440" bIns="45720" numCol="1" anchor="t" anchorCtr="0" compatLnSpc="1">
-            <a:prstTxWarp prst="textNoShape">
-              <a:avLst/>
-            </a:prstTxWarp>
-          </a:bodyPr>
-          <a:lstStyle/>
-          <a:p>
-            <a:endParaRPr lang="en-US"/>
-          </a:p>
-        </p:txBody>
-      </p:sp>
-      <p:sp>
-        <p:nvSpPr>
-          <p:cNvPr id="15" name="Freeform 47">
-            <a:extLst>
-              <a:ext uri="{FF2B5EF4-FFF2-40B4-BE49-F238E27FC236}">
-                <a16:creationId xmlns:a16="http://schemas.microsoft.com/office/drawing/2014/main" id="{472E3A19-F5D5-48FC-BB9C-48C2F68F598B}"/>
-              </a:ext>
-              <a:ext uri="{C183D7F6-B498-43B3-948B-1728B52AA6E4}">
-                <adec:decorative xmlns:adec="http://schemas.microsoft.com/office/drawing/2017/decorative" val="1"/>
-              </a:ext>
-            </a:extLst>
-          </p:cNvPr>
-          <p:cNvSpPr>
-            <a:spLocks noGrp="1" noRot="1" noChangeAspect="1" noMove="1" noResize="1" noEditPoints="1" noAdjustHandles="1" noChangeArrowheads="1" noChangeShapeType="1" noTextEdit="1"/>
-          </p:cNvSpPr>
-          <p:nvPr>
-            <p:extLst>
-              <p:ext uri="{386F3935-93C4-4BCD-93E2-E3B085C9AB24}">
-                <p16:designElem xmlns:p16="http://schemas.microsoft.com/office/powerpoint/2015/main" val="1"/>
-              </p:ext>
-            </p:extLst>
-          </p:nvPr>
-        </p:nvSpPr>
-        <p:spPr bwMode="auto">
-          <a:xfrm>
-            <a:off x="644660" y="640894"/>
-            <a:ext cx="168275" cy="1713195"/>
-          </a:xfrm>
-          <a:custGeom>
-            <a:avLst/>
-            <a:gdLst>
-              <a:gd name="T0" fmla="*/ 106 w 106"/>
-              <a:gd name="T1" fmla="*/ 1114 h 1114"/>
-              <a:gd name="T2" fmla="*/ 0 w 106"/>
-              <a:gd name="T3" fmla="*/ 1005 h 1114"/>
-              <a:gd name="T4" fmla="*/ 0 w 106"/>
-              <a:gd name="T5" fmla="*/ 0 h 1114"/>
-              <a:gd name="T6" fmla="*/ 106 w 106"/>
-              <a:gd name="T7" fmla="*/ 110 h 1114"/>
-              <a:gd name="T8" fmla="*/ 106 w 106"/>
-              <a:gd name="T9" fmla="*/ 1114 h 1114"/>
-            </a:gdLst>
-            <a:ahLst/>
-            <a:cxnLst>
-              <a:cxn ang="0">
-                <a:pos x="T0" y="T1"/>
-              </a:cxn>
-              <a:cxn ang="0">
-                <a:pos x="T2" y="T3"/>
-              </a:cxn>
-              <a:cxn ang="0">
-                <a:pos x="T4" y="T5"/>
-              </a:cxn>
-              <a:cxn ang="0">
-                <a:pos x="T6" y="T7"/>
-              </a:cxn>
-              <a:cxn ang="0">
-                <a:pos x="T8" y="T9"/>
-              </a:cxn>
-            </a:cxnLst>
-            <a:rect l="0" t="0" r="r" b="b"/>
-            <a:pathLst>
-              <a:path w="106" h="1114">
-                <a:moveTo>
-                  <a:pt x="106" y="1114"/>
-                </a:moveTo>
-                <a:lnTo>
-                  <a:pt x="0" y="1005"/>
-                </a:lnTo>
-                <a:lnTo>
-                  <a:pt x="0" y="0"/>
-                </a:lnTo>
-                <a:lnTo>
-                  <a:pt x="106" y="110"/>
-                </a:lnTo>
-                <a:lnTo>
-                  <a:pt x="106" y="1114"/>
-                </a:lnTo>
-                <a:close/>
-              </a:path>
-            </a:pathLst>
-          </a:custGeom>
-          <a:solidFill>
-            <a:schemeClr val="accent1">
-              <a:lumMod val="50000"/>
-            </a:schemeClr>
-          </a:solidFill>
-          <a:ln>
-            <a:noFill/>
-          </a:ln>
-        </p:spPr>
-        <p:txBody>
-          <a:bodyPr vert="horz" wrap="square" lIns="91440" tIns="45720" rIns="91440" bIns="45720" numCol="1" anchor="t" anchorCtr="0" compatLnSpc="1">
-            <a:prstTxWarp prst="textNoShape">
-              <a:avLst/>
-            </a:prstTxWarp>
-          </a:bodyPr>
-          <a:lstStyle/>
-          <a:p>
-            <a:endParaRPr lang="en-US"/>
-          </a:p>
-        </p:txBody>
-      </p:sp>
-      <p:sp>
-        <p:nvSpPr>
-          <p:cNvPr id="17" name="Freeform 44">
-            <a:extLst>
-              <a:ext uri="{FF2B5EF4-FFF2-40B4-BE49-F238E27FC236}">
-                <a16:creationId xmlns:a16="http://schemas.microsoft.com/office/drawing/2014/main" id="{7A62E32F-BB65-43A8-8EB5-92346890E549}"/>
-              </a:ext>
-              <a:ext uri="{C183D7F6-B498-43B3-948B-1728B52AA6E4}">
-                <adec:decorative xmlns:adec="http://schemas.microsoft.com/office/drawing/2017/decorative" val="1"/>
-              </a:ext>
-            </a:extLst>
-          </p:cNvPr>
-          <p:cNvSpPr>
-            <a:spLocks noGrp="1" noRot="1" noChangeAspect="1" noMove="1" noResize="1" noEditPoints="1" noAdjustHandles="1" noChangeArrowheads="1" noChangeShapeType="1" noTextEdit="1"/>
-          </p:cNvSpPr>
-          <p:nvPr>
-            <p:extLst>
-              <p:ext uri="{386F3935-93C4-4BCD-93E2-E3B085C9AB24}">
-                <p16:designElem xmlns:p16="http://schemas.microsoft.com/office/powerpoint/2015/main" val="1"/>
-              </p:ext>
-            </p:extLst>
-          </p:nvPr>
-        </p:nvSpPr>
-        <p:spPr bwMode="auto">
-          <a:xfrm>
-            <a:off x="11223203" y="635716"/>
-            <a:ext cx="328612" cy="1742360"/>
-          </a:xfrm>
-          <a:custGeom>
-            <a:avLst/>
-            <a:gdLst>
-              <a:gd name="T0" fmla="*/ 207 w 207"/>
-              <a:gd name="T1" fmla="*/ 987 h 1114"/>
-              <a:gd name="T2" fmla="*/ 0 w 207"/>
-              <a:gd name="T3" fmla="*/ 1114 h 1114"/>
-              <a:gd name="T4" fmla="*/ 0 w 207"/>
-              <a:gd name="T5" fmla="*/ 127 h 1114"/>
-              <a:gd name="T6" fmla="*/ 207 w 207"/>
-              <a:gd name="T7" fmla="*/ 0 h 1114"/>
-              <a:gd name="T8" fmla="*/ 207 w 207"/>
-              <a:gd name="T9" fmla="*/ 987 h 1114"/>
-            </a:gdLst>
-            <a:ahLst/>
-            <a:cxnLst>
-              <a:cxn ang="0">
-                <a:pos x="T0" y="T1"/>
-              </a:cxn>
-              <a:cxn ang="0">
-                <a:pos x="T2" y="T3"/>
-              </a:cxn>
-              <a:cxn ang="0">
-                <a:pos x="T4" y="T5"/>
-              </a:cxn>
-              <a:cxn ang="0">
-                <a:pos x="T6" y="T7"/>
-              </a:cxn>
-              <a:cxn ang="0">
-                <a:pos x="T8" y="T9"/>
-              </a:cxn>
-            </a:cxnLst>
-            <a:rect l="0" t="0" r="r" b="b"/>
-            <a:pathLst>
-              <a:path w="207" h="1114">
-                <a:moveTo>
-                  <a:pt x="207" y="987"/>
-                </a:moveTo>
-                <a:lnTo>
-                  <a:pt x="0" y="1114"/>
-                </a:lnTo>
-                <a:lnTo>
-                  <a:pt x="0" y="127"/>
-                </a:lnTo>
-                <a:lnTo>
-                  <a:pt x="207" y="0"/>
-                </a:lnTo>
-                <a:lnTo>
-                  <a:pt x="207" y="987"/>
-                </a:lnTo>
-                <a:close/>
-              </a:path>
-            </a:pathLst>
-          </a:custGeom>
-          <a:solidFill>
-            <a:schemeClr val="accent1">
-              <a:lumMod val="50000"/>
-            </a:schemeClr>
-          </a:solidFill>
-          <a:ln>
-            <a:noFill/>
-          </a:ln>
-        </p:spPr>
-        <p:txBody>
-          <a:bodyPr vert="horz" wrap="square" lIns="91440" tIns="45720" rIns="91440" bIns="45720" numCol="1" anchor="t" anchorCtr="0" compatLnSpc="1">
-            <a:prstTxWarp prst="textNoShape">
-              <a:avLst/>
-            </a:prstTxWarp>
-          </a:bodyPr>
-          <a:lstStyle/>
-          <a:p>
-            <a:endParaRPr lang="en-US"/>
-          </a:p>
-        </p:txBody>
-      </p:sp>
-      <p:sp>
-        <p:nvSpPr>
-          <p:cNvPr id="19" name="Rectangle 18">
-            <a:extLst>
-              <a:ext uri="{FF2B5EF4-FFF2-40B4-BE49-F238E27FC236}">
-                <a16:creationId xmlns:a16="http://schemas.microsoft.com/office/drawing/2014/main" id="{14E91B64-9FCC-451E-AFB4-A827D6329367}"/>
-              </a:ext>
-              <a:ext uri="{C183D7F6-B498-43B3-948B-1728B52AA6E4}">
-                <adec:decorative xmlns:adec="http://schemas.microsoft.com/office/drawing/2017/decorative" val="1"/>
-              </a:ext>
-            </a:extLst>
-          </p:cNvPr>
-          <p:cNvSpPr>
-            <a:spLocks noGrp="1" noRot="1" noChangeAspect="1" noMove="1" noResize="1" noEditPoints="1" noAdjustHandles="1" noChangeArrowheads="1" noChangeShapeType="1" noTextEdit="1"/>
-          </p:cNvSpPr>
-          <p:nvPr>
-            <p:extLst>
-              <p:ext uri="{386F3935-93C4-4BCD-93E2-E3B085C9AB24}">
-                <p16:designElem xmlns:p16="http://schemas.microsoft.com/office/powerpoint/2015/main" val="1"/>
-              </p:ext>
-            </p:extLst>
-          </p:nvPr>
-        </p:nvSpPr>
-        <p:spPr bwMode="auto">
-          <a:xfrm>
-            <a:off x="644055" y="635715"/>
-            <a:ext cx="10907863" cy="1541457"/>
-          </a:xfrm>
-          <a:prstGeom prst="rect">
-            <a:avLst/>
-          </a:prstGeom>
-          <a:solidFill>
-            <a:schemeClr val="accent1"/>
-          </a:solidFill>
-          <a:ln>
-            <a:noFill/>
-          </a:ln>
-        </p:spPr>
-        <p:txBody>
-          <a:bodyPr vert="horz" wrap="square" lIns="91440" tIns="45720" rIns="91440" bIns="45720" numCol="1" anchor="t" anchorCtr="0" compatLnSpc="1">
-            <a:prstTxWarp prst="textNoShape">
-              <a:avLst/>
-            </a:prstTxWarp>
-          </a:bodyPr>
-          <a:lstStyle/>
-          <a:p>
-            <a:endParaRPr lang="en-US"/>
-          </a:p>
-        </p:txBody>
-      </p:sp>
-      <p:sp>
-        <p:nvSpPr>
-          <p:cNvPr id="3" name="Tiêu đề 2">
-            <a:extLst>
-              <a:ext uri="{FF2B5EF4-FFF2-40B4-BE49-F238E27FC236}">
-                <a16:creationId xmlns:a16="http://schemas.microsoft.com/office/drawing/2014/main" id="{EC7E421E-CE87-4A75-A52D-1D9BADDA6BB8}"/>
-              </a:ext>
-            </a:extLst>
-          </p:cNvPr>
-          <p:cNvSpPr>
-            <a:spLocks noGrp="1"/>
-          </p:cNvSpPr>
-          <p:nvPr>
-            <p:ph type="title"/>
-          </p:nvPr>
-        </p:nvSpPr>
-        <p:spPr>
-          <a:xfrm>
-            <a:off x="958506" y="800392"/>
-            <a:ext cx="10264697" cy="1212102"/>
-          </a:xfrm>
-        </p:spPr>
-        <p:txBody>
-          <a:bodyPr>
-            <a:normAutofit/>
-          </a:bodyPr>
-          <a:lstStyle/>
-          <a:p>
-            <a:pPr algn="ctr"/>
-            <a:r>
-              <a:rPr lang="en-US" sz="4000" b="1" dirty="0" err="1">
-                <a:solidFill>
-                  <a:srgbClr val="FFFFFF"/>
-                </a:solidFill>
-              </a:rPr>
-              <a:t>Đưa</a:t>
-            </a:r>
-            <a:r>
-              <a:rPr lang="en-US" sz="4000" b="1" dirty="0">
-                <a:solidFill>
-                  <a:srgbClr val="FFFFFF"/>
-                </a:solidFill>
-              </a:rPr>
-              <a:t> ra </a:t>
-            </a:r>
-            <a:r>
-              <a:rPr lang="en-US" sz="4000" b="1" dirty="0" err="1">
-                <a:solidFill>
-                  <a:srgbClr val="FFFFFF"/>
-                </a:solidFill>
-              </a:rPr>
-              <a:t>câu</a:t>
-            </a:r>
-            <a:r>
-              <a:rPr lang="en-US" sz="4000" b="1" dirty="0">
-                <a:solidFill>
-                  <a:srgbClr val="FFFFFF"/>
-                </a:solidFill>
-              </a:rPr>
-              <a:t> </a:t>
-            </a:r>
-            <a:r>
-              <a:rPr lang="en-US" sz="4000" b="1" dirty="0" err="1">
-                <a:solidFill>
-                  <a:srgbClr val="FFFFFF"/>
-                </a:solidFill>
-              </a:rPr>
-              <a:t>hỏi</a:t>
-            </a:r>
-            <a:r>
-              <a:rPr lang="en-US" sz="4000" b="1" dirty="0">
-                <a:solidFill>
-                  <a:srgbClr val="FFFFFF"/>
-                </a:solidFill>
-              </a:rPr>
-              <a:t> </a:t>
-            </a:r>
-            <a:r>
-              <a:rPr lang="en-US" sz="4000" b="1" dirty="0" err="1">
-                <a:solidFill>
-                  <a:srgbClr val="FFFFFF"/>
-                </a:solidFill>
-              </a:rPr>
-              <a:t>cần</a:t>
-            </a:r>
-            <a:r>
-              <a:rPr lang="en-US" sz="4000" b="1" dirty="0">
-                <a:solidFill>
-                  <a:srgbClr val="FFFFFF"/>
-                </a:solidFill>
-              </a:rPr>
-              <a:t> </a:t>
-            </a:r>
-            <a:r>
-              <a:rPr lang="en-US" sz="4000" b="1" dirty="0" err="1">
-                <a:solidFill>
-                  <a:srgbClr val="FFFFFF"/>
-                </a:solidFill>
-              </a:rPr>
-              <a:t>trả</a:t>
-            </a:r>
-            <a:r>
-              <a:rPr lang="en-US" sz="4000" b="1" dirty="0">
-                <a:solidFill>
-                  <a:srgbClr val="FFFFFF"/>
-                </a:solidFill>
-              </a:rPr>
-              <a:t> </a:t>
-            </a:r>
-            <a:r>
-              <a:rPr lang="en-US" sz="4000" b="1" dirty="0" err="1">
-                <a:solidFill>
-                  <a:srgbClr val="FFFFFF"/>
-                </a:solidFill>
-              </a:rPr>
-              <a:t>lời</a:t>
-            </a:r>
-            <a:endParaRPr lang="vi-VN" sz="4000" dirty="0">
-              <a:solidFill>
-                <a:srgbClr val="FFFFFF"/>
-              </a:solidFill>
-            </a:endParaRPr>
-          </a:p>
-        </p:txBody>
-      </p:sp>
-      <p:sp>
-        <p:nvSpPr>
-          <p:cNvPr id="4" name="Chỗ dành sẵn cho Nội dung 3">
-            <a:extLst>
-              <a:ext uri="{FF2B5EF4-FFF2-40B4-BE49-F238E27FC236}">
-                <a16:creationId xmlns:a16="http://schemas.microsoft.com/office/drawing/2014/main" id="{9A4CF302-2D42-4716-B745-FA432486A2CB}"/>
-              </a:ext>
-            </a:extLst>
-          </p:cNvPr>
-          <p:cNvSpPr>
-            <a:spLocks noGrp="1"/>
-          </p:cNvSpPr>
-          <p:nvPr>
-            <p:ph idx="1"/>
-          </p:nvPr>
-        </p:nvSpPr>
-        <p:spPr>
-          <a:xfrm>
-            <a:off x="1367624" y="2490436"/>
-            <a:ext cx="9708995" cy="3567173"/>
-          </a:xfrm>
-        </p:spPr>
-        <p:txBody>
-          <a:bodyPr anchor="ctr">
-            <a:normAutofit/>
-          </a:bodyPr>
-          <a:lstStyle/>
-          <a:p>
-            <a:pPr algn="just"/>
-            <a:r>
-              <a:rPr lang="vi-VN" sz="2400" i="1" dirty="0"/>
-              <a:t>Câu </a:t>
-            </a:r>
-            <a:r>
-              <a:rPr lang="vi-VN" sz="2400" i="1" dirty="0" err="1"/>
-              <a:t>hỏi</a:t>
-            </a:r>
-            <a:r>
-              <a:rPr lang="vi-VN" sz="2400" i="1" dirty="0"/>
-              <a:t>: </a:t>
-            </a:r>
-            <a:r>
-              <a:rPr lang="vi-VN" sz="2400" i="1" dirty="0" err="1"/>
-              <a:t>Output</a:t>
-            </a:r>
-            <a:r>
-              <a:rPr lang="vi-VN" sz="2400" i="1" dirty="0"/>
-              <a:t> - </a:t>
-            </a:r>
-            <a:r>
-              <a:rPr lang="vi-VN" sz="2400" i="1" dirty="0" err="1"/>
-              <a:t>kết</a:t>
-            </a:r>
-            <a:r>
-              <a:rPr lang="vi-VN" sz="2400" i="1" dirty="0"/>
-              <a:t> </a:t>
-            </a:r>
-            <a:r>
-              <a:rPr lang="vi-VN" sz="2400" i="1" dirty="0" err="1"/>
-              <a:t>quả</a:t>
-            </a:r>
-            <a:r>
-              <a:rPr lang="vi-VN" sz="2400" dirty="0"/>
-              <a:t> - </a:t>
-            </a:r>
-            <a:r>
-              <a:rPr lang="vi-VN" sz="2400" dirty="0" err="1"/>
-              <a:t>củ</a:t>
-            </a:r>
-            <a:r>
-              <a:rPr lang="vi-VN" sz="2400" dirty="0"/>
-              <a:t> </a:t>
-            </a:r>
-            <a:r>
-              <a:rPr lang="vi-VN" sz="2400" dirty="0" err="1"/>
-              <a:t>một</a:t>
-            </a:r>
-            <a:r>
-              <a:rPr lang="vi-VN" sz="2400" dirty="0"/>
-              <a:t> </a:t>
-            </a:r>
-            <a:r>
-              <a:rPr lang="vi-VN" sz="2400" dirty="0" err="1"/>
-              <a:t>dự</a:t>
-            </a:r>
-            <a:r>
-              <a:rPr lang="vi-VN" sz="2400" dirty="0"/>
-              <a:t> </a:t>
-            </a:r>
-            <a:r>
-              <a:rPr lang="vi-VN" sz="2400" dirty="0" err="1"/>
-              <a:t>án</a:t>
-            </a:r>
-            <a:r>
-              <a:rPr lang="vi-VN" sz="2400" dirty="0"/>
-              <a:t> </a:t>
-            </a:r>
-            <a:r>
-              <a:rPr lang="vi-VN" sz="2400" dirty="0" err="1"/>
-              <a:t>góp</a:t>
-            </a:r>
-            <a:r>
-              <a:rPr lang="vi-VN" sz="2400" dirty="0"/>
-              <a:t> </a:t>
-            </a:r>
-            <a:r>
-              <a:rPr lang="vi-VN" sz="2400" dirty="0" err="1"/>
-              <a:t>vốn</a:t>
-            </a:r>
-            <a:r>
-              <a:rPr lang="vi-VN" sz="2400" dirty="0"/>
-              <a:t> </a:t>
-            </a:r>
-            <a:r>
-              <a:rPr lang="vi-VN" sz="2400" dirty="0" err="1"/>
-              <a:t>cộng</a:t>
-            </a:r>
-            <a:r>
-              <a:rPr lang="vi-VN" sz="2400" dirty="0"/>
-              <a:t> </a:t>
-            </a:r>
-            <a:r>
-              <a:rPr lang="vi-VN" sz="2400" dirty="0" err="1"/>
-              <a:t>đồng</a:t>
-            </a:r>
-            <a:r>
-              <a:rPr lang="vi-VN" sz="2400" dirty="0"/>
-              <a:t> </a:t>
-            </a:r>
-            <a:r>
-              <a:rPr lang="vi-VN" sz="2400" dirty="0" err="1"/>
-              <a:t>có</a:t>
-            </a:r>
-            <a:r>
-              <a:rPr lang="vi-VN" sz="2400" dirty="0"/>
-              <a:t> </a:t>
-            </a:r>
-            <a:r>
-              <a:rPr lang="vi-VN" sz="2400" dirty="0" err="1"/>
-              <a:t>thể</a:t>
-            </a:r>
-            <a:r>
-              <a:rPr lang="vi-VN" sz="2400" dirty="0"/>
-              <a:t> </a:t>
-            </a:r>
-            <a:r>
-              <a:rPr lang="vi-VN" sz="2400" dirty="0" err="1"/>
-              <a:t>được</a:t>
-            </a:r>
-            <a:r>
-              <a:rPr lang="vi-VN" sz="2400" dirty="0"/>
-              <a:t> </a:t>
-            </a:r>
-            <a:r>
-              <a:rPr lang="vi-VN" sz="2400" dirty="0" err="1"/>
-              <a:t>tính</a:t>
-            </a:r>
-            <a:r>
-              <a:rPr lang="vi-VN" sz="2400" dirty="0"/>
-              <a:t> </a:t>
-            </a:r>
-            <a:r>
-              <a:rPr lang="vi-VN" sz="2400" dirty="0" err="1"/>
-              <a:t>từ</a:t>
-            </a:r>
-            <a:r>
-              <a:rPr lang="vi-VN" sz="2400" dirty="0"/>
-              <a:t> </a:t>
-            </a:r>
-            <a:r>
-              <a:rPr lang="vi-VN" sz="2400" i="1" dirty="0" err="1"/>
-              <a:t>input</a:t>
-            </a:r>
-            <a:r>
-              <a:rPr lang="vi-VN" sz="2400" i="1" dirty="0"/>
-              <a:t> - </a:t>
-            </a:r>
-            <a:r>
-              <a:rPr lang="vi-VN" sz="2400" i="1" dirty="0" err="1"/>
-              <a:t>các</a:t>
-            </a:r>
-            <a:r>
-              <a:rPr lang="vi-VN" sz="2400" i="1" dirty="0"/>
-              <a:t> thông tin </a:t>
-            </a:r>
-            <a:r>
-              <a:rPr lang="vi-VN" sz="2400" i="1" dirty="0" err="1"/>
-              <a:t>về</a:t>
-            </a:r>
-            <a:r>
-              <a:rPr lang="vi-VN" sz="2400" i="1" dirty="0"/>
-              <a:t> </a:t>
-            </a:r>
-            <a:r>
-              <a:rPr lang="vi-VN" sz="2400" i="1" dirty="0" err="1"/>
-              <a:t>dự</a:t>
-            </a:r>
-            <a:r>
-              <a:rPr lang="vi-VN" sz="2400" i="1" dirty="0"/>
-              <a:t> </a:t>
-            </a:r>
-            <a:r>
-              <a:rPr lang="vi-VN" sz="2400" i="1" dirty="0" err="1"/>
-              <a:t>án</a:t>
-            </a:r>
-            <a:r>
-              <a:rPr lang="vi-VN" sz="2400" dirty="0"/>
-              <a:t> - theo công </a:t>
-            </a:r>
-            <a:r>
-              <a:rPr lang="vi-VN" sz="2400" dirty="0" err="1"/>
-              <a:t>thức</a:t>
-            </a:r>
-            <a:r>
-              <a:rPr lang="vi-VN" sz="2400" dirty="0"/>
-              <a:t> </a:t>
-            </a:r>
-            <a:r>
-              <a:rPr lang="vi-VN" sz="2400" dirty="0" err="1"/>
-              <a:t>nào</a:t>
-            </a:r>
-            <a:r>
-              <a:rPr lang="vi-VN" sz="2400" dirty="0"/>
-              <a:t>?</a:t>
-            </a:r>
-            <a:endParaRPr lang="en-US" sz="2400" dirty="0"/>
-          </a:p>
-          <a:p>
-            <a:pPr algn="just"/>
-            <a:r>
-              <a:rPr lang="vi-VN" sz="2400" dirty="0" err="1"/>
-              <a:t>Việc</a:t>
-            </a:r>
-            <a:r>
-              <a:rPr lang="vi-VN" sz="2400" dirty="0"/>
-              <a:t> </a:t>
-            </a:r>
-            <a:r>
-              <a:rPr lang="vi-VN" sz="2400" dirty="0" err="1"/>
-              <a:t>tìm</a:t>
-            </a:r>
-            <a:r>
-              <a:rPr lang="vi-VN" sz="2400" dirty="0"/>
-              <a:t> ra câu </a:t>
-            </a:r>
-            <a:r>
-              <a:rPr lang="vi-VN" sz="2400" dirty="0" err="1"/>
-              <a:t>trả</a:t>
-            </a:r>
-            <a:r>
-              <a:rPr lang="vi-VN" sz="2400" dirty="0"/>
-              <a:t> </a:t>
-            </a:r>
-            <a:r>
-              <a:rPr lang="vi-VN" sz="2400" dirty="0" err="1"/>
-              <a:t>lời</a:t>
-            </a:r>
-            <a:r>
-              <a:rPr lang="vi-VN" sz="2400" dirty="0"/>
-              <a:t> cho câu </a:t>
-            </a:r>
-            <a:r>
-              <a:rPr lang="vi-VN" sz="2400" dirty="0" err="1"/>
-              <a:t>hỏi</a:t>
-            </a:r>
-            <a:r>
-              <a:rPr lang="vi-VN" sz="2400" dirty="0"/>
-              <a:t> </a:t>
-            </a:r>
-            <a:r>
-              <a:rPr lang="vi-VN" sz="2400" dirty="0" err="1"/>
-              <a:t>này</a:t>
-            </a:r>
-            <a:r>
-              <a:rPr lang="vi-VN" sz="2400" dirty="0"/>
-              <a:t> </a:t>
-            </a:r>
-            <a:r>
-              <a:rPr lang="vi-VN" sz="2400" dirty="0" err="1"/>
-              <a:t>có</a:t>
-            </a:r>
-            <a:r>
-              <a:rPr lang="vi-VN" sz="2400" dirty="0"/>
-              <a:t> </a:t>
-            </a:r>
-            <a:r>
-              <a:rPr lang="vi-VN" sz="2400" dirty="0" err="1"/>
-              <a:t>thể</a:t>
-            </a:r>
-            <a:r>
-              <a:rPr lang="vi-VN" sz="2400" dirty="0"/>
-              <a:t> </a:t>
-            </a:r>
-            <a:r>
-              <a:rPr lang="vi-VN" sz="2400" dirty="0" err="1"/>
-              <a:t>giúp</a:t>
-            </a:r>
-            <a:r>
-              <a:rPr lang="vi-VN" sz="2400" dirty="0"/>
-              <a:t> cho </a:t>
-            </a:r>
-            <a:r>
-              <a:rPr lang="vi-VN" sz="2400" dirty="0" err="1"/>
-              <a:t>một</a:t>
-            </a:r>
-            <a:r>
-              <a:rPr lang="vi-VN" sz="2400" dirty="0"/>
-              <a:t> </a:t>
-            </a:r>
-            <a:r>
-              <a:rPr lang="vi-VN" sz="2400" dirty="0" err="1"/>
-              <a:t>người</a:t>
-            </a:r>
-            <a:r>
-              <a:rPr lang="vi-VN" sz="2400" dirty="0"/>
-              <a:t>/</a:t>
-            </a:r>
-            <a:r>
-              <a:rPr lang="vi-VN" sz="2400" dirty="0" err="1"/>
-              <a:t>nhóm</a:t>
-            </a:r>
-            <a:r>
-              <a:rPr lang="vi-VN" sz="2400" dirty="0"/>
-              <a:t> </a:t>
-            </a:r>
-            <a:r>
-              <a:rPr lang="vi-VN" sz="2400" dirty="0" err="1"/>
-              <a:t>người</a:t>
-            </a:r>
-            <a:r>
-              <a:rPr lang="vi-VN" sz="2400" dirty="0"/>
-              <a:t> </a:t>
-            </a:r>
-            <a:r>
-              <a:rPr lang="vi-VN" sz="2400" dirty="0" err="1"/>
-              <a:t>có</a:t>
-            </a:r>
-            <a:r>
-              <a:rPr lang="vi-VN" sz="2400" dirty="0"/>
-              <a:t> ý </a:t>
-            </a:r>
-            <a:r>
-              <a:rPr lang="vi-VN" sz="2400" dirty="0" err="1"/>
-              <a:t>định</a:t>
-            </a:r>
-            <a:r>
-              <a:rPr lang="vi-VN" sz="2400" dirty="0"/>
-              <a:t> kêu </a:t>
-            </a:r>
-            <a:r>
-              <a:rPr lang="vi-VN" sz="2400" dirty="0" err="1"/>
-              <a:t>gọi</a:t>
-            </a:r>
-            <a:r>
-              <a:rPr lang="vi-VN" sz="2400" dirty="0"/>
-              <a:t> </a:t>
-            </a:r>
-            <a:r>
-              <a:rPr lang="vi-VN" sz="2400" dirty="0" err="1"/>
-              <a:t>góp</a:t>
-            </a:r>
-            <a:r>
-              <a:rPr lang="vi-VN" sz="2400" dirty="0"/>
-              <a:t> </a:t>
-            </a:r>
-            <a:r>
-              <a:rPr lang="vi-VN" sz="2400" dirty="0" err="1"/>
-              <a:t>vốn</a:t>
-            </a:r>
-            <a:r>
-              <a:rPr lang="vi-VN" sz="2400" dirty="0"/>
-              <a:t> </a:t>
-            </a:r>
-            <a:r>
-              <a:rPr lang="vi-VN" sz="2400" dirty="0" err="1"/>
-              <a:t>cộng</a:t>
-            </a:r>
-            <a:r>
-              <a:rPr lang="vi-VN" sz="2400" dirty="0"/>
-              <a:t> </a:t>
-            </a:r>
-            <a:r>
-              <a:rPr lang="vi-VN" sz="2400" dirty="0" err="1"/>
-              <a:t>đồng</a:t>
-            </a:r>
-            <a:r>
-              <a:rPr lang="vi-VN" sz="2400" dirty="0"/>
-              <a:t> cho </a:t>
-            </a:r>
-            <a:r>
-              <a:rPr lang="vi-VN" sz="2400" dirty="0" err="1"/>
-              <a:t>một</a:t>
-            </a:r>
-            <a:r>
-              <a:rPr lang="vi-VN" sz="2400" dirty="0"/>
-              <a:t> </a:t>
-            </a:r>
-            <a:r>
-              <a:rPr lang="vi-VN" sz="2400" dirty="0" err="1"/>
-              <a:t>sản</a:t>
-            </a:r>
-            <a:r>
-              <a:rPr lang="vi-VN" sz="2400" dirty="0"/>
-              <a:t> </a:t>
-            </a:r>
-            <a:r>
-              <a:rPr lang="vi-VN" sz="2400" dirty="0" err="1"/>
-              <a:t>phẩm</a:t>
-            </a:r>
-            <a:r>
-              <a:rPr lang="vi-VN" sz="2400" dirty="0"/>
-              <a:t> </a:t>
-            </a:r>
-            <a:r>
-              <a:rPr lang="vi-VN" sz="2400" dirty="0" err="1"/>
-              <a:t>nào</a:t>
-            </a:r>
-            <a:r>
-              <a:rPr lang="vi-VN" sz="2400" dirty="0"/>
-              <a:t> </a:t>
-            </a:r>
-            <a:r>
-              <a:rPr lang="vi-VN" sz="2400" dirty="0" err="1"/>
-              <a:t>đó</a:t>
-            </a:r>
-            <a:r>
-              <a:rPr lang="vi-VN" sz="2400" dirty="0"/>
-              <a:t> </a:t>
-            </a:r>
-            <a:r>
-              <a:rPr lang="vi-VN" sz="2400" dirty="0" err="1"/>
-              <a:t>họ</a:t>
-            </a:r>
-            <a:r>
-              <a:rPr lang="vi-VN" sz="2400" dirty="0"/>
-              <a:t> </a:t>
-            </a:r>
-            <a:r>
-              <a:rPr lang="vi-VN" sz="2400" dirty="0" err="1"/>
-              <a:t>muốn</a:t>
-            </a:r>
-            <a:r>
-              <a:rPr lang="vi-VN" sz="2400" dirty="0"/>
-              <a:t> </a:t>
-            </a:r>
-            <a:r>
-              <a:rPr lang="vi-VN" sz="2400" dirty="0" err="1"/>
-              <a:t>phát</a:t>
-            </a:r>
-            <a:r>
-              <a:rPr lang="vi-VN" sz="2400" dirty="0"/>
-              <a:t> </a:t>
-            </a:r>
-            <a:r>
-              <a:rPr lang="vi-VN" sz="2400" dirty="0" err="1"/>
-              <a:t>triển</a:t>
-            </a:r>
-            <a:r>
-              <a:rPr lang="vi-VN" sz="2400" dirty="0"/>
-              <a:t> </a:t>
-            </a:r>
-            <a:r>
-              <a:rPr lang="vi-VN" sz="2400" dirty="0" err="1"/>
-              <a:t>có</a:t>
-            </a:r>
-            <a:r>
-              <a:rPr lang="vi-VN" sz="2400" dirty="0"/>
-              <a:t> </a:t>
-            </a:r>
-            <a:r>
-              <a:rPr lang="vi-VN" sz="2400" dirty="0" err="1"/>
-              <a:t>thể</a:t>
-            </a:r>
-            <a:r>
-              <a:rPr lang="vi-VN" sz="2400" dirty="0"/>
-              <a:t> </a:t>
-            </a:r>
-            <a:r>
-              <a:rPr lang="vi-VN" sz="2400" dirty="0" err="1"/>
-              <a:t>phần</a:t>
-            </a:r>
-            <a:r>
-              <a:rPr lang="vi-VN" sz="2400" dirty="0"/>
-              <a:t> </a:t>
-            </a:r>
-            <a:r>
-              <a:rPr lang="vi-VN" sz="2400" dirty="0" err="1"/>
-              <a:t>nào</a:t>
-            </a:r>
-            <a:r>
-              <a:rPr lang="vi-VN" sz="2400" dirty="0"/>
-              <a:t> </a:t>
-            </a:r>
-            <a:r>
-              <a:rPr lang="vi-VN" sz="2400" dirty="0" err="1"/>
-              <a:t>đoán</a:t>
-            </a:r>
-            <a:r>
-              <a:rPr lang="vi-VN" sz="2400" dirty="0"/>
-              <a:t> </a:t>
-            </a:r>
-            <a:r>
-              <a:rPr lang="vi-VN" sz="2400" dirty="0" err="1"/>
-              <a:t>được</a:t>
-            </a:r>
-            <a:r>
-              <a:rPr lang="vi-VN" sz="2400" dirty="0"/>
-              <a:t> </a:t>
-            </a:r>
-            <a:r>
-              <a:rPr lang="vi-VN" sz="2400" dirty="0" err="1"/>
-              <a:t>kết</a:t>
-            </a:r>
-            <a:r>
-              <a:rPr lang="vi-VN" sz="2400" dirty="0"/>
-              <a:t> </a:t>
-            </a:r>
-            <a:r>
-              <a:rPr lang="vi-VN" sz="2400" dirty="0" err="1"/>
-              <a:t>quả</a:t>
-            </a:r>
-            <a:r>
-              <a:rPr lang="vi-VN" sz="2400" dirty="0"/>
-              <a:t> </a:t>
-            </a:r>
-            <a:r>
-              <a:rPr lang="vi-VN" sz="2400" dirty="0" err="1"/>
-              <a:t>của</a:t>
-            </a:r>
-            <a:r>
-              <a:rPr lang="vi-VN" sz="2400" dirty="0"/>
-              <a:t> </a:t>
-            </a:r>
-            <a:r>
-              <a:rPr lang="vi-VN" sz="2400" dirty="0" err="1"/>
-              <a:t>việc</a:t>
-            </a:r>
-            <a:r>
-              <a:rPr lang="vi-VN" sz="2400" dirty="0"/>
-              <a:t> </a:t>
-            </a:r>
-            <a:r>
-              <a:rPr lang="vi-VN" sz="2400" dirty="0" err="1"/>
-              <a:t>gọi</a:t>
-            </a:r>
-            <a:r>
-              <a:rPr lang="vi-VN" sz="2400" dirty="0"/>
-              <a:t> </a:t>
-            </a:r>
-            <a:r>
-              <a:rPr lang="vi-VN" sz="2400" dirty="0" err="1"/>
-              <a:t>vốn</a:t>
-            </a:r>
-            <a:r>
-              <a:rPr lang="vi-VN" sz="2400" dirty="0"/>
-              <a:t>, qua </a:t>
-            </a:r>
-            <a:r>
-              <a:rPr lang="vi-VN" sz="2400" dirty="0" err="1"/>
-              <a:t>đó</a:t>
-            </a:r>
-            <a:r>
-              <a:rPr lang="vi-VN" sz="2400" dirty="0"/>
-              <a:t> </a:t>
-            </a:r>
-            <a:r>
-              <a:rPr lang="vi-VN" sz="2400" dirty="0" err="1"/>
-              <a:t>có</a:t>
-            </a:r>
-            <a:r>
-              <a:rPr lang="vi-VN" sz="2400" dirty="0"/>
-              <a:t> </a:t>
-            </a:r>
-            <a:r>
-              <a:rPr lang="vi-VN" sz="2400" dirty="0" err="1"/>
-              <a:t>thể</a:t>
-            </a:r>
-            <a:r>
-              <a:rPr lang="vi-VN" sz="2400" dirty="0"/>
-              <a:t> </a:t>
-            </a:r>
-            <a:r>
-              <a:rPr lang="vi-VN" sz="2400" dirty="0" err="1"/>
-              <a:t>điều</a:t>
-            </a:r>
-            <a:r>
-              <a:rPr lang="vi-VN" sz="2400" dirty="0"/>
-              <a:t> </a:t>
-            </a:r>
-            <a:r>
-              <a:rPr lang="vi-VN" sz="2400" dirty="0" err="1"/>
-              <a:t>chỉnh</a:t>
-            </a:r>
-            <a:r>
-              <a:rPr lang="vi-VN" sz="2400" dirty="0"/>
-              <a:t> </a:t>
-            </a:r>
-            <a:r>
-              <a:rPr lang="vi-VN" sz="2400" dirty="0" err="1"/>
-              <a:t>dự</a:t>
-            </a:r>
-            <a:r>
-              <a:rPr lang="vi-VN" sz="2400" dirty="0"/>
-              <a:t> </a:t>
-            </a:r>
-            <a:r>
-              <a:rPr lang="vi-VN" sz="2400" dirty="0" err="1"/>
-              <a:t>án</a:t>
-            </a:r>
-            <a:r>
-              <a:rPr lang="vi-VN" sz="2400" dirty="0"/>
-              <a:t> </a:t>
-            </a:r>
-            <a:r>
-              <a:rPr lang="vi-VN" sz="2400" dirty="0" err="1"/>
-              <a:t>của</a:t>
-            </a:r>
-            <a:r>
-              <a:rPr lang="vi-VN" sz="2400" dirty="0"/>
-              <a:t> </a:t>
-            </a:r>
-            <a:r>
-              <a:rPr lang="vi-VN" sz="2400" dirty="0" err="1"/>
-              <a:t>mình</a:t>
-            </a:r>
-            <a:r>
-              <a:rPr lang="vi-VN" sz="2400" dirty="0"/>
-              <a:t> - </a:t>
-            </a:r>
-            <a:r>
-              <a:rPr lang="vi-VN" sz="2400" dirty="0" err="1"/>
-              <a:t>nếu</a:t>
-            </a:r>
-            <a:r>
-              <a:rPr lang="vi-VN" sz="2400" dirty="0"/>
-              <a:t> </a:t>
-            </a:r>
-            <a:r>
-              <a:rPr lang="vi-VN" sz="2400" dirty="0" err="1"/>
-              <a:t>cần</a:t>
-            </a:r>
-            <a:r>
-              <a:rPr lang="vi-VN" sz="2400" dirty="0"/>
-              <a:t> </a:t>
-            </a:r>
-            <a:r>
-              <a:rPr lang="vi-VN" sz="2400" dirty="0" err="1"/>
-              <a:t>thiết</a:t>
-            </a:r>
-            <a:r>
-              <a:rPr lang="vi-VN" sz="2400" dirty="0"/>
-              <a:t> - </a:t>
-            </a:r>
-            <a:r>
-              <a:rPr lang="vi-VN" sz="2400" dirty="0" err="1"/>
-              <a:t>để</a:t>
-            </a:r>
-            <a:r>
-              <a:rPr lang="vi-VN" sz="2400" dirty="0"/>
-              <a:t> </a:t>
-            </a:r>
-            <a:r>
-              <a:rPr lang="vi-VN" sz="2400" dirty="0" err="1"/>
-              <a:t>đạt</a:t>
-            </a:r>
-            <a:r>
-              <a:rPr lang="vi-VN" sz="2400" dirty="0"/>
-              <a:t> </a:t>
-            </a:r>
-            <a:r>
-              <a:rPr lang="vi-VN" sz="2400" dirty="0" err="1"/>
-              <a:t>được</a:t>
-            </a:r>
-            <a:r>
-              <a:rPr lang="vi-VN" sz="2400" dirty="0"/>
-              <a:t> </a:t>
-            </a:r>
-            <a:r>
-              <a:rPr lang="vi-VN" sz="2400" dirty="0" err="1"/>
-              <a:t>kết</a:t>
-            </a:r>
-            <a:r>
-              <a:rPr lang="vi-VN" sz="2400" dirty="0"/>
-              <a:t> </a:t>
-            </a:r>
-            <a:r>
-              <a:rPr lang="vi-VN" sz="2400" dirty="0" err="1"/>
-              <a:t>quả</a:t>
-            </a:r>
-            <a:r>
-              <a:rPr lang="vi-VN" sz="2400" dirty="0"/>
-              <a:t> </a:t>
-            </a:r>
-            <a:r>
-              <a:rPr lang="vi-VN" sz="2400" dirty="0" err="1"/>
-              <a:t>gọi</a:t>
-            </a:r>
-            <a:r>
-              <a:rPr lang="vi-VN" sz="2400" dirty="0"/>
-              <a:t> </a:t>
-            </a:r>
-            <a:r>
-              <a:rPr lang="vi-VN" sz="2400" dirty="0" err="1"/>
-              <a:t>vốn</a:t>
-            </a:r>
-            <a:r>
-              <a:rPr lang="vi-VN" sz="2400" dirty="0"/>
-              <a:t> </a:t>
-            </a:r>
-            <a:r>
-              <a:rPr lang="vi-VN" sz="2400" dirty="0" err="1"/>
-              <a:t>tốt</a:t>
-            </a:r>
-            <a:r>
-              <a:rPr lang="vi-VN" sz="2400" dirty="0"/>
-              <a:t> </a:t>
-            </a:r>
-            <a:r>
-              <a:rPr lang="vi-VN" sz="2400" dirty="0" err="1"/>
-              <a:t>nhất</a:t>
-            </a:r>
-            <a:r>
-              <a:rPr lang="vi-VN" sz="2400" dirty="0"/>
-              <a:t>.</a:t>
-            </a:r>
-          </a:p>
-        </p:txBody>
-      </p:sp>
-    </p:spTree>
-  </p:cSld>
-  <p:clrMapOvr>
-    <a:masterClrMapping/>
-  </p:clrMapOvr>
-</p:sld>
-</file>
-
 <file path=ppt/slides/slide14.xml><?xml version="1.0" encoding="utf-8"?>
 <p:sld xmlns:a="http://schemas.openxmlformats.org/drawingml/2006/main" xmlns:r="http://schemas.openxmlformats.org/officeDocument/2006/relationships" xmlns:p="http://schemas.openxmlformats.org/presentationml/2006/main">
   <p:cSld>
@@ -23310,6 +22181,1414 @@
           </a:bodyPr>
           <a:lstStyle/>
           <a:p>
+            <a:pPr algn="just"/>
+            <a:r>
+              <a:rPr lang="vi-VN" sz="2400" i="1" dirty="0"/>
+              <a:t>Câu </a:t>
+            </a:r>
+            <a:r>
+              <a:rPr lang="vi-VN" sz="2400" i="1" dirty="0" err="1"/>
+              <a:t>hỏi</a:t>
+            </a:r>
+            <a:r>
+              <a:rPr lang="vi-VN" sz="2400" i="1" dirty="0"/>
+              <a:t>: </a:t>
+            </a:r>
+            <a:r>
+              <a:rPr lang="vi-VN" sz="2400" i="1" dirty="0" err="1"/>
+              <a:t>Output</a:t>
+            </a:r>
+            <a:r>
+              <a:rPr lang="vi-VN" sz="2400" i="1" dirty="0"/>
+              <a:t> - </a:t>
+            </a:r>
+            <a:r>
+              <a:rPr lang="vi-VN" sz="2400" i="1" dirty="0" err="1"/>
+              <a:t>kết</a:t>
+            </a:r>
+            <a:r>
+              <a:rPr lang="vi-VN" sz="2400" i="1" dirty="0"/>
+              <a:t> </a:t>
+            </a:r>
+            <a:r>
+              <a:rPr lang="vi-VN" sz="2400" i="1" dirty="0" err="1"/>
+              <a:t>quả</a:t>
+            </a:r>
+            <a:r>
+              <a:rPr lang="vi-VN" sz="2400" dirty="0"/>
+              <a:t> - </a:t>
+            </a:r>
+            <a:r>
+              <a:rPr lang="vi-VN" sz="2400" dirty="0" err="1"/>
+              <a:t>củ</a:t>
+            </a:r>
+            <a:r>
+              <a:rPr lang="vi-VN" sz="2400" dirty="0"/>
+              <a:t> </a:t>
+            </a:r>
+            <a:r>
+              <a:rPr lang="vi-VN" sz="2400" dirty="0" err="1"/>
+              <a:t>một</a:t>
+            </a:r>
+            <a:r>
+              <a:rPr lang="vi-VN" sz="2400" dirty="0"/>
+              <a:t> </a:t>
+            </a:r>
+            <a:r>
+              <a:rPr lang="vi-VN" sz="2400" dirty="0" err="1"/>
+              <a:t>dự</a:t>
+            </a:r>
+            <a:r>
+              <a:rPr lang="vi-VN" sz="2400" dirty="0"/>
+              <a:t> </a:t>
+            </a:r>
+            <a:r>
+              <a:rPr lang="vi-VN" sz="2400" dirty="0" err="1"/>
+              <a:t>án</a:t>
+            </a:r>
+            <a:r>
+              <a:rPr lang="vi-VN" sz="2400" dirty="0"/>
+              <a:t> </a:t>
+            </a:r>
+            <a:r>
+              <a:rPr lang="vi-VN" sz="2400" dirty="0" err="1"/>
+              <a:t>góp</a:t>
+            </a:r>
+            <a:r>
+              <a:rPr lang="vi-VN" sz="2400" dirty="0"/>
+              <a:t> </a:t>
+            </a:r>
+            <a:r>
+              <a:rPr lang="vi-VN" sz="2400" dirty="0" err="1"/>
+              <a:t>vốn</a:t>
+            </a:r>
+            <a:r>
+              <a:rPr lang="vi-VN" sz="2400" dirty="0"/>
+              <a:t> </a:t>
+            </a:r>
+            <a:r>
+              <a:rPr lang="vi-VN" sz="2400" dirty="0" err="1"/>
+              <a:t>cộng</a:t>
+            </a:r>
+            <a:r>
+              <a:rPr lang="vi-VN" sz="2400" dirty="0"/>
+              <a:t> </a:t>
+            </a:r>
+            <a:r>
+              <a:rPr lang="vi-VN" sz="2400" dirty="0" err="1"/>
+              <a:t>đồng</a:t>
+            </a:r>
+            <a:r>
+              <a:rPr lang="vi-VN" sz="2400" dirty="0"/>
+              <a:t> </a:t>
+            </a:r>
+            <a:r>
+              <a:rPr lang="vi-VN" sz="2400" dirty="0" err="1"/>
+              <a:t>có</a:t>
+            </a:r>
+            <a:r>
+              <a:rPr lang="vi-VN" sz="2400" dirty="0"/>
+              <a:t> </a:t>
+            </a:r>
+            <a:r>
+              <a:rPr lang="vi-VN" sz="2400" dirty="0" err="1"/>
+              <a:t>thể</a:t>
+            </a:r>
+            <a:r>
+              <a:rPr lang="vi-VN" sz="2400" dirty="0"/>
+              <a:t> </a:t>
+            </a:r>
+            <a:r>
+              <a:rPr lang="vi-VN" sz="2400" dirty="0" err="1"/>
+              <a:t>được</a:t>
+            </a:r>
+            <a:r>
+              <a:rPr lang="vi-VN" sz="2400" dirty="0"/>
+              <a:t> </a:t>
+            </a:r>
+            <a:r>
+              <a:rPr lang="vi-VN" sz="2400" dirty="0" err="1"/>
+              <a:t>tính</a:t>
+            </a:r>
+            <a:r>
+              <a:rPr lang="vi-VN" sz="2400" dirty="0"/>
+              <a:t> </a:t>
+            </a:r>
+            <a:r>
+              <a:rPr lang="vi-VN" sz="2400" dirty="0" err="1"/>
+              <a:t>từ</a:t>
+            </a:r>
+            <a:r>
+              <a:rPr lang="vi-VN" sz="2400" dirty="0"/>
+              <a:t> </a:t>
+            </a:r>
+            <a:r>
+              <a:rPr lang="vi-VN" sz="2400" i="1" dirty="0" err="1"/>
+              <a:t>input</a:t>
+            </a:r>
+            <a:r>
+              <a:rPr lang="vi-VN" sz="2400" i="1" dirty="0"/>
+              <a:t> - </a:t>
+            </a:r>
+            <a:r>
+              <a:rPr lang="vi-VN" sz="2400" i="1" dirty="0" err="1"/>
+              <a:t>các</a:t>
+            </a:r>
+            <a:r>
+              <a:rPr lang="vi-VN" sz="2400" i="1" dirty="0"/>
+              <a:t> thông tin </a:t>
+            </a:r>
+            <a:r>
+              <a:rPr lang="vi-VN" sz="2400" i="1" dirty="0" err="1"/>
+              <a:t>về</a:t>
+            </a:r>
+            <a:r>
+              <a:rPr lang="vi-VN" sz="2400" i="1" dirty="0"/>
+              <a:t> </a:t>
+            </a:r>
+            <a:r>
+              <a:rPr lang="vi-VN" sz="2400" i="1" dirty="0" err="1"/>
+              <a:t>dự</a:t>
+            </a:r>
+            <a:r>
+              <a:rPr lang="vi-VN" sz="2400" i="1" dirty="0"/>
+              <a:t> </a:t>
+            </a:r>
+            <a:r>
+              <a:rPr lang="vi-VN" sz="2400" i="1" dirty="0" err="1"/>
+              <a:t>án</a:t>
+            </a:r>
+            <a:r>
+              <a:rPr lang="vi-VN" sz="2400" dirty="0"/>
+              <a:t> - theo công </a:t>
+            </a:r>
+            <a:r>
+              <a:rPr lang="vi-VN" sz="2400" dirty="0" err="1"/>
+              <a:t>thức</a:t>
+            </a:r>
+            <a:r>
+              <a:rPr lang="vi-VN" sz="2400" dirty="0"/>
+              <a:t> </a:t>
+            </a:r>
+            <a:r>
+              <a:rPr lang="vi-VN" sz="2400" dirty="0" err="1"/>
+              <a:t>nào</a:t>
+            </a:r>
+            <a:r>
+              <a:rPr lang="vi-VN" sz="2400" dirty="0"/>
+              <a:t>?</a:t>
+            </a:r>
+            <a:endParaRPr lang="en-US" sz="2400" dirty="0"/>
+          </a:p>
+          <a:p>
+            <a:pPr algn="just"/>
+            <a:r>
+              <a:rPr lang="vi-VN" sz="2400" dirty="0" err="1"/>
+              <a:t>Việc</a:t>
+            </a:r>
+            <a:r>
+              <a:rPr lang="vi-VN" sz="2400" dirty="0"/>
+              <a:t> </a:t>
+            </a:r>
+            <a:r>
+              <a:rPr lang="vi-VN" sz="2400" dirty="0" err="1"/>
+              <a:t>tìm</a:t>
+            </a:r>
+            <a:r>
+              <a:rPr lang="vi-VN" sz="2400" dirty="0"/>
+              <a:t> ra câu </a:t>
+            </a:r>
+            <a:r>
+              <a:rPr lang="vi-VN" sz="2400" dirty="0" err="1"/>
+              <a:t>trả</a:t>
+            </a:r>
+            <a:r>
+              <a:rPr lang="vi-VN" sz="2400" dirty="0"/>
+              <a:t> </a:t>
+            </a:r>
+            <a:r>
+              <a:rPr lang="vi-VN" sz="2400" dirty="0" err="1"/>
+              <a:t>lời</a:t>
+            </a:r>
+            <a:r>
+              <a:rPr lang="vi-VN" sz="2400" dirty="0"/>
+              <a:t> cho câu </a:t>
+            </a:r>
+            <a:r>
+              <a:rPr lang="vi-VN" sz="2400" dirty="0" err="1"/>
+              <a:t>hỏi</a:t>
+            </a:r>
+            <a:r>
+              <a:rPr lang="vi-VN" sz="2400" dirty="0"/>
+              <a:t> </a:t>
+            </a:r>
+            <a:r>
+              <a:rPr lang="vi-VN" sz="2400" dirty="0" err="1"/>
+              <a:t>này</a:t>
+            </a:r>
+            <a:r>
+              <a:rPr lang="vi-VN" sz="2400" dirty="0"/>
+              <a:t> </a:t>
+            </a:r>
+            <a:r>
+              <a:rPr lang="vi-VN" sz="2400" dirty="0" err="1"/>
+              <a:t>có</a:t>
+            </a:r>
+            <a:r>
+              <a:rPr lang="vi-VN" sz="2400" dirty="0"/>
+              <a:t> </a:t>
+            </a:r>
+            <a:r>
+              <a:rPr lang="vi-VN" sz="2400" dirty="0" err="1"/>
+              <a:t>thể</a:t>
+            </a:r>
+            <a:r>
+              <a:rPr lang="vi-VN" sz="2400" dirty="0"/>
+              <a:t> </a:t>
+            </a:r>
+            <a:r>
+              <a:rPr lang="vi-VN" sz="2400" dirty="0" err="1"/>
+              <a:t>giúp</a:t>
+            </a:r>
+            <a:r>
+              <a:rPr lang="vi-VN" sz="2400" dirty="0"/>
+              <a:t> cho </a:t>
+            </a:r>
+            <a:r>
+              <a:rPr lang="vi-VN" sz="2400" dirty="0" err="1"/>
+              <a:t>một</a:t>
+            </a:r>
+            <a:r>
+              <a:rPr lang="vi-VN" sz="2400" dirty="0"/>
+              <a:t> </a:t>
+            </a:r>
+            <a:r>
+              <a:rPr lang="vi-VN" sz="2400" dirty="0" err="1"/>
+              <a:t>người</a:t>
+            </a:r>
+            <a:r>
+              <a:rPr lang="vi-VN" sz="2400" dirty="0"/>
+              <a:t>/</a:t>
+            </a:r>
+            <a:r>
+              <a:rPr lang="vi-VN" sz="2400" dirty="0" err="1"/>
+              <a:t>nhóm</a:t>
+            </a:r>
+            <a:r>
+              <a:rPr lang="vi-VN" sz="2400" dirty="0"/>
+              <a:t> </a:t>
+            </a:r>
+            <a:r>
+              <a:rPr lang="vi-VN" sz="2400" dirty="0" err="1"/>
+              <a:t>người</a:t>
+            </a:r>
+            <a:r>
+              <a:rPr lang="vi-VN" sz="2400" dirty="0"/>
+              <a:t> </a:t>
+            </a:r>
+            <a:r>
+              <a:rPr lang="vi-VN" sz="2400" dirty="0" err="1"/>
+              <a:t>có</a:t>
+            </a:r>
+            <a:r>
+              <a:rPr lang="vi-VN" sz="2400" dirty="0"/>
+              <a:t> ý </a:t>
+            </a:r>
+            <a:r>
+              <a:rPr lang="vi-VN" sz="2400" dirty="0" err="1"/>
+              <a:t>định</a:t>
+            </a:r>
+            <a:r>
+              <a:rPr lang="vi-VN" sz="2400" dirty="0"/>
+              <a:t> kêu </a:t>
+            </a:r>
+            <a:r>
+              <a:rPr lang="vi-VN" sz="2400" dirty="0" err="1"/>
+              <a:t>gọi</a:t>
+            </a:r>
+            <a:r>
+              <a:rPr lang="vi-VN" sz="2400" dirty="0"/>
+              <a:t> </a:t>
+            </a:r>
+            <a:r>
+              <a:rPr lang="vi-VN" sz="2400" dirty="0" err="1"/>
+              <a:t>góp</a:t>
+            </a:r>
+            <a:r>
+              <a:rPr lang="vi-VN" sz="2400" dirty="0"/>
+              <a:t> </a:t>
+            </a:r>
+            <a:r>
+              <a:rPr lang="vi-VN" sz="2400" dirty="0" err="1"/>
+              <a:t>vốn</a:t>
+            </a:r>
+            <a:r>
+              <a:rPr lang="vi-VN" sz="2400" dirty="0"/>
+              <a:t> </a:t>
+            </a:r>
+            <a:r>
+              <a:rPr lang="vi-VN" sz="2400" dirty="0" err="1"/>
+              <a:t>cộng</a:t>
+            </a:r>
+            <a:r>
+              <a:rPr lang="vi-VN" sz="2400" dirty="0"/>
+              <a:t> </a:t>
+            </a:r>
+            <a:r>
+              <a:rPr lang="vi-VN" sz="2400" dirty="0" err="1"/>
+              <a:t>đồng</a:t>
+            </a:r>
+            <a:r>
+              <a:rPr lang="vi-VN" sz="2400" dirty="0"/>
+              <a:t> cho </a:t>
+            </a:r>
+            <a:r>
+              <a:rPr lang="vi-VN" sz="2400" dirty="0" err="1"/>
+              <a:t>một</a:t>
+            </a:r>
+            <a:r>
+              <a:rPr lang="vi-VN" sz="2400" dirty="0"/>
+              <a:t> </a:t>
+            </a:r>
+            <a:r>
+              <a:rPr lang="vi-VN" sz="2400" dirty="0" err="1"/>
+              <a:t>sản</a:t>
+            </a:r>
+            <a:r>
+              <a:rPr lang="vi-VN" sz="2400" dirty="0"/>
+              <a:t> </a:t>
+            </a:r>
+            <a:r>
+              <a:rPr lang="vi-VN" sz="2400" dirty="0" err="1"/>
+              <a:t>phẩm</a:t>
+            </a:r>
+            <a:r>
+              <a:rPr lang="vi-VN" sz="2400" dirty="0"/>
+              <a:t> </a:t>
+            </a:r>
+            <a:r>
+              <a:rPr lang="vi-VN" sz="2400" dirty="0" err="1"/>
+              <a:t>nào</a:t>
+            </a:r>
+            <a:r>
+              <a:rPr lang="vi-VN" sz="2400" dirty="0"/>
+              <a:t> </a:t>
+            </a:r>
+            <a:r>
+              <a:rPr lang="vi-VN" sz="2400" dirty="0" err="1"/>
+              <a:t>đó</a:t>
+            </a:r>
+            <a:r>
+              <a:rPr lang="vi-VN" sz="2400" dirty="0"/>
+              <a:t> </a:t>
+            </a:r>
+            <a:r>
+              <a:rPr lang="vi-VN" sz="2400" dirty="0" err="1"/>
+              <a:t>họ</a:t>
+            </a:r>
+            <a:r>
+              <a:rPr lang="vi-VN" sz="2400" dirty="0"/>
+              <a:t> </a:t>
+            </a:r>
+            <a:r>
+              <a:rPr lang="vi-VN" sz="2400" dirty="0" err="1"/>
+              <a:t>muốn</a:t>
+            </a:r>
+            <a:r>
+              <a:rPr lang="vi-VN" sz="2400" dirty="0"/>
+              <a:t> </a:t>
+            </a:r>
+            <a:r>
+              <a:rPr lang="vi-VN" sz="2400" dirty="0" err="1"/>
+              <a:t>phát</a:t>
+            </a:r>
+            <a:r>
+              <a:rPr lang="vi-VN" sz="2400" dirty="0"/>
+              <a:t> </a:t>
+            </a:r>
+            <a:r>
+              <a:rPr lang="vi-VN" sz="2400" dirty="0" err="1"/>
+              <a:t>triển</a:t>
+            </a:r>
+            <a:r>
+              <a:rPr lang="vi-VN" sz="2400" dirty="0"/>
+              <a:t> </a:t>
+            </a:r>
+            <a:r>
+              <a:rPr lang="vi-VN" sz="2400" dirty="0" err="1"/>
+              <a:t>có</a:t>
+            </a:r>
+            <a:r>
+              <a:rPr lang="vi-VN" sz="2400" dirty="0"/>
+              <a:t> </a:t>
+            </a:r>
+            <a:r>
+              <a:rPr lang="vi-VN" sz="2400" dirty="0" err="1"/>
+              <a:t>thể</a:t>
+            </a:r>
+            <a:r>
+              <a:rPr lang="vi-VN" sz="2400" dirty="0"/>
+              <a:t> </a:t>
+            </a:r>
+            <a:r>
+              <a:rPr lang="vi-VN" sz="2400" dirty="0" err="1"/>
+              <a:t>phần</a:t>
+            </a:r>
+            <a:r>
+              <a:rPr lang="vi-VN" sz="2400" dirty="0"/>
+              <a:t> </a:t>
+            </a:r>
+            <a:r>
+              <a:rPr lang="vi-VN" sz="2400" dirty="0" err="1"/>
+              <a:t>nào</a:t>
+            </a:r>
+            <a:r>
+              <a:rPr lang="vi-VN" sz="2400" dirty="0"/>
+              <a:t> </a:t>
+            </a:r>
+            <a:r>
+              <a:rPr lang="vi-VN" sz="2400" dirty="0" err="1"/>
+              <a:t>đoán</a:t>
+            </a:r>
+            <a:r>
+              <a:rPr lang="vi-VN" sz="2400" dirty="0"/>
+              <a:t> </a:t>
+            </a:r>
+            <a:r>
+              <a:rPr lang="vi-VN" sz="2400" dirty="0" err="1"/>
+              <a:t>được</a:t>
+            </a:r>
+            <a:r>
+              <a:rPr lang="vi-VN" sz="2400" dirty="0"/>
+              <a:t> </a:t>
+            </a:r>
+            <a:r>
+              <a:rPr lang="vi-VN" sz="2400" dirty="0" err="1"/>
+              <a:t>kết</a:t>
+            </a:r>
+            <a:r>
+              <a:rPr lang="vi-VN" sz="2400" dirty="0"/>
+              <a:t> </a:t>
+            </a:r>
+            <a:r>
+              <a:rPr lang="vi-VN" sz="2400" dirty="0" err="1"/>
+              <a:t>quả</a:t>
+            </a:r>
+            <a:r>
+              <a:rPr lang="vi-VN" sz="2400" dirty="0"/>
+              <a:t> </a:t>
+            </a:r>
+            <a:r>
+              <a:rPr lang="vi-VN" sz="2400" dirty="0" err="1"/>
+              <a:t>của</a:t>
+            </a:r>
+            <a:r>
+              <a:rPr lang="vi-VN" sz="2400" dirty="0"/>
+              <a:t> </a:t>
+            </a:r>
+            <a:r>
+              <a:rPr lang="vi-VN" sz="2400" dirty="0" err="1"/>
+              <a:t>việc</a:t>
+            </a:r>
+            <a:r>
+              <a:rPr lang="vi-VN" sz="2400" dirty="0"/>
+              <a:t> </a:t>
+            </a:r>
+            <a:r>
+              <a:rPr lang="vi-VN" sz="2400" dirty="0" err="1"/>
+              <a:t>gọi</a:t>
+            </a:r>
+            <a:r>
+              <a:rPr lang="vi-VN" sz="2400" dirty="0"/>
+              <a:t> </a:t>
+            </a:r>
+            <a:r>
+              <a:rPr lang="vi-VN" sz="2400" dirty="0" err="1"/>
+              <a:t>vốn</a:t>
+            </a:r>
+            <a:r>
+              <a:rPr lang="vi-VN" sz="2400" dirty="0"/>
+              <a:t>, qua </a:t>
+            </a:r>
+            <a:r>
+              <a:rPr lang="vi-VN" sz="2400" dirty="0" err="1"/>
+              <a:t>đó</a:t>
+            </a:r>
+            <a:r>
+              <a:rPr lang="vi-VN" sz="2400" dirty="0"/>
+              <a:t> </a:t>
+            </a:r>
+            <a:r>
+              <a:rPr lang="vi-VN" sz="2400" dirty="0" err="1"/>
+              <a:t>có</a:t>
+            </a:r>
+            <a:r>
+              <a:rPr lang="vi-VN" sz="2400" dirty="0"/>
+              <a:t> </a:t>
+            </a:r>
+            <a:r>
+              <a:rPr lang="vi-VN" sz="2400" dirty="0" err="1"/>
+              <a:t>thể</a:t>
+            </a:r>
+            <a:r>
+              <a:rPr lang="vi-VN" sz="2400" dirty="0"/>
+              <a:t> </a:t>
+            </a:r>
+            <a:r>
+              <a:rPr lang="vi-VN" sz="2400" dirty="0" err="1"/>
+              <a:t>điều</a:t>
+            </a:r>
+            <a:r>
+              <a:rPr lang="vi-VN" sz="2400" dirty="0"/>
+              <a:t> </a:t>
+            </a:r>
+            <a:r>
+              <a:rPr lang="vi-VN" sz="2400" dirty="0" err="1"/>
+              <a:t>chỉnh</a:t>
+            </a:r>
+            <a:r>
+              <a:rPr lang="vi-VN" sz="2400" dirty="0"/>
+              <a:t> </a:t>
+            </a:r>
+            <a:r>
+              <a:rPr lang="vi-VN" sz="2400" dirty="0" err="1"/>
+              <a:t>dự</a:t>
+            </a:r>
+            <a:r>
+              <a:rPr lang="vi-VN" sz="2400" dirty="0"/>
+              <a:t> </a:t>
+            </a:r>
+            <a:r>
+              <a:rPr lang="vi-VN" sz="2400" dirty="0" err="1"/>
+              <a:t>án</a:t>
+            </a:r>
+            <a:r>
+              <a:rPr lang="vi-VN" sz="2400" dirty="0"/>
+              <a:t> </a:t>
+            </a:r>
+            <a:r>
+              <a:rPr lang="vi-VN" sz="2400" dirty="0" err="1"/>
+              <a:t>của</a:t>
+            </a:r>
+            <a:r>
+              <a:rPr lang="vi-VN" sz="2400" dirty="0"/>
+              <a:t> </a:t>
+            </a:r>
+            <a:r>
+              <a:rPr lang="vi-VN" sz="2400" dirty="0" err="1"/>
+              <a:t>mình</a:t>
+            </a:r>
+            <a:r>
+              <a:rPr lang="vi-VN" sz="2400" dirty="0"/>
+              <a:t> - </a:t>
+            </a:r>
+            <a:r>
+              <a:rPr lang="vi-VN" sz="2400" dirty="0" err="1"/>
+              <a:t>nếu</a:t>
+            </a:r>
+            <a:r>
+              <a:rPr lang="vi-VN" sz="2400" dirty="0"/>
+              <a:t> </a:t>
+            </a:r>
+            <a:r>
+              <a:rPr lang="vi-VN" sz="2400" dirty="0" err="1"/>
+              <a:t>cần</a:t>
+            </a:r>
+            <a:r>
+              <a:rPr lang="vi-VN" sz="2400" dirty="0"/>
+              <a:t> </a:t>
+            </a:r>
+            <a:r>
+              <a:rPr lang="vi-VN" sz="2400" dirty="0" err="1"/>
+              <a:t>thiết</a:t>
+            </a:r>
+            <a:r>
+              <a:rPr lang="vi-VN" sz="2400" dirty="0"/>
+              <a:t> - </a:t>
+            </a:r>
+            <a:r>
+              <a:rPr lang="vi-VN" sz="2400" dirty="0" err="1"/>
+              <a:t>để</a:t>
+            </a:r>
+            <a:r>
+              <a:rPr lang="vi-VN" sz="2400" dirty="0"/>
+              <a:t> </a:t>
+            </a:r>
+            <a:r>
+              <a:rPr lang="vi-VN" sz="2400" dirty="0" err="1"/>
+              <a:t>đạt</a:t>
+            </a:r>
+            <a:r>
+              <a:rPr lang="vi-VN" sz="2400" dirty="0"/>
+              <a:t> </a:t>
+            </a:r>
+            <a:r>
+              <a:rPr lang="vi-VN" sz="2400" dirty="0" err="1"/>
+              <a:t>được</a:t>
+            </a:r>
+            <a:r>
+              <a:rPr lang="vi-VN" sz="2400" dirty="0"/>
+              <a:t> </a:t>
+            </a:r>
+            <a:r>
+              <a:rPr lang="vi-VN" sz="2400" dirty="0" err="1"/>
+              <a:t>kết</a:t>
+            </a:r>
+            <a:r>
+              <a:rPr lang="vi-VN" sz="2400" dirty="0"/>
+              <a:t> </a:t>
+            </a:r>
+            <a:r>
+              <a:rPr lang="vi-VN" sz="2400" dirty="0" err="1"/>
+              <a:t>quả</a:t>
+            </a:r>
+            <a:r>
+              <a:rPr lang="vi-VN" sz="2400" dirty="0"/>
+              <a:t> </a:t>
+            </a:r>
+            <a:r>
+              <a:rPr lang="vi-VN" sz="2400" dirty="0" err="1"/>
+              <a:t>gọi</a:t>
+            </a:r>
+            <a:r>
+              <a:rPr lang="vi-VN" sz="2400" dirty="0"/>
+              <a:t> </a:t>
+            </a:r>
+            <a:r>
+              <a:rPr lang="vi-VN" sz="2400" dirty="0" err="1"/>
+              <a:t>vốn</a:t>
+            </a:r>
+            <a:r>
+              <a:rPr lang="vi-VN" sz="2400" dirty="0"/>
+              <a:t> </a:t>
+            </a:r>
+            <a:r>
+              <a:rPr lang="vi-VN" sz="2400" dirty="0" err="1"/>
+              <a:t>tốt</a:t>
+            </a:r>
+            <a:r>
+              <a:rPr lang="vi-VN" sz="2400" dirty="0"/>
+              <a:t> </a:t>
+            </a:r>
+            <a:r>
+              <a:rPr lang="vi-VN" sz="2400" dirty="0" err="1"/>
+              <a:t>nhất</a:t>
+            </a:r>
+            <a:r>
+              <a:rPr lang="vi-VN" sz="2400" dirty="0"/>
+              <a:t>.</a:t>
+            </a:r>
+          </a:p>
+        </p:txBody>
+      </p:sp>
+    </p:spTree>
+  </p:cSld>
+  <p:clrMapOvr>
+    <a:masterClrMapping/>
+  </p:clrMapOvr>
+</p:sld>
+</file>
+
+<file path=ppt/slides/slide15.xml><?xml version="1.0" encoding="utf-8"?>
+<p:sld xmlns:a="http://schemas.openxmlformats.org/drawingml/2006/main" xmlns:r="http://schemas.openxmlformats.org/officeDocument/2006/relationships" xmlns:p="http://schemas.openxmlformats.org/presentationml/2006/main">
+  <p:cSld>
+    <p:bg>
+      <p:bgPr>
+        <a:solidFill>
+          <a:schemeClr val="bg1"/>
+        </a:solidFill>
+        <a:effectLst/>
+      </p:bgPr>
+    </p:bg>
+    <p:spTree>
+      <p:nvGrpSpPr>
+        <p:cNvPr id="1" name=""/>
+        <p:cNvGrpSpPr/>
+        <p:nvPr/>
+      </p:nvGrpSpPr>
+      <p:grpSpPr>
+        <a:xfrm>
+          <a:off x="0" y="0"/>
+          <a:ext cx="0" cy="0"/>
+          <a:chOff x="0" y="0"/>
+          <a:chExt cx="0" cy="0"/>
+        </a:xfrm>
+      </p:grpSpPr>
+      <p:sp useBgFill="1">
+        <p:nvSpPr>
+          <p:cNvPr id="9" name="Rectangle 8">
+            <a:extLst>
+              <a:ext uri="{FF2B5EF4-FFF2-40B4-BE49-F238E27FC236}">
+                <a16:creationId xmlns:a16="http://schemas.microsoft.com/office/drawing/2014/main" id="{827B839B-9ADE-406B-8590-F1CAEDED45A1}"/>
+              </a:ext>
+              <a:ext uri="{C183D7F6-B498-43B3-948B-1728B52AA6E4}">
+                <adec:decorative xmlns:adec="http://schemas.microsoft.com/office/drawing/2017/decorative" val="1"/>
+              </a:ext>
+            </a:extLst>
+          </p:cNvPr>
+          <p:cNvSpPr>
+            <a:spLocks noGrp="1" noRot="1" noChangeAspect="1" noMove="1" noResize="1" noEditPoints="1" noAdjustHandles="1" noChangeArrowheads="1" noChangeShapeType="1" noTextEdit="1"/>
+          </p:cNvSpPr>
+          <p:nvPr>
+            <p:extLst>
+              <p:ext uri="{386F3935-93C4-4BCD-93E2-E3B085C9AB24}">
+                <p16:designElem xmlns:p16="http://schemas.microsoft.com/office/powerpoint/2015/main" val="1"/>
+              </p:ext>
+            </p:extLst>
+          </p:nvPr>
+        </p:nvSpPr>
+        <p:spPr>
+          <a:xfrm>
+            <a:off x="0" y="0"/>
+            <a:ext cx="12188952" cy="6858000"/>
+          </a:xfrm>
+          <a:prstGeom prst="rect">
+            <a:avLst/>
+          </a:prstGeom>
+          <a:ln>
+            <a:noFill/>
+          </a:ln>
+        </p:spPr>
+        <p:style>
+          <a:lnRef idx="2">
+            <a:schemeClr val="accent1">
+              <a:shade val="50000"/>
+            </a:schemeClr>
+          </a:lnRef>
+          <a:fillRef idx="1">
+            <a:schemeClr val="accent1"/>
+          </a:fillRef>
+          <a:effectRef idx="0">
+            <a:schemeClr val="accent1"/>
+          </a:effectRef>
+          <a:fontRef idx="minor">
+            <a:schemeClr val="lt1"/>
+          </a:fontRef>
+        </p:style>
+        <p:txBody>
+          <a:bodyPr rtlCol="0" anchor="ctr"/>
+          <a:lstStyle/>
+          <a:p>
+            <a:pPr algn="ctr"/>
+            <a:endParaRPr lang="en-US"/>
+          </a:p>
+        </p:txBody>
+      </p:sp>
+      <p:sp>
+        <p:nvSpPr>
+          <p:cNvPr id="11" name="Freeform 45">
+            <a:extLst>
+              <a:ext uri="{FF2B5EF4-FFF2-40B4-BE49-F238E27FC236}">
+                <a16:creationId xmlns:a16="http://schemas.microsoft.com/office/drawing/2014/main" id="{CFE45BF0-46DB-408C-B5F7-7B11716805D4}"/>
+              </a:ext>
+              <a:ext uri="{C183D7F6-B498-43B3-948B-1728B52AA6E4}">
+                <adec:decorative xmlns:adec="http://schemas.microsoft.com/office/drawing/2017/decorative" val="1"/>
+              </a:ext>
+            </a:extLst>
+          </p:cNvPr>
+          <p:cNvSpPr>
+            <a:spLocks noGrp="1" noRot="1" noChangeAspect="1" noMove="1" noResize="1" noEditPoints="1" noAdjustHandles="1" noChangeArrowheads="1" noChangeShapeType="1" noTextEdit="1"/>
+          </p:cNvSpPr>
+          <p:nvPr>
+            <p:extLst>
+              <p:ext uri="{386F3935-93C4-4BCD-93E2-E3B085C9AB24}">
+                <p16:designElem xmlns:p16="http://schemas.microsoft.com/office/powerpoint/2015/main" val="1"/>
+              </p:ext>
+            </p:extLst>
+          </p:nvPr>
+        </p:nvSpPr>
+        <p:spPr bwMode="auto">
+          <a:xfrm>
+            <a:off x="409710" y="1022350"/>
+            <a:ext cx="709612" cy="2095501"/>
+          </a:xfrm>
+          <a:custGeom>
+            <a:avLst/>
+            <a:gdLst>
+              <a:gd name="T0" fmla="*/ 447 w 447"/>
+              <a:gd name="T1" fmla="*/ 1363 h 1363"/>
+              <a:gd name="T2" fmla="*/ 0 w 447"/>
+              <a:gd name="T3" fmla="*/ 987 h 1363"/>
+              <a:gd name="T4" fmla="*/ 0 w 447"/>
+              <a:gd name="T5" fmla="*/ 0 h 1363"/>
+              <a:gd name="T6" fmla="*/ 447 w 447"/>
+              <a:gd name="T7" fmla="*/ 376 h 1363"/>
+              <a:gd name="T8" fmla="*/ 447 w 447"/>
+              <a:gd name="T9" fmla="*/ 1363 h 1363"/>
+            </a:gdLst>
+            <a:ahLst/>
+            <a:cxnLst>
+              <a:cxn ang="0">
+                <a:pos x="T0" y="T1"/>
+              </a:cxn>
+              <a:cxn ang="0">
+                <a:pos x="T2" y="T3"/>
+              </a:cxn>
+              <a:cxn ang="0">
+                <a:pos x="T4" y="T5"/>
+              </a:cxn>
+              <a:cxn ang="0">
+                <a:pos x="T6" y="T7"/>
+              </a:cxn>
+              <a:cxn ang="0">
+                <a:pos x="T8" y="T9"/>
+              </a:cxn>
+            </a:cxnLst>
+            <a:rect l="0" t="0" r="r" b="b"/>
+            <a:pathLst>
+              <a:path w="447" h="1363">
+                <a:moveTo>
+                  <a:pt x="447" y="1363"/>
+                </a:moveTo>
+                <a:lnTo>
+                  <a:pt x="0" y="987"/>
+                </a:lnTo>
+                <a:lnTo>
+                  <a:pt x="0" y="0"/>
+                </a:lnTo>
+                <a:lnTo>
+                  <a:pt x="447" y="376"/>
+                </a:lnTo>
+                <a:lnTo>
+                  <a:pt x="447" y="1363"/>
+                </a:lnTo>
+                <a:close/>
+              </a:path>
+            </a:pathLst>
+          </a:custGeom>
+          <a:solidFill>
+            <a:schemeClr val="accent1">
+              <a:lumMod val="50000"/>
+            </a:schemeClr>
+          </a:solidFill>
+          <a:ln>
+            <a:noFill/>
+          </a:ln>
+        </p:spPr>
+        <p:txBody>
+          <a:bodyPr vert="horz" wrap="square" lIns="91440" tIns="45720" rIns="91440" bIns="45720" numCol="1" anchor="t" anchorCtr="0" compatLnSpc="1">
+            <a:prstTxWarp prst="textNoShape">
+              <a:avLst/>
+            </a:prstTxWarp>
+          </a:bodyPr>
+          <a:lstStyle/>
+          <a:p>
+            <a:endParaRPr lang="en-US"/>
+          </a:p>
+        </p:txBody>
+      </p:sp>
+      <p:sp>
+        <p:nvSpPr>
+          <p:cNvPr id="13" name="Freeform 46">
+            <a:extLst>
+              <a:ext uri="{FF2B5EF4-FFF2-40B4-BE49-F238E27FC236}">
+                <a16:creationId xmlns:a16="http://schemas.microsoft.com/office/drawing/2014/main" id="{2AEBC8F2-97B1-41B4-93F1-2D289E197FBA}"/>
+              </a:ext>
+              <a:ext uri="{C183D7F6-B498-43B3-948B-1728B52AA6E4}">
+                <adec:decorative xmlns:adec="http://schemas.microsoft.com/office/drawing/2017/decorative" val="1"/>
+              </a:ext>
+            </a:extLst>
+          </p:cNvPr>
+          <p:cNvSpPr>
+            <a:spLocks noGrp="1" noRot="1" noChangeAspect="1" noMove="1" noResize="1" noEditPoints="1" noAdjustHandles="1" noChangeArrowheads="1" noChangeShapeType="1" noTextEdit="1"/>
+          </p:cNvSpPr>
+          <p:nvPr>
+            <p:extLst>
+              <p:ext uri="{386F3935-93C4-4BCD-93E2-E3B085C9AB24}">
+                <p16:designElem xmlns:p16="http://schemas.microsoft.com/office/powerpoint/2015/main" val="1"/>
+              </p:ext>
+            </p:extLst>
+          </p:nvPr>
+        </p:nvSpPr>
+        <p:spPr bwMode="auto">
+          <a:xfrm>
+            <a:off x="409710" y="837744"/>
+            <a:ext cx="403225" cy="1705431"/>
+          </a:xfrm>
+          <a:custGeom>
+            <a:avLst/>
+            <a:gdLst>
+              <a:gd name="T0" fmla="*/ 254 w 254"/>
+              <a:gd name="T1" fmla="*/ 987 h 1109"/>
+              <a:gd name="T2" fmla="*/ 0 w 254"/>
+              <a:gd name="T3" fmla="*/ 1109 h 1109"/>
+              <a:gd name="T4" fmla="*/ 0 w 254"/>
+              <a:gd name="T5" fmla="*/ 119 h 1109"/>
+              <a:gd name="T6" fmla="*/ 254 w 254"/>
+              <a:gd name="T7" fmla="*/ 0 h 1109"/>
+              <a:gd name="T8" fmla="*/ 254 w 254"/>
+              <a:gd name="T9" fmla="*/ 987 h 1109"/>
+            </a:gdLst>
+            <a:ahLst/>
+            <a:cxnLst>
+              <a:cxn ang="0">
+                <a:pos x="T0" y="T1"/>
+              </a:cxn>
+              <a:cxn ang="0">
+                <a:pos x="T2" y="T3"/>
+              </a:cxn>
+              <a:cxn ang="0">
+                <a:pos x="T4" y="T5"/>
+              </a:cxn>
+              <a:cxn ang="0">
+                <a:pos x="T6" y="T7"/>
+              </a:cxn>
+              <a:cxn ang="0">
+                <a:pos x="T8" y="T9"/>
+              </a:cxn>
+            </a:cxnLst>
+            <a:rect l="0" t="0" r="r" b="b"/>
+            <a:pathLst>
+              <a:path w="254" h="1109">
+                <a:moveTo>
+                  <a:pt x="254" y="987"/>
+                </a:moveTo>
+                <a:lnTo>
+                  <a:pt x="0" y="1109"/>
+                </a:lnTo>
+                <a:lnTo>
+                  <a:pt x="0" y="119"/>
+                </a:lnTo>
+                <a:lnTo>
+                  <a:pt x="254" y="0"/>
+                </a:lnTo>
+                <a:lnTo>
+                  <a:pt x="254" y="987"/>
+                </a:lnTo>
+                <a:close/>
+              </a:path>
+            </a:pathLst>
+          </a:custGeom>
+          <a:solidFill>
+            <a:schemeClr val="accent1">
+              <a:lumMod val="75000"/>
+            </a:schemeClr>
+          </a:solidFill>
+          <a:ln>
+            <a:noFill/>
+          </a:ln>
+        </p:spPr>
+        <p:txBody>
+          <a:bodyPr vert="horz" wrap="square" lIns="91440" tIns="45720" rIns="91440" bIns="45720" numCol="1" anchor="t" anchorCtr="0" compatLnSpc="1">
+            <a:prstTxWarp prst="textNoShape">
+              <a:avLst/>
+            </a:prstTxWarp>
+          </a:bodyPr>
+          <a:lstStyle/>
+          <a:p>
+            <a:endParaRPr lang="en-US"/>
+          </a:p>
+        </p:txBody>
+      </p:sp>
+      <p:sp>
+        <p:nvSpPr>
+          <p:cNvPr id="15" name="Freeform 47">
+            <a:extLst>
+              <a:ext uri="{FF2B5EF4-FFF2-40B4-BE49-F238E27FC236}">
+                <a16:creationId xmlns:a16="http://schemas.microsoft.com/office/drawing/2014/main" id="{472E3A19-F5D5-48FC-BB9C-48C2F68F598B}"/>
+              </a:ext>
+              <a:ext uri="{C183D7F6-B498-43B3-948B-1728B52AA6E4}">
+                <adec:decorative xmlns:adec="http://schemas.microsoft.com/office/drawing/2017/decorative" val="1"/>
+              </a:ext>
+            </a:extLst>
+          </p:cNvPr>
+          <p:cNvSpPr>
+            <a:spLocks noGrp="1" noRot="1" noChangeAspect="1" noMove="1" noResize="1" noEditPoints="1" noAdjustHandles="1" noChangeArrowheads="1" noChangeShapeType="1" noTextEdit="1"/>
+          </p:cNvSpPr>
+          <p:nvPr>
+            <p:extLst>
+              <p:ext uri="{386F3935-93C4-4BCD-93E2-E3B085C9AB24}">
+                <p16:designElem xmlns:p16="http://schemas.microsoft.com/office/powerpoint/2015/main" val="1"/>
+              </p:ext>
+            </p:extLst>
+          </p:nvPr>
+        </p:nvSpPr>
+        <p:spPr bwMode="auto">
+          <a:xfrm>
+            <a:off x="644660" y="640894"/>
+            <a:ext cx="168275" cy="1713195"/>
+          </a:xfrm>
+          <a:custGeom>
+            <a:avLst/>
+            <a:gdLst>
+              <a:gd name="T0" fmla="*/ 106 w 106"/>
+              <a:gd name="T1" fmla="*/ 1114 h 1114"/>
+              <a:gd name="T2" fmla="*/ 0 w 106"/>
+              <a:gd name="T3" fmla="*/ 1005 h 1114"/>
+              <a:gd name="T4" fmla="*/ 0 w 106"/>
+              <a:gd name="T5" fmla="*/ 0 h 1114"/>
+              <a:gd name="T6" fmla="*/ 106 w 106"/>
+              <a:gd name="T7" fmla="*/ 110 h 1114"/>
+              <a:gd name="T8" fmla="*/ 106 w 106"/>
+              <a:gd name="T9" fmla="*/ 1114 h 1114"/>
+            </a:gdLst>
+            <a:ahLst/>
+            <a:cxnLst>
+              <a:cxn ang="0">
+                <a:pos x="T0" y="T1"/>
+              </a:cxn>
+              <a:cxn ang="0">
+                <a:pos x="T2" y="T3"/>
+              </a:cxn>
+              <a:cxn ang="0">
+                <a:pos x="T4" y="T5"/>
+              </a:cxn>
+              <a:cxn ang="0">
+                <a:pos x="T6" y="T7"/>
+              </a:cxn>
+              <a:cxn ang="0">
+                <a:pos x="T8" y="T9"/>
+              </a:cxn>
+            </a:cxnLst>
+            <a:rect l="0" t="0" r="r" b="b"/>
+            <a:pathLst>
+              <a:path w="106" h="1114">
+                <a:moveTo>
+                  <a:pt x="106" y="1114"/>
+                </a:moveTo>
+                <a:lnTo>
+                  <a:pt x="0" y="1005"/>
+                </a:lnTo>
+                <a:lnTo>
+                  <a:pt x="0" y="0"/>
+                </a:lnTo>
+                <a:lnTo>
+                  <a:pt x="106" y="110"/>
+                </a:lnTo>
+                <a:lnTo>
+                  <a:pt x="106" y="1114"/>
+                </a:lnTo>
+                <a:close/>
+              </a:path>
+            </a:pathLst>
+          </a:custGeom>
+          <a:solidFill>
+            <a:schemeClr val="accent1">
+              <a:lumMod val="50000"/>
+            </a:schemeClr>
+          </a:solidFill>
+          <a:ln>
+            <a:noFill/>
+          </a:ln>
+        </p:spPr>
+        <p:txBody>
+          <a:bodyPr vert="horz" wrap="square" lIns="91440" tIns="45720" rIns="91440" bIns="45720" numCol="1" anchor="t" anchorCtr="0" compatLnSpc="1">
+            <a:prstTxWarp prst="textNoShape">
+              <a:avLst/>
+            </a:prstTxWarp>
+          </a:bodyPr>
+          <a:lstStyle/>
+          <a:p>
+            <a:endParaRPr lang="en-US"/>
+          </a:p>
+        </p:txBody>
+      </p:sp>
+      <p:sp>
+        <p:nvSpPr>
+          <p:cNvPr id="17" name="Freeform 44">
+            <a:extLst>
+              <a:ext uri="{FF2B5EF4-FFF2-40B4-BE49-F238E27FC236}">
+                <a16:creationId xmlns:a16="http://schemas.microsoft.com/office/drawing/2014/main" id="{7A62E32F-BB65-43A8-8EB5-92346890E549}"/>
+              </a:ext>
+              <a:ext uri="{C183D7F6-B498-43B3-948B-1728B52AA6E4}">
+                <adec:decorative xmlns:adec="http://schemas.microsoft.com/office/drawing/2017/decorative" val="1"/>
+              </a:ext>
+            </a:extLst>
+          </p:cNvPr>
+          <p:cNvSpPr>
+            <a:spLocks noGrp="1" noRot="1" noChangeAspect="1" noMove="1" noResize="1" noEditPoints="1" noAdjustHandles="1" noChangeArrowheads="1" noChangeShapeType="1" noTextEdit="1"/>
+          </p:cNvSpPr>
+          <p:nvPr>
+            <p:extLst>
+              <p:ext uri="{386F3935-93C4-4BCD-93E2-E3B085C9AB24}">
+                <p16:designElem xmlns:p16="http://schemas.microsoft.com/office/powerpoint/2015/main" val="1"/>
+              </p:ext>
+            </p:extLst>
+          </p:nvPr>
+        </p:nvSpPr>
+        <p:spPr bwMode="auto">
+          <a:xfrm>
+            <a:off x="11223203" y="635716"/>
+            <a:ext cx="328612" cy="1742360"/>
+          </a:xfrm>
+          <a:custGeom>
+            <a:avLst/>
+            <a:gdLst>
+              <a:gd name="T0" fmla="*/ 207 w 207"/>
+              <a:gd name="T1" fmla="*/ 987 h 1114"/>
+              <a:gd name="T2" fmla="*/ 0 w 207"/>
+              <a:gd name="T3" fmla="*/ 1114 h 1114"/>
+              <a:gd name="T4" fmla="*/ 0 w 207"/>
+              <a:gd name="T5" fmla="*/ 127 h 1114"/>
+              <a:gd name="T6" fmla="*/ 207 w 207"/>
+              <a:gd name="T7" fmla="*/ 0 h 1114"/>
+              <a:gd name="T8" fmla="*/ 207 w 207"/>
+              <a:gd name="T9" fmla="*/ 987 h 1114"/>
+            </a:gdLst>
+            <a:ahLst/>
+            <a:cxnLst>
+              <a:cxn ang="0">
+                <a:pos x="T0" y="T1"/>
+              </a:cxn>
+              <a:cxn ang="0">
+                <a:pos x="T2" y="T3"/>
+              </a:cxn>
+              <a:cxn ang="0">
+                <a:pos x="T4" y="T5"/>
+              </a:cxn>
+              <a:cxn ang="0">
+                <a:pos x="T6" y="T7"/>
+              </a:cxn>
+              <a:cxn ang="0">
+                <a:pos x="T8" y="T9"/>
+              </a:cxn>
+            </a:cxnLst>
+            <a:rect l="0" t="0" r="r" b="b"/>
+            <a:pathLst>
+              <a:path w="207" h="1114">
+                <a:moveTo>
+                  <a:pt x="207" y="987"/>
+                </a:moveTo>
+                <a:lnTo>
+                  <a:pt x="0" y="1114"/>
+                </a:lnTo>
+                <a:lnTo>
+                  <a:pt x="0" y="127"/>
+                </a:lnTo>
+                <a:lnTo>
+                  <a:pt x="207" y="0"/>
+                </a:lnTo>
+                <a:lnTo>
+                  <a:pt x="207" y="987"/>
+                </a:lnTo>
+                <a:close/>
+              </a:path>
+            </a:pathLst>
+          </a:custGeom>
+          <a:solidFill>
+            <a:schemeClr val="accent1">
+              <a:lumMod val="50000"/>
+            </a:schemeClr>
+          </a:solidFill>
+          <a:ln>
+            <a:noFill/>
+          </a:ln>
+        </p:spPr>
+        <p:txBody>
+          <a:bodyPr vert="horz" wrap="square" lIns="91440" tIns="45720" rIns="91440" bIns="45720" numCol="1" anchor="t" anchorCtr="0" compatLnSpc="1">
+            <a:prstTxWarp prst="textNoShape">
+              <a:avLst/>
+            </a:prstTxWarp>
+          </a:bodyPr>
+          <a:lstStyle/>
+          <a:p>
+            <a:endParaRPr lang="en-US"/>
+          </a:p>
+        </p:txBody>
+      </p:sp>
+      <p:sp>
+        <p:nvSpPr>
+          <p:cNvPr id="19" name="Rectangle 18">
+            <a:extLst>
+              <a:ext uri="{FF2B5EF4-FFF2-40B4-BE49-F238E27FC236}">
+                <a16:creationId xmlns:a16="http://schemas.microsoft.com/office/drawing/2014/main" id="{14E91B64-9FCC-451E-AFB4-A827D6329367}"/>
+              </a:ext>
+              <a:ext uri="{C183D7F6-B498-43B3-948B-1728B52AA6E4}">
+                <adec:decorative xmlns:adec="http://schemas.microsoft.com/office/drawing/2017/decorative" val="1"/>
+              </a:ext>
+            </a:extLst>
+          </p:cNvPr>
+          <p:cNvSpPr>
+            <a:spLocks noGrp="1" noRot="1" noChangeAspect="1" noMove="1" noResize="1" noEditPoints="1" noAdjustHandles="1" noChangeArrowheads="1" noChangeShapeType="1" noTextEdit="1"/>
+          </p:cNvSpPr>
+          <p:nvPr>
+            <p:extLst>
+              <p:ext uri="{386F3935-93C4-4BCD-93E2-E3B085C9AB24}">
+                <p16:designElem xmlns:p16="http://schemas.microsoft.com/office/powerpoint/2015/main" val="1"/>
+              </p:ext>
+            </p:extLst>
+          </p:nvPr>
+        </p:nvSpPr>
+        <p:spPr bwMode="auto">
+          <a:xfrm>
+            <a:off x="644055" y="635715"/>
+            <a:ext cx="10907863" cy="1541457"/>
+          </a:xfrm>
+          <a:prstGeom prst="rect">
+            <a:avLst/>
+          </a:prstGeom>
+          <a:solidFill>
+            <a:schemeClr val="accent1"/>
+          </a:solidFill>
+          <a:ln>
+            <a:noFill/>
+          </a:ln>
+        </p:spPr>
+        <p:txBody>
+          <a:bodyPr vert="horz" wrap="square" lIns="91440" tIns="45720" rIns="91440" bIns="45720" numCol="1" anchor="t" anchorCtr="0" compatLnSpc="1">
+            <a:prstTxWarp prst="textNoShape">
+              <a:avLst/>
+            </a:prstTxWarp>
+          </a:bodyPr>
+          <a:lstStyle/>
+          <a:p>
+            <a:endParaRPr lang="en-US"/>
+          </a:p>
+        </p:txBody>
+      </p:sp>
+      <p:sp>
+        <p:nvSpPr>
+          <p:cNvPr id="3" name="Tiêu đề 2">
+            <a:extLst>
+              <a:ext uri="{FF2B5EF4-FFF2-40B4-BE49-F238E27FC236}">
+                <a16:creationId xmlns:a16="http://schemas.microsoft.com/office/drawing/2014/main" id="{EC7E421E-CE87-4A75-A52D-1D9BADDA6BB8}"/>
+              </a:ext>
+            </a:extLst>
+          </p:cNvPr>
+          <p:cNvSpPr>
+            <a:spLocks noGrp="1"/>
+          </p:cNvSpPr>
+          <p:nvPr>
+            <p:ph type="title"/>
+          </p:nvPr>
+        </p:nvSpPr>
+        <p:spPr>
+          <a:xfrm>
+            <a:off x="958506" y="800392"/>
+            <a:ext cx="10264697" cy="1212102"/>
+          </a:xfrm>
+        </p:spPr>
+        <p:txBody>
+          <a:bodyPr>
+            <a:normAutofit/>
+          </a:bodyPr>
+          <a:lstStyle/>
+          <a:p>
+            <a:pPr algn="ctr"/>
+            <a:r>
+              <a:rPr lang="en-US" sz="4000" b="1" dirty="0" err="1">
+                <a:solidFill>
+                  <a:srgbClr val="FFFFFF"/>
+                </a:solidFill>
+              </a:rPr>
+              <a:t>Đưa</a:t>
+            </a:r>
+            <a:r>
+              <a:rPr lang="en-US" sz="4000" b="1" dirty="0">
+                <a:solidFill>
+                  <a:srgbClr val="FFFFFF"/>
+                </a:solidFill>
+              </a:rPr>
+              <a:t> ra </a:t>
+            </a:r>
+            <a:r>
+              <a:rPr lang="en-US" sz="4000" b="1" dirty="0" err="1">
+                <a:solidFill>
+                  <a:srgbClr val="FFFFFF"/>
+                </a:solidFill>
+              </a:rPr>
+              <a:t>câu</a:t>
+            </a:r>
+            <a:r>
+              <a:rPr lang="en-US" sz="4000" b="1" dirty="0">
+                <a:solidFill>
+                  <a:srgbClr val="FFFFFF"/>
+                </a:solidFill>
+              </a:rPr>
+              <a:t> </a:t>
+            </a:r>
+            <a:r>
+              <a:rPr lang="en-US" sz="4000" b="1" dirty="0" err="1">
+                <a:solidFill>
+                  <a:srgbClr val="FFFFFF"/>
+                </a:solidFill>
+              </a:rPr>
+              <a:t>hỏi</a:t>
+            </a:r>
+            <a:r>
+              <a:rPr lang="en-US" sz="4000" b="1" dirty="0">
+                <a:solidFill>
+                  <a:srgbClr val="FFFFFF"/>
+                </a:solidFill>
+              </a:rPr>
+              <a:t> </a:t>
+            </a:r>
+            <a:r>
+              <a:rPr lang="en-US" sz="4000" b="1" dirty="0" err="1">
+                <a:solidFill>
+                  <a:srgbClr val="FFFFFF"/>
+                </a:solidFill>
+              </a:rPr>
+              <a:t>cần</a:t>
+            </a:r>
+            <a:r>
+              <a:rPr lang="en-US" sz="4000" b="1" dirty="0">
+                <a:solidFill>
+                  <a:srgbClr val="FFFFFF"/>
+                </a:solidFill>
+              </a:rPr>
+              <a:t> </a:t>
+            </a:r>
+            <a:r>
+              <a:rPr lang="en-US" sz="4000" b="1" dirty="0" err="1">
+                <a:solidFill>
+                  <a:srgbClr val="FFFFFF"/>
+                </a:solidFill>
+              </a:rPr>
+              <a:t>trả</a:t>
+            </a:r>
+            <a:r>
+              <a:rPr lang="en-US" sz="4000" b="1" dirty="0">
+                <a:solidFill>
+                  <a:srgbClr val="FFFFFF"/>
+                </a:solidFill>
+              </a:rPr>
+              <a:t> </a:t>
+            </a:r>
+            <a:r>
+              <a:rPr lang="en-US" sz="4000" b="1" dirty="0" err="1">
+                <a:solidFill>
+                  <a:srgbClr val="FFFFFF"/>
+                </a:solidFill>
+              </a:rPr>
+              <a:t>lời</a:t>
+            </a:r>
+            <a:endParaRPr lang="vi-VN" sz="4000" dirty="0">
+              <a:solidFill>
+                <a:srgbClr val="FFFFFF"/>
+              </a:solidFill>
+            </a:endParaRPr>
+          </a:p>
+        </p:txBody>
+      </p:sp>
+      <p:sp>
+        <p:nvSpPr>
+          <p:cNvPr id="4" name="Chỗ dành sẵn cho Nội dung 3">
+            <a:extLst>
+              <a:ext uri="{FF2B5EF4-FFF2-40B4-BE49-F238E27FC236}">
+                <a16:creationId xmlns:a16="http://schemas.microsoft.com/office/drawing/2014/main" id="{9A4CF302-2D42-4716-B745-FA432486A2CB}"/>
+              </a:ext>
+            </a:extLst>
+          </p:cNvPr>
+          <p:cNvSpPr>
+            <a:spLocks noGrp="1"/>
+          </p:cNvSpPr>
+          <p:nvPr>
+            <p:ph idx="1"/>
+          </p:nvPr>
+        </p:nvSpPr>
+        <p:spPr>
+          <a:xfrm>
+            <a:off x="1367624" y="2490436"/>
+            <a:ext cx="9708995" cy="3567173"/>
+          </a:xfrm>
+        </p:spPr>
+        <p:txBody>
+          <a:bodyPr anchor="ctr">
+            <a:normAutofit/>
+          </a:bodyPr>
+          <a:lstStyle/>
+          <a:p>
             <a:r>
               <a:rPr lang="vi-VN" sz="2400" dirty="0" err="1"/>
               <a:t>Nguồn</a:t>
@@ -23478,7 +23757,7 @@
 </p:sld>
 </file>
 
-<file path=ppt/slides/slide15.xml><?xml version="1.0" encoding="utf-8"?>
+<file path=ppt/slides/slide16.xml><?xml version="1.0" encoding="utf-8"?>
 <p:sld xmlns:a="http://schemas.openxmlformats.org/drawingml/2006/main" xmlns:r="http://schemas.openxmlformats.org/officeDocument/2006/relationships" xmlns:p="http://schemas.openxmlformats.org/presentationml/2006/main">
   <p:cSld>
     <p:bg>
@@ -23833,7 +24112,7 @@
 </p:sld>
 </file>
 
-<file path=ppt/slides/slide16.xml><?xml version="1.0" encoding="utf-8"?>
+<file path=ppt/slides/slide17.xml><?xml version="1.0" encoding="utf-8"?>
 <p:sld xmlns:a="http://schemas.openxmlformats.org/drawingml/2006/main" xmlns:r="http://schemas.openxmlformats.org/officeDocument/2006/relationships" xmlns:p="http://schemas.openxmlformats.org/presentationml/2006/main">
   <p:cSld>
     <p:spTree>
@@ -24339,7 +24618,7 @@
 </p:sld>
 </file>
 
-<file path=ppt/slides/slide17.xml><?xml version="1.0" encoding="utf-8"?>
+<file path=ppt/slides/slide18.xml><?xml version="1.0" encoding="utf-8"?>
 <p:sld xmlns:a="http://schemas.openxmlformats.org/drawingml/2006/main" xmlns:r="http://schemas.openxmlformats.org/officeDocument/2006/relationships" xmlns:p="http://schemas.openxmlformats.org/presentationml/2006/main">
   <p:cSld>
     <p:bg>
@@ -24639,7 +24918,7 @@
 </p:sld>
 </file>
 
-<file path=ppt/slides/slide18.xml><?xml version="1.0" encoding="utf-8"?>
+<file path=ppt/slides/slide19.xml><?xml version="1.0" encoding="utf-8"?>
 <p:sld xmlns:a="http://schemas.openxmlformats.org/drawingml/2006/main" xmlns:r="http://schemas.openxmlformats.org/officeDocument/2006/relationships" xmlns:p="http://schemas.openxmlformats.org/presentationml/2006/main">
   <p:cSld>
     <p:bg>
@@ -25197,233 +25476,6 @@
     <p:extLst>
       <p:ext uri="{BB962C8B-B14F-4D97-AF65-F5344CB8AC3E}">
         <p14:creationId xmlns:p14="http://schemas.microsoft.com/office/powerpoint/2010/main" val="1987684206"/>
-      </p:ext>
-    </p:extLst>
-  </p:cSld>
-  <p:clrMapOvr>
-    <a:masterClrMapping/>
-  </p:clrMapOvr>
-</p:sld>
-</file>
-
-<file path=ppt/slides/slide19.xml><?xml version="1.0" encoding="utf-8"?>
-<p:sld xmlns:a="http://schemas.openxmlformats.org/drawingml/2006/main" xmlns:r="http://schemas.openxmlformats.org/officeDocument/2006/relationships" xmlns:p="http://schemas.openxmlformats.org/presentationml/2006/main">
-  <p:cSld>
-    <p:spTree>
-      <p:nvGrpSpPr>
-        <p:cNvPr id="1" name=""/>
-        <p:cNvGrpSpPr/>
-        <p:nvPr/>
-      </p:nvGrpSpPr>
-      <p:grpSpPr>
-        <a:xfrm>
-          <a:off x="0" y="0"/>
-          <a:ext cx="0" cy="0"/>
-          <a:chOff x="0" y="0"/>
-          <a:chExt cx="0" cy="0"/>
-        </a:xfrm>
-      </p:grpSpPr>
-      <p:sp>
-        <p:nvSpPr>
-          <p:cNvPr id="2" name="Tiêu đề 1">
-            <a:extLst>
-              <a:ext uri="{FF2B5EF4-FFF2-40B4-BE49-F238E27FC236}">
-                <a16:creationId xmlns:a16="http://schemas.microsoft.com/office/drawing/2014/main" id="{C9D3F35D-6FF2-42F7-833E-6A4FAA93827F}"/>
-              </a:ext>
-            </a:extLst>
-          </p:cNvPr>
-          <p:cNvSpPr>
-            <a:spLocks noGrp="1"/>
-          </p:cNvSpPr>
-          <p:nvPr>
-            <p:ph type="title"/>
-          </p:nvPr>
-        </p:nvSpPr>
-        <p:spPr/>
-        <p:txBody>
-          <a:bodyPr/>
-          <a:lstStyle/>
-          <a:p>
-            <a:endParaRPr lang="vi-VN" dirty="0"/>
-          </a:p>
-        </p:txBody>
-      </p:sp>
-      <p:pic>
-        <p:nvPicPr>
-          <p:cNvPr id="6" name="Chỗ dành sẵn cho Hình ảnh 5">
-            <a:extLst>
-              <a:ext uri="{FF2B5EF4-FFF2-40B4-BE49-F238E27FC236}">
-                <a16:creationId xmlns:a16="http://schemas.microsoft.com/office/drawing/2014/main" id="{FCC2B5D8-EE28-4D2B-A553-F2204BF46AAD}"/>
-              </a:ext>
-            </a:extLst>
-          </p:cNvPr>
-          <p:cNvPicPr>
-            <a:picLocks noGrp="1" noChangeAspect="1"/>
-          </p:cNvPicPr>
-          <p:nvPr>
-            <p:ph type="pic" idx="1"/>
-          </p:nvPr>
-        </p:nvPicPr>
-        <p:blipFill rotWithShape="1">
-          <a:blip r:embed="rId2"/>
-          <a:srcRect l="16030" r="16030"/>
-          <a:stretch/>
-        </p:blipFill>
-        <p:spPr/>
-      </p:pic>
-      <p:sp>
-        <p:nvSpPr>
-          <p:cNvPr id="4" name="Chỗ dành sẵn cho Văn bản 3">
-            <a:extLst>
-              <a:ext uri="{FF2B5EF4-FFF2-40B4-BE49-F238E27FC236}">
-                <a16:creationId xmlns:a16="http://schemas.microsoft.com/office/drawing/2014/main" id="{162B70F4-B603-4C71-B033-43152544A729}"/>
-              </a:ext>
-            </a:extLst>
-          </p:cNvPr>
-          <p:cNvSpPr>
-            <a:spLocks noGrp="1"/>
-          </p:cNvSpPr>
-          <p:nvPr>
-            <p:ph type="body" sz="half" idx="2"/>
-          </p:nvPr>
-        </p:nvSpPr>
-        <p:spPr/>
-        <p:txBody>
-          <a:bodyPr/>
-          <a:lstStyle/>
-          <a:p>
-            <a:r>
-              <a:rPr lang="en-US" dirty="0" err="1"/>
-              <a:t>Rời</a:t>
-            </a:r>
-            <a:r>
-              <a:rPr lang="en-US" dirty="0"/>
-              <a:t> </a:t>
-            </a:r>
-            <a:r>
-              <a:rPr lang="en-US" dirty="0" err="1"/>
-              <a:t>rạc</a:t>
-            </a:r>
-            <a:r>
-              <a:rPr lang="en-US" dirty="0"/>
-              <a:t> </a:t>
-            </a:r>
-            <a:r>
-              <a:rPr lang="en-US" dirty="0" err="1"/>
-              <a:t>hóa</a:t>
-            </a:r>
-            <a:r>
-              <a:rPr lang="en-US" dirty="0"/>
-              <a:t> </a:t>
-            </a:r>
-            <a:r>
-              <a:rPr lang="en-US" dirty="0" err="1"/>
-              <a:t>các</a:t>
-            </a:r>
-            <a:r>
-              <a:rPr lang="en-US" dirty="0"/>
-              <a:t> </a:t>
-            </a:r>
-            <a:r>
-              <a:rPr lang="en-US" dirty="0" err="1"/>
-              <a:t>cột</a:t>
-            </a:r>
-            <a:r>
-              <a:rPr lang="en-US" dirty="0"/>
-              <a:t> “goal”, “</a:t>
-            </a:r>
-            <a:r>
-              <a:rPr lang="en-US" dirty="0" err="1"/>
-              <a:t>funding_period</a:t>
-            </a:r>
-            <a:r>
-              <a:rPr lang="en-US" dirty="0"/>
-              <a:t>” </a:t>
-            </a:r>
-            <a:r>
-              <a:rPr lang="en-US" dirty="0" err="1"/>
-              <a:t>và</a:t>
-            </a:r>
-            <a:r>
-              <a:rPr lang="en-US" dirty="0"/>
-              <a:t> “</a:t>
-            </a:r>
-            <a:r>
-              <a:rPr lang="en-US" dirty="0" err="1"/>
-              <a:t>launch_period</a:t>
-            </a:r>
-            <a:r>
-              <a:rPr lang="en-US" dirty="0"/>
-              <a:t>” do </a:t>
-            </a:r>
-            <a:r>
-              <a:rPr lang="en-US" dirty="0" err="1"/>
-              <a:t>các</a:t>
-            </a:r>
-            <a:r>
-              <a:rPr lang="en-US" dirty="0"/>
-              <a:t> </a:t>
-            </a:r>
-            <a:r>
-              <a:rPr lang="en-US" dirty="0" err="1"/>
-              <a:t>cột</a:t>
-            </a:r>
-            <a:r>
-              <a:rPr lang="en-US" dirty="0"/>
-              <a:t> </a:t>
-            </a:r>
-            <a:r>
-              <a:rPr lang="en-US" dirty="0" err="1"/>
-              <a:t>này</a:t>
-            </a:r>
-            <a:r>
-              <a:rPr lang="en-US" dirty="0"/>
-              <a:t> </a:t>
-            </a:r>
-            <a:r>
-              <a:rPr lang="en-US" dirty="0" err="1"/>
-              <a:t>có</a:t>
-            </a:r>
-            <a:r>
-              <a:rPr lang="en-US" dirty="0"/>
-              <a:t> </a:t>
-            </a:r>
-            <a:r>
-              <a:rPr lang="en-US" dirty="0" err="1"/>
-              <a:t>giá</a:t>
-            </a:r>
-            <a:r>
-              <a:rPr lang="en-US" dirty="0"/>
-              <a:t> </a:t>
-            </a:r>
-            <a:r>
-              <a:rPr lang="en-US" dirty="0" err="1"/>
-              <a:t>trị</a:t>
-            </a:r>
-            <a:r>
-              <a:rPr lang="en-US" dirty="0"/>
-              <a:t> </a:t>
-            </a:r>
-            <a:r>
-              <a:rPr lang="en-US" dirty="0" err="1"/>
-              <a:t>liên</a:t>
-            </a:r>
-            <a:r>
-              <a:rPr lang="en-US" dirty="0"/>
-              <a:t> </a:t>
-            </a:r>
-            <a:r>
-              <a:rPr lang="en-US" dirty="0" err="1"/>
-              <a:t>tục</a:t>
-            </a:r>
-            <a:endParaRPr lang="vi-VN" dirty="0"/>
-          </a:p>
-        </p:txBody>
-      </p:sp>
-    </p:spTree>
-    <p:extLst>
-      <p:ext uri="{BB962C8B-B14F-4D97-AF65-F5344CB8AC3E}">
-        <p14:creationId xmlns:p14="http://schemas.microsoft.com/office/powerpoint/2010/main" val="306614942"/>
       </p:ext>
     </p:extLst>
   </p:cSld>
@@ -26315,6 +26367,233 @@
 <file path=ppt/slides/slide20.xml><?xml version="1.0" encoding="utf-8"?>
 <p:sld xmlns:a="http://schemas.openxmlformats.org/drawingml/2006/main" xmlns:r="http://schemas.openxmlformats.org/officeDocument/2006/relationships" xmlns:p="http://schemas.openxmlformats.org/presentationml/2006/main">
   <p:cSld>
+    <p:spTree>
+      <p:nvGrpSpPr>
+        <p:cNvPr id="1" name=""/>
+        <p:cNvGrpSpPr/>
+        <p:nvPr/>
+      </p:nvGrpSpPr>
+      <p:grpSpPr>
+        <a:xfrm>
+          <a:off x="0" y="0"/>
+          <a:ext cx="0" cy="0"/>
+          <a:chOff x="0" y="0"/>
+          <a:chExt cx="0" cy="0"/>
+        </a:xfrm>
+      </p:grpSpPr>
+      <p:sp>
+        <p:nvSpPr>
+          <p:cNvPr id="2" name="Tiêu đề 1">
+            <a:extLst>
+              <a:ext uri="{FF2B5EF4-FFF2-40B4-BE49-F238E27FC236}">
+                <a16:creationId xmlns:a16="http://schemas.microsoft.com/office/drawing/2014/main" id="{C9D3F35D-6FF2-42F7-833E-6A4FAA93827F}"/>
+              </a:ext>
+            </a:extLst>
+          </p:cNvPr>
+          <p:cNvSpPr>
+            <a:spLocks noGrp="1"/>
+          </p:cNvSpPr>
+          <p:nvPr>
+            <p:ph type="title"/>
+          </p:nvPr>
+        </p:nvSpPr>
+        <p:spPr/>
+        <p:txBody>
+          <a:bodyPr/>
+          <a:lstStyle/>
+          <a:p>
+            <a:endParaRPr lang="vi-VN" dirty="0"/>
+          </a:p>
+        </p:txBody>
+      </p:sp>
+      <p:pic>
+        <p:nvPicPr>
+          <p:cNvPr id="6" name="Chỗ dành sẵn cho Hình ảnh 5">
+            <a:extLst>
+              <a:ext uri="{FF2B5EF4-FFF2-40B4-BE49-F238E27FC236}">
+                <a16:creationId xmlns:a16="http://schemas.microsoft.com/office/drawing/2014/main" id="{FCC2B5D8-EE28-4D2B-A553-F2204BF46AAD}"/>
+              </a:ext>
+            </a:extLst>
+          </p:cNvPr>
+          <p:cNvPicPr>
+            <a:picLocks noGrp="1" noChangeAspect="1"/>
+          </p:cNvPicPr>
+          <p:nvPr>
+            <p:ph type="pic" idx="1"/>
+          </p:nvPr>
+        </p:nvPicPr>
+        <p:blipFill rotWithShape="1">
+          <a:blip r:embed="rId2"/>
+          <a:srcRect l="16030" r="16030"/>
+          <a:stretch/>
+        </p:blipFill>
+        <p:spPr/>
+      </p:pic>
+      <p:sp>
+        <p:nvSpPr>
+          <p:cNvPr id="4" name="Chỗ dành sẵn cho Văn bản 3">
+            <a:extLst>
+              <a:ext uri="{FF2B5EF4-FFF2-40B4-BE49-F238E27FC236}">
+                <a16:creationId xmlns:a16="http://schemas.microsoft.com/office/drawing/2014/main" id="{162B70F4-B603-4C71-B033-43152544A729}"/>
+              </a:ext>
+            </a:extLst>
+          </p:cNvPr>
+          <p:cNvSpPr>
+            <a:spLocks noGrp="1"/>
+          </p:cNvSpPr>
+          <p:nvPr>
+            <p:ph type="body" sz="half" idx="2"/>
+          </p:nvPr>
+        </p:nvSpPr>
+        <p:spPr/>
+        <p:txBody>
+          <a:bodyPr/>
+          <a:lstStyle/>
+          <a:p>
+            <a:r>
+              <a:rPr lang="en-US" dirty="0" err="1"/>
+              <a:t>Rời</a:t>
+            </a:r>
+            <a:r>
+              <a:rPr lang="en-US" dirty="0"/>
+              <a:t> </a:t>
+            </a:r>
+            <a:r>
+              <a:rPr lang="en-US" dirty="0" err="1"/>
+              <a:t>rạc</a:t>
+            </a:r>
+            <a:r>
+              <a:rPr lang="en-US" dirty="0"/>
+              <a:t> </a:t>
+            </a:r>
+            <a:r>
+              <a:rPr lang="en-US" dirty="0" err="1"/>
+              <a:t>hóa</a:t>
+            </a:r>
+            <a:r>
+              <a:rPr lang="en-US" dirty="0"/>
+              <a:t> </a:t>
+            </a:r>
+            <a:r>
+              <a:rPr lang="en-US" dirty="0" err="1"/>
+              <a:t>các</a:t>
+            </a:r>
+            <a:r>
+              <a:rPr lang="en-US" dirty="0"/>
+              <a:t> </a:t>
+            </a:r>
+            <a:r>
+              <a:rPr lang="en-US" dirty="0" err="1"/>
+              <a:t>cột</a:t>
+            </a:r>
+            <a:r>
+              <a:rPr lang="en-US" dirty="0"/>
+              <a:t> “goal”, “</a:t>
+            </a:r>
+            <a:r>
+              <a:rPr lang="en-US" dirty="0" err="1"/>
+              <a:t>funding_period</a:t>
+            </a:r>
+            <a:r>
+              <a:rPr lang="en-US" dirty="0"/>
+              <a:t>” </a:t>
+            </a:r>
+            <a:r>
+              <a:rPr lang="en-US" dirty="0" err="1"/>
+              <a:t>và</a:t>
+            </a:r>
+            <a:r>
+              <a:rPr lang="en-US" dirty="0"/>
+              <a:t> “</a:t>
+            </a:r>
+            <a:r>
+              <a:rPr lang="en-US" dirty="0" err="1"/>
+              <a:t>launch_period</a:t>
+            </a:r>
+            <a:r>
+              <a:rPr lang="en-US" dirty="0"/>
+              <a:t>” do </a:t>
+            </a:r>
+            <a:r>
+              <a:rPr lang="en-US" dirty="0" err="1"/>
+              <a:t>các</a:t>
+            </a:r>
+            <a:r>
+              <a:rPr lang="en-US" dirty="0"/>
+              <a:t> </a:t>
+            </a:r>
+            <a:r>
+              <a:rPr lang="en-US" dirty="0" err="1"/>
+              <a:t>cột</a:t>
+            </a:r>
+            <a:r>
+              <a:rPr lang="en-US" dirty="0"/>
+              <a:t> </a:t>
+            </a:r>
+            <a:r>
+              <a:rPr lang="en-US" dirty="0" err="1"/>
+              <a:t>này</a:t>
+            </a:r>
+            <a:r>
+              <a:rPr lang="en-US" dirty="0"/>
+              <a:t> </a:t>
+            </a:r>
+            <a:r>
+              <a:rPr lang="en-US" dirty="0" err="1"/>
+              <a:t>có</a:t>
+            </a:r>
+            <a:r>
+              <a:rPr lang="en-US" dirty="0"/>
+              <a:t> </a:t>
+            </a:r>
+            <a:r>
+              <a:rPr lang="en-US" dirty="0" err="1"/>
+              <a:t>giá</a:t>
+            </a:r>
+            <a:r>
+              <a:rPr lang="en-US" dirty="0"/>
+              <a:t> </a:t>
+            </a:r>
+            <a:r>
+              <a:rPr lang="en-US" dirty="0" err="1"/>
+              <a:t>trị</a:t>
+            </a:r>
+            <a:r>
+              <a:rPr lang="en-US" dirty="0"/>
+              <a:t> </a:t>
+            </a:r>
+            <a:r>
+              <a:rPr lang="en-US" dirty="0" err="1"/>
+              <a:t>liên</a:t>
+            </a:r>
+            <a:r>
+              <a:rPr lang="en-US" dirty="0"/>
+              <a:t> </a:t>
+            </a:r>
+            <a:r>
+              <a:rPr lang="en-US" dirty="0" err="1"/>
+              <a:t>tục</a:t>
+            </a:r>
+            <a:endParaRPr lang="vi-VN" dirty="0"/>
+          </a:p>
+        </p:txBody>
+      </p:sp>
+    </p:spTree>
+    <p:extLst>
+      <p:ext uri="{BB962C8B-B14F-4D97-AF65-F5344CB8AC3E}">
+        <p14:creationId xmlns:p14="http://schemas.microsoft.com/office/powerpoint/2010/main" val="306614942"/>
+      </p:ext>
+    </p:extLst>
+  </p:cSld>
+  <p:clrMapOvr>
+    <a:masterClrMapping/>
+  </p:clrMapOvr>
+</p:sld>
+</file>
+
+<file path=ppt/slides/slide21.xml><?xml version="1.0" encoding="utf-8"?>
+<p:sld xmlns:a="http://schemas.openxmlformats.org/drawingml/2006/main" xmlns:r="http://schemas.openxmlformats.org/officeDocument/2006/relationships" xmlns:p="http://schemas.openxmlformats.org/presentationml/2006/main">
+  <p:cSld>
     <p:bg>
       <p:bgPr>
         <a:solidFill>
@@ -26699,7 +26978,7 @@
 </p:sld>
 </file>
 
-<file path=ppt/slides/slide21.xml><?xml version="1.0" encoding="utf-8"?>
+<file path=ppt/slides/slide22.xml><?xml version="1.0" encoding="utf-8"?>
 <p:sld xmlns:a="http://schemas.openxmlformats.org/drawingml/2006/main" xmlns:r="http://schemas.openxmlformats.org/officeDocument/2006/relationships" xmlns:p="http://schemas.openxmlformats.org/presentationml/2006/main">
   <p:cSld>
     <p:spTree>
@@ -26829,7 +27108,7 @@
 </p:sld>
 </file>
 
-<file path=ppt/slides/slide22.xml><?xml version="1.0" encoding="utf-8"?>
+<file path=ppt/slides/slide23.xml><?xml version="1.0" encoding="utf-8"?>
 <p:sld xmlns:a="http://schemas.openxmlformats.org/drawingml/2006/main" xmlns:r="http://schemas.openxmlformats.org/officeDocument/2006/relationships" xmlns:p="http://schemas.openxmlformats.org/presentationml/2006/main">
   <p:cSld>
     <p:spTree>
@@ -26930,234 +27209,6 @@
           </a:graphicData>
         </a:graphic>
       </p:graphicFrame>
-    </p:spTree>
-  </p:cSld>
-  <p:clrMapOvr>
-    <a:masterClrMapping/>
-  </p:clrMapOvr>
-</p:sld>
-</file>
-
-<file path=ppt/slides/slide23.xml><?xml version="1.0" encoding="utf-8"?>
-<p:sld xmlns:a="http://schemas.openxmlformats.org/drawingml/2006/main" xmlns:r="http://schemas.openxmlformats.org/officeDocument/2006/relationships" xmlns:p="http://schemas.openxmlformats.org/presentationml/2006/main">
-  <p:cSld>
-    <p:spTree>
-      <p:nvGrpSpPr>
-        <p:cNvPr id="1" name=""/>
-        <p:cNvGrpSpPr/>
-        <p:nvPr/>
-      </p:nvGrpSpPr>
-      <p:grpSpPr>
-        <a:xfrm>
-          <a:off x="0" y="0"/>
-          <a:ext cx="0" cy="0"/>
-          <a:chOff x="0" y="0"/>
-          <a:chExt cx="0" cy="0"/>
-        </a:xfrm>
-      </p:grpSpPr>
-      <p:sp>
-        <p:nvSpPr>
-          <p:cNvPr id="3" name="Tiêu đề 2">
-            <a:extLst>
-              <a:ext uri="{FF2B5EF4-FFF2-40B4-BE49-F238E27FC236}">
-                <a16:creationId xmlns:a16="http://schemas.microsoft.com/office/drawing/2014/main" id="{F3775E50-B306-4549-9491-7FD361B60EEC}"/>
-              </a:ext>
-            </a:extLst>
-          </p:cNvPr>
-          <p:cNvSpPr>
-            <a:spLocks noGrp="1"/>
-          </p:cNvSpPr>
-          <p:nvPr>
-            <p:ph type="title"/>
-          </p:nvPr>
-        </p:nvSpPr>
-        <p:spPr/>
-        <p:txBody>
-          <a:bodyPr/>
-          <a:lstStyle/>
-          <a:p>
-            <a:pPr algn="ctr"/>
-            <a:r>
-              <a:rPr lang="vi-VN" b="1" dirty="0"/>
-              <a:t>Mô </a:t>
-            </a:r>
-            <a:r>
-              <a:rPr lang="vi-VN" b="1" dirty="0" err="1"/>
-              <a:t>hình</a:t>
-            </a:r>
-            <a:r>
-              <a:rPr lang="vi-VN" b="1" dirty="0"/>
-              <a:t> </a:t>
-            </a:r>
-            <a:r>
-              <a:rPr lang="vi-VN" b="1" dirty="0" err="1"/>
-              <a:t>hóa</a:t>
-            </a:r>
-            <a:r>
-              <a:rPr lang="vi-VN" b="1" dirty="0"/>
-              <a:t> </a:t>
-            </a:r>
-            <a:r>
-              <a:rPr lang="vi-VN" b="1" dirty="0" err="1"/>
-              <a:t>dữ</a:t>
-            </a:r>
-            <a:r>
-              <a:rPr lang="vi-VN" b="1" dirty="0"/>
-              <a:t> </a:t>
-            </a:r>
-            <a:r>
-              <a:rPr lang="vi-VN" b="1" dirty="0" err="1"/>
-              <a:t>liệu</a:t>
-            </a:r>
-            <a:endParaRPr lang="vi-VN" dirty="0"/>
-          </a:p>
-        </p:txBody>
-      </p:sp>
-      <p:sp>
-        <p:nvSpPr>
-          <p:cNvPr id="7" name="Chỗ dành sẵn cho Nội dung 6">
-            <a:extLst>
-              <a:ext uri="{FF2B5EF4-FFF2-40B4-BE49-F238E27FC236}">
-                <a16:creationId xmlns:a16="http://schemas.microsoft.com/office/drawing/2014/main" id="{B38A8027-C11A-4CEE-ADE8-FD0B3808E89C}"/>
-              </a:ext>
-            </a:extLst>
-          </p:cNvPr>
-          <p:cNvSpPr>
-            <a:spLocks noGrp="1"/>
-          </p:cNvSpPr>
-          <p:nvPr>
-            <p:ph idx="1"/>
-          </p:nvPr>
-        </p:nvSpPr>
-        <p:spPr/>
-        <p:txBody>
-          <a:bodyPr/>
-          <a:lstStyle/>
-          <a:p>
-            <a:r>
-              <a:rPr lang="vi-VN" dirty="0" err="1"/>
-              <a:t>Pipeline</a:t>
-            </a:r>
-            <a:r>
-              <a:rPr lang="vi-VN" dirty="0"/>
-              <a:t> </a:t>
-            </a:r>
-            <a:r>
-              <a:rPr lang="vi-VN" dirty="0" err="1"/>
-              <a:t>đầy</a:t>
-            </a:r>
-            <a:r>
-              <a:rPr lang="vi-VN" dirty="0"/>
-              <a:t> </a:t>
-            </a:r>
-            <a:r>
-              <a:rPr lang="vi-VN" dirty="0" err="1"/>
-              <a:t>đủ</a:t>
-            </a:r>
-            <a:r>
-              <a:rPr lang="vi-VN" dirty="0"/>
-              <a:t> </a:t>
-            </a:r>
-            <a:r>
-              <a:rPr lang="vi-VN" dirty="0" err="1"/>
-              <a:t>các</a:t>
-            </a:r>
-            <a:r>
-              <a:rPr lang="vi-VN" dirty="0"/>
-              <a:t> </a:t>
-            </a:r>
-            <a:r>
-              <a:rPr lang="vi-VN" dirty="0" err="1"/>
-              <a:t>bước</a:t>
-            </a:r>
-            <a:r>
-              <a:rPr lang="vi-VN" dirty="0"/>
-              <a:t> </a:t>
-            </a:r>
-            <a:r>
-              <a:rPr lang="vi-VN" dirty="0" err="1"/>
-              <a:t>tiền</a:t>
-            </a:r>
-            <a:r>
-              <a:rPr lang="vi-VN" dirty="0"/>
-              <a:t> </a:t>
-            </a:r>
-            <a:r>
-              <a:rPr lang="vi-VN" dirty="0" err="1"/>
-              <a:t>xử</a:t>
-            </a:r>
-            <a:r>
-              <a:rPr lang="vi-VN" dirty="0"/>
-              <a:t> </a:t>
-            </a:r>
-            <a:r>
-              <a:rPr lang="vi-VN" dirty="0" err="1"/>
-              <a:t>lý</a:t>
-            </a:r>
-            <a:r>
-              <a:rPr lang="vi-VN" dirty="0"/>
-              <a:t> </a:t>
-            </a:r>
-            <a:r>
-              <a:rPr lang="vi-VN" dirty="0" err="1"/>
-              <a:t>và</a:t>
-            </a:r>
-            <a:r>
-              <a:rPr lang="vi-VN" dirty="0"/>
-              <a:t> mô </a:t>
-            </a:r>
-            <a:r>
-              <a:rPr lang="vi-VN" dirty="0" err="1"/>
-              <a:t>hình</a:t>
-            </a:r>
-            <a:r>
-              <a:rPr lang="vi-VN" dirty="0"/>
-              <a:t> </a:t>
-            </a:r>
-            <a:r>
-              <a:rPr lang="vi-VN" dirty="0" err="1"/>
-              <a:t>hóa</a:t>
-            </a:r>
-            <a:r>
-              <a:rPr lang="vi-VN" dirty="0"/>
-              <a:t>.</a:t>
-            </a:r>
-          </a:p>
-          <a:p>
-            <a:endParaRPr lang="vi-VN" dirty="0"/>
-          </a:p>
-        </p:txBody>
-      </p:sp>
-      <p:pic>
-        <p:nvPicPr>
-          <p:cNvPr id="11" name="Chỗ dành sẵn cho Nội dung 8">
-            <a:extLst>
-              <a:ext uri="{FF2B5EF4-FFF2-40B4-BE49-F238E27FC236}">
-                <a16:creationId xmlns:a16="http://schemas.microsoft.com/office/drawing/2014/main" id="{52AF9286-D913-4803-9521-CE7EE72A04EE}"/>
-              </a:ext>
-            </a:extLst>
-          </p:cNvPr>
-          <p:cNvPicPr>
-            <a:picLocks noChangeAspect="1"/>
-          </p:cNvPicPr>
-          <p:nvPr/>
-        </p:nvPicPr>
-        <p:blipFill>
-          <a:blip r:embed="rId2"/>
-          <a:stretch>
-            <a:fillRect/>
-          </a:stretch>
-        </p:blipFill>
-        <p:spPr>
-          <a:xfrm>
-            <a:off x="3954594" y="2458110"/>
-            <a:ext cx="4282811" cy="3086367"/>
-          </a:xfrm>
-          <a:prstGeom prst="rect">
-            <a:avLst/>
-          </a:prstGeom>
-        </p:spPr>
-      </p:pic>
     </p:spTree>
   </p:cSld>
   <p:clrMapOvr>
@@ -27264,6 +27315,234 @@
           <a:p>
             <a:r>
               <a:rPr lang="vi-VN" dirty="0" err="1"/>
+              <a:t>Pipeline</a:t>
+            </a:r>
+            <a:r>
+              <a:rPr lang="vi-VN" dirty="0"/>
+              <a:t> </a:t>
+            </a:r>
+            <a:r>
+              <a:rPr lang="vi-VN" dirty="0" err="1"/>
+              <a:t>đầy</a:t>
+            </a:r>
+            <a:r>
+              <a:rPr lang="vi-VN" dirty="0"/>
+              <a:t> </a:t>
+            </a:r>
+            <a:r>
+              <a:rPr lang="vi-VN" dirty="0" err="1"/>
+              <a:t>đủ</a:t>
+            </a:r>
+            <a:r>
+              <a:rPr lang="vi-VN" dirty="0"/>
+              <a:t> </a:t>
+            </a:r>
+            <a:r>
+              <a:rPr lang="vi-VN" dirty="0" err="1"/>
+              <a:t>các</a:t>
+            </a:r>
+            <a:r>
+              <a:rPr lang="vi-VN" dirty="0"/>
+              <a:t> </a:t>
+            </a:r>
+            <a:r>
+              <a:rPr lang="vi-VN" dirty="0" err="1"/>
+              <a:t>bước</a:t>
+            </a:r>
+            <a:r>
+              <a:rPr lang="vi-VN" dirty="0"/>
+              <a:t> </a:t>
+            </a:r>
+            <a:r>
+              <a:rPr lang="vi-VN" dirty="0" err="1"/>
+              <a:t>tiền</a:t>
+            </a:r>
+            <a:r>
+              <a:rPr lang="vi-VN" dirty="0"/>
+              <a:t> </a:t>
+            </a:r>
+            <a:r>
+              <a:rPr lang="vi-VN" dirty="0" err="1"/>
+              <a:t>xử</a:t>
+            </a:r>
+            <a:r>
+              <a:rPr lang="vi-VN" dirty="0"/>
+              <a:t> </a:t>
+            </a:r>
+            <a:r>
+              <a:rPr lang="vi-VN" dirty="0" err="1"/>
+              <a:t>lý</a:t>
+            </a:r>
+            <a:r>
+              <a:rPr lang="vi-VN" dirty="0"/>
+              <a:t> </a:t>
+            </a:r>
+            <a:r>
+              <a:rPr lang="vi-VN" dirty="0" err="1"/>
+              <a:t>và</a:t>
+            </a:r>
+            <a:r>
+              <a:rPr lang="vi-VN" dirty="0"/>
+              <a:t> mô </a:t>
+            </a:r>
+            <a:r>
+              <a:rPr lang="vi-VN" dirty="0" err="1"/>
+              <a:t>hình</a:t>
+            </a:r>
+            <a:r>
+              <a:rPr lang="vi-VN" dirty="0"/>
+              <a:t> </a:t>
+            </a:r>
+            <a:r>
+              <a:rPr lang="vi-VN" dirty="0" err="1"/>
+              <a:t>hóa</a:t>
+            </a:r>
+            <a:r>
+              <a:rPr lang="vi-VN" dirty="0"/>
+              <a:t>.</a:t>
+            </a:r>
+          </a:p>
+          <a:p>
+            <a:endParaRPr lang="vi-VN" dirty="0"/>
+          </a:p>
+        </p:txBody>
+      </p:sp>
+      <p:pic>
+        <p:nvPicPr>
+          <p:cNvPr id="11" name="Chỗ dành sẵn cho Nội dung 8">
+            <a:extLst>
+              <a:ext uri="{FF2B5EF4-FFF2-40B4-BE49-F238E27FC236}">
+                <a16:creationId xmlns:a16="http://schemas.microsoft.com/office/drawing/2014/main" id="{52AF9286-D913-4803-9521-CE7EE72A04EE}"/>
+              </a:ext>
+            </a:extLst>
+          </p:cNvPr>
+          <p:cNvPicPr>
+            <a:picLocks noChangeAspect="1"/>
+          </p:cNvPicPr>
+          <p:nvPr/>
+        </p:nvPicPr>
+        <p:blipFill>
+          <a:blip r:embed="rId2"/>
+          <a:stretch>
+            <a:fillRect/>
+          </a:stretch>
+        </p:blipFill>
+        <p:spPr>
+          <a:xfrm>
+            <a:off x="3954594" y="2458110"/>
+            <a:ext cx="4282811" cy="3086367"/>
+          </a:xfrm>
+          <a:prstGeom prst="rect">
+            <a:avLst/>
+          </a:prstGeom>
+        </p:spPr>
+      </p:pic>
+    </p:spTree>
+  </p:cSld>
+  <p:clrMapOvr>
+    <a:masterClrMapping/>
+  </p:clrMapOvr>
+</p:sld>
+</file>
+
+<file path=ppt/slides/slide25.xml><?xml version="1.0" encoding="utf-8"?>
+<p:sld xmlns:a="http://schemas.openxmlformats.org/drawingml/2006/main" xmlns:r="http://schemas.openxmlformats.org/officeDocument/2006/relationships" xmlns:p="http://schemas.openxmlformats.org/presentationml/2006/main">
+  <p:cSld>
+    <p:spTree>
+      <p:nvGrpSpPr>
+        <p:cNvPr id="1" name=""/>
+        <p:cNvGrpSpPr/>
+        <p:nvPr/>
+      </p:nvGrpSpPr>
+      <p:grpSpPr>
+        <a:xfrm>
+          <a:off x="0" y="0"/>
+          <a:ext cx="0" cy="0"/>
+          <a:chOff x="0" y="0"/>
+          <a:chExt cx="0" cy="0"/>
+        </a:xfrm>
+      </p:grpSpPr>
+      <p:sp>
+        <p:nvSpPr>
+          <p:cNvPr id="3" name="Tiêu đề 2">
+            <a:extLst>
+              <a:ext uri="{FF2B5EF4-FFF2-40B4-BE49-F238E27FC236}">
+                <a16:creationId xmlns:a16="http://schemas.microsoft.com/office/drawing/2014/main" id="{F3775E50-B306-4549-9491-7FD361B60EEC}"/>
+              </a:ext>
+            </a:extLst>
+          </p:cNvPr>
+          <p:cNvSpPr>
+            <a:spLocks noGrp="1"/>
+          </p:cNvSpPr>
+          <p:nvPr>
+            <p:ph type="title"/>
+          </p:nvPr>
+        </p:nvSpPr>
+        <p:spPr/>
+        <p:txBody>
+          <a:bodyPr/>
+          <a:lstStyle/>
+          <a:p>
+            <a:pPr algn="ctr"/>
+            <a:r>
+              <a:rPr lang="vi-VN" b="1" dirty="0"/>
+              <a:t>Mô </a:t>
+            </a:r>
+            <a:r>
+              <a:rPr lang="vi-VN" b="1" dirty="0" err="1"/>
+              <a:t>hình</a:t>
+            </a:r>
+            <a:r>
+              <a:rPr lang="vi-VN" b="1" dirty="0"/>
+              <a:t> </a:t>
+            </a:r>
+            <a:r>
+              <a:rPr lang="vi-VN" b="1" dirty="0" err="1"/>
+              <a:t>hóa</a:t>
+            </a:r>
+            <a:r>
+              <a:rPr lang="vi-VN" b="1" dirty="0"/>
+              <a:t> </a:t>
+            </a:r>
+            <a:r>
+              <a:rPr lang="vi-VN" b="1" dirty="0" err="1"/>
+              <a:t>dữ</a:t>
+            </a:r>
+            <a:r>
+              <a:rPr lang="vi-VN" b="1" dirty="0"/>
+              <a:t> </a:t>
+            </a:r>
+            <a:r>
+              <a:rPr lang="vi-VN" b="1" dirty="0" err="1"/>
+              <a:t>liệu</a:t>
+            </a:r>
+            <a:endParaRPr lang="vi-VN" dirty="0"/>
+          </a:p>
+        </p:txBody>
+      </p:sp>
+      <p:sp>
+        <p:nvSpPr>
+          <p:cNvPr id="7" name="Chỗ dành sẵn cho Nội dung 6">
+            <a:extLst>
+              <a:ext uri="{FF2B5EF4-FFF2-40B4-BE49-F238E27FC236}">
+                <a16:creationId xmlns:a16="http://schemas.microsoft.com/office/drawing/2014/main" id="{B38A8027-C11A-4CEE-ADE8-FD0B3808E89C}"/>
+              </a:ext>
+            </a:extLst>
+          </p:cNvPr>
+          <p:cNvSpPr>
+            <a:spLocks noGrp="1"/>
+          </p:cNvSpPr>
+          <p:nvPr>
+            <p:ph idx="1"/>
+          </p:nvPr>
+        </p:nvSpPr>
+        <p:spPr/>
+        <p:txBody>
+          <a:bodyPr/>
+          <a:lstStyle/>
+          <a:p>
+            <a:r>
+              <a:rPr lang="vi-VN" dirty="0" err="1"/>
               <a:t>Các</a:t>
             </a:r>
             <a:r>
@@ -27550,7 +27829,7 @@
 </p:sld>
 </file>
 
-<file path=ppt/slides/slide25.xml><?xml version="1.0" encoding="utf-8"?>
+<file path=ppt/slides/slide26.xml><?xml version="1.0" encoding="utf-8"?>
 <p:sld xmlns:a="http://schemas.openxmlformats.org/drawingml/2006/main" xmlns:r="http://schemas.openxmlformats.org/officeDocument/2006/relationships" xmlns:p="http://schemas.openxmlformats.org/presentationml/2006/main">
   <p:cSld>
     <p:spTree>
@@ -27888,7 +28167,7 @@
 </p:sld>
 </file>
 
-<file path=ppt/slides/slide26.xml><?xml version="1.0" encoding="utf-8"?>
+<file path=ppt/slides/slide27.xml><?xml version="1.0" encoding="utf-8"?>
 <p:sld xmlns:a="http://schemas.openxmlformats.org/drawingml/2006/main" xmlns:r="http://schemas.openxmlformats.org/officeDocument/2006/relationships" xmlns:p="http://schemas.openxmlformats.org/presentationml/2006/main">
   <p:cSld>
     <p:bg>
@@ -28071,7 +28350,7 @@
 </p:sld>
 </file>
 
-<file path=ppt/slides/slide27.xml><?xml version="1.0" encoding="utf-8"?>
+<file path=ppt/slides/slide28.xml><?xml version="1.0" encoding="utf-8"?>
 <p:sld xmlns:a="http://schemas.openxmlformats.org/drawingml/2006/main" xmlns:r="http://schemas.openxmlformats.org/officeDocument/2006/relationships" xmlns:p="http://schemas.openxmlformats.org/presentationml/2006/main">
   <p:cSld>
     <p:bg>
@@ -28254,228 +28533,6 @@
 </p:sld>
 </file>
 
-<file path=ppt/slides/slide28.xml><?xml version="1.0" encoding="utf-8"?>
-<p:sld xmlns:a="http://schemas.openxmlformats.org/drawingml/2006/main" xmlns:r="http://schemas.openxmlformats.org/officeDocument/2006/relationships" xmlns:p="http://schemas.openxmlformats.org/presentationml/2006/main">
-  <p:cSld>
-    <p:spTree>
-      <p:nvGrpSpPr>
-        <p:cNvPr id="1" name=""/>
-        <p:cNvGrpSpPr/>
-        <p:nvPr/>
-      </p:nvGrpSpPr>
-      <p:grpSpPr>
-        <a:xfrm>
-          <a:off x="0" y="0"/>
-          <a:ext cx="0" cy="0"/>
-          <a:chOff x="0" y="0"/>
-          <a:chExt cx="0" cy="0"/>
-        </a:xfrm>
-      </p:grpSpPr>
-      <p:sp>
-        <p:nvSpPr>
-          <p:cNvPr id="2" name="Tiêu đề 1">
-            <a:extLst>
-              <a:ext uri="{FF2B5EF4-FFF2-40B4-BE49-F238E27FC236}">
-                <a16:creationId xmlns:a16="http://schemas.microsoft.com/office/drawing/2014/main" id="{DFCDB106-A020-40F0-8412-3F13C58B1C72}"/>
-              </a:ext>
-            </a:extLst>
-          </p:cNvPr>
-          <p:cNvSpPr>
-            <a:spLocks noGrp="1"/>
-          </p:cNvSpPr>
-          <p:nvPr>
-            <p:ph type="title"/>
-          </p:nvPr>
-        </p:nvSpPr>
-        <p:spPr/>
-        <p:txBody>
-          <a:bodyPr/>
-          <a:lstStyle/>
-          <a:p>
-            <a:pPr algn="ctr"/>
-            <a:r>
-              <a:rPr lang="vi-VN" b="1" dirty="0" err="1"/>
-              <a:t>Tài</a:t>
-            </a:r>
-            <a:r>
-              <a:rPr lang="vi-VN" b="1" dirty="0"/>
-              <a:t> </a:t>
-            </a:r>
-            <a:r>
-              <a:rPr lang="vi-VN" b="1" dirty="0" err="1"/>
-              <a:t>liệu</a:t>
-            </a:r>
-            <a:r>
-              <a:rPr lang="vi-VN" b="1" dirty="0"/>
-              <a:t> tham </a:t>
-            </a:r>
-            <a:r>
-              <a:rPr lang="vi-VN" b="1" dirty="0" err="1"/>
-              <a:t>khảo</a:t>
-            </a:r>
-            <a:endParaRPr lang="vi-VN" b="1" dirty="0"/>
-          </a:p>
-        </p:txBody>
-      </p:sp>
-      <p:sp>
-        <p:nvSpPr>
-          <p:cNvPr id="3" name="Chỗ dành sẵn cho Nội dung 2">
-            <a:extLst>
-              <a:ext uri="{FF2B5EF4-FFF2-40B4-BE49-F238E27FC236}">
-                <a16:creationId xmlns:a16="http://schemas.microsoft.com/office/drawing/2014/main" id="{BD8F4D68-C769-4631-A0C6-1B5E1767ECC5}"/>
-              </a:ext>
-            </a:extLst>
-          </p:cNvPr>
-          <p:cNvSpPr>
-            <a:spLocks noGrp="1"/>
-          </p:cNvSpPr>
-          <p:nvPr>
-            <p:ph idx="1"/>
-          </p:nvPr>
-        </p:nvSpPr>
-        <p:spPr/>
-        <p:txBody>
-          <a:bodyPr>
-            <a:normAutofit/>
-          </a:bodyPr>
-          <a:lstStyle/>
-          <a:p>
-            <a:r>
-              <a:rPr lang="vi-VN" dirty="0" err="1"/>
-              <a:t>Nguồn</a:t>
-            </a:r>
-            <a:r>
-              <a:rPr lang="vi-VN" dirty="0"/>
-              <a:t> </a:t>
-            </a:r>
-            <a:r>
-              <a:rPr lang="vi-VN" dirty="0" err="1"/>
-              <a:t>cảm</a:t>
-            </a:r>
-            <a:r>
-              <a:rPr lang="vi-VN" dirty="0"/>
-              <a:t> </a:t>
-            </a:r>
-            <a:r>
-              <a:rPr lang="vi-VN" dirty="0" err="1"/>
-              <a:t>hứng</a:t>
-            </a:r>
-            <a:r>
-              <a:rPr lang="vi-VN" dirty="0"/>
-              <a:t> </a:t>
-            </a:r>
-            <a:r>
-              <a:rPr lang="vi-VN" dirty="0" err="1"/>
-              <a:t>của</a:t>
-            </a:r>
-            <a:r>
-              <a:rPr lang="vi-VN" dirty="0"/>
-              <a:t> câu </a:t>
-            </a:r>
-            <a:r>
-              <a:rPr lang="vi-VN" dirty="0" err="1"/>
-              <a:t>hỏi</a:t>
-            </a:r>
-            <a:r>
-              <a:rPr lang="vi-VN" dirty="0"/>
-              <a:t>:</a:t>
-            </a:r>
-          </a:p>
-          <a:p>
-            <a:pPr lvl="1"/>
-            <a:r>
-              <a:rPr lang="vi-VN" dirty="0">
-                <a:hlinkClick r:id="rId2"/>
-              </a:rPr>
-              <a:t>https://www.kaggle.com/kemical/kickstarter-projects?select=ks-projects-201801.csv</a:t>
-            </a:r>
-            <a:endParaRPr lang="vi-VN" dirty="0"/>
-          </a:p>
-          <a:p>
-            <a:r>
-              <a:rPr lang="vi-VN" dirty="0"/>
-              <a:t>Thu </a:t>
-            </a:r>
-            <a:r>
-              <a:rPr lang="vi-VN" dirty="0" err="1"/>
-              <a:t>thập</a:t>
-            </a:r>
-            <a:r>
-              <a:rPr lang="vi-VN" dirty="0"/>
-              <a:t> </a:t>
-            </a:r>
-            <a:r>
-              <a:rPr lang="vi-VN" dirty="0" err="1"/>
-              <a:t>dữ</a:t>
-            </a:r>
-            <a:r>
-              <a:rPr lang="vi-VN" dirty="0"/>
-              <a:t> </a:t>
-            </a:r>
-            <a:r>
-              <a:rPr lang="vi-VN" dirty="0" err="1"/>
-              <a:t>liệu</a:t>
-            </a:r>
-            <a:r>
-              <a:rPr lang="vi-VN" dirty="0"/>
-              <a:t>:</a:t>
-            </a:r>
-          </a:p>
-          <a:p>
-            <a:pPr lvl="1"/>
-            <a:r>
-              <a:rPr lang="vi-VN" dirty="0">
-                <a:hlinkClick r:id="rId3"/>
-              </a:rPr>
-              <a:t>https://nycdatascience.com/blog/student-works/scraping-kickstarter/</a:t>
-            </a:r>
-            <a:endParaRPr lang="vi-VN" dirty="0"/>
-          </a:p>
-          <a:p>
-            <a:pPr lvl="1"/>
-            <a:r>
-              <a:rPr lang="vi-VN" dirty="0">
-                <a:hlinkClick r:id="rId4"/>
-              </a:rPr>
-              <a:t>https://docs.microsoft.com/en-us/microsoft-edge/webdriver-chromium/?tabs=python</a:t>
-            </a:r>
-            <a:endParaRPr lang="vi-VN" dirty="0"/>
-          </a:p>
-          <a:p>
-            <a:pPr lvl="1"/>
-            <a:r>
-              <a:rPr lang="vi-VN" dirty="0">
-                <a:hlinkClick r:id="rId5"/>
-              </a:rPr>
-              <a:t>https://www.geeksforgeeks.org/python-convert-string-dictionary-to-dictionary/</a:t>
-            </a:r>
-            <a:endParaRPr lang="vi-VN" dirty="0"/>
-          </a:p>
-          <a:p>
-            <a:pPr lvl="1"/>
-            <a:r>
-              <a:rPr lang="vi-VN" dirty="0">
-                <a:hlinkClick r:id="rId6"/>
-              </a:rPr>
-              <a:t>https://stackoverflow.com/questions/20986631/how-can-i-scroll-a-web-page-using-selenium-webdriver-in-python</a:t>
-            </a:r>
-            <a:endParaRPr lang="vi-VN" dirty="0"/>
-          </a:p>
-        </p:txBody>
-      </p:sp>
-    </p:spTree>
-    <p:extLst>
-      <p:ext uri="{BB962C8B-B14F-4D97-AF65-F5344CB8AC3E}">
-        <p14:creationId xmlns:p14="http://schemas.microsoft.com/office/powerpoint/2010/main" val="1292511337"/>
-      </p:ext>
-    </p:extLst>
-  </p:cSld>
-  <p:clrMapOvr>
-    <a:masterClrMapping/>
-  </p:clrMapOvr>
-</p:sld>
-</file>
-
 <file path=ppt/slides/slide29.xml><?xml version="1.0" encoding="utf-8"?>
 <p:sld xmlns:a="http://schemas.openxmlformats.org/drawingml/2006/main" xmlns:r="http://schemas.openxmlformats.org/officeDocument/2006/relationships" xmlns:p="http://schemas.openxmlformats.org/presentationml/2006/main">
   <p:cSld>
@@ -28516,8 +28573,24 @@
           <a:p>
             <a:pPr algn="ctr"/>
             <a:r>
-              <a:rPr lang="vi-VN" b="1"/>
-              <a:t>Tài liệu tham khảo</a:t>
+              <a:rPr lang="vi-VN" b="1" dirty="0" err="1"/>
+              <a:t>Tài</a:t>
+            </a:r>
+            <a:r>
+              <a:rPr lang="vi-VN" b="1" dirty="0"/>
+              <a:t> </a:t>
+            </a:r>
+            <a:r>
+              <a:rPr lang="vi-VN" b="1" dirty="0" err="1"/>
+              <a:t>liệu</a:t>
+            </a:r>
+            <a:r>
+              <a:rPr lang="vi-VN" b="1" dirty="0"/>
+              <a:t> tham </a:t>
+            </a:r>
+            <a:r>
+              <a:rPr lang="vi-VN" b="1" dirty="0" err="1"/>
+              <a:t>khảo</a:t>
             </a:r>
             <a:endParaRPr lang="vi-VN" b="1" dirty="0"/>
           </a:p>
@@ -28541,12 +28614,14 @@
         </p:nvSpPr>
         <p:spPr/>
         <p:txBody>
-          <a:bodyPr/>
+          <a:bodyPr>
+            <a:normAutofit/>
+          </a:bodyPr>
           <a:lstStyle/>
           <a:p>
             <a:r>
               <a:rPr lang="vi-VN" dirty="0" err="1"/>
-              <a:t>Tiền</a:t>
+              <a:t>Nguồn</a:t>
             </a:r>
             <a:r>
               <a:rPr lang="vi-VN" dirty="0"/>
@@ -28554,7 +28629,7 @@
             </a:r>
             <a:r>
               <a:rPr lang="vi-VN" dirty="0" err="1"/>
-              <a:t>xử</a:t>
+              <a:t>cảm</a:t>
             </a:r>
             <a:r>
               <a:rPr lang="vi-VN" dirty="0"/>
@@ -28562,7 +28637,23 @@
             </a:r>
             <a:r>
               <a:rPr lang="vi-VN" dirty="0" err="1"/>
-              <a:t>lý</a:t>
+              <a:t>hứng</a:t>
+            </a:r>
+            <a:r>
+              <a:rPr lang="vi-VN" dirty="0"/>
+              <a:t> </a:t>
+            </a:r>
+            <a:r>
+              <a:rPr lang="vi-VN" dirty="0" err="1"/>
+              <a:t>của</a:t>
+            </a:r>
+            <a:r>
+              <a:rPr lang="vi-VN" dirty="0"/>
+              <a:t> câu </a:t>
+            </a:r>
+            <a:r>
+              <a:rPr lang="vi-VN" dirty="0" err="1"/>
+              <a:t>hỏi</a:t>
             </a:r>
             <a:r>
               <a:rPr lang="vi-VN" dirty="0"/>
@@ -28575,7 +28666,47 @@
               <a:rPr lang="vi-VN" dirty="0">
                 <a:hlinkClick r:id="rId2"/>
               </a:rPr>
-              <a:t>https://scikit-learn.org/stable/modules/feature_extraction.html</a:t>
+              <a:t>https://www.kaggle.com/kemical/kickstarter-projects?select=ks-projects-201801.csv</a:t>
+            </a:r>
+            <a:endParaRPr lang="vi-VN" dirty="0"/>
+          </a:p>
+          <a:p>
+            <a:r>
+              <a:rPr lang="vi-VN" dirty="0"/>
+              <a:t>Thu </a:t>
+            </a:r>
+            <a:r>
+              <a:rPr lang="vi-VN" dirty="0" err="1"/>
+              <a:t>thập</a:t>
+            </a:r>
+            <a:r>
+              <a:rPr lang="vi-VN" dirty="0"/>
+              <a:t> </a:t>
+            </a:r>
+            <a:r>
+              <a:rPr lang="vi-VN" dirty="0" err="1"/>
+              <a:t>dữ</a:t>
+            </a:r>
+            <a:r>
+              <a:rPr lang="vi-VN" dirty="0"/>
+              <a:t> </a:t>
+            </a:r>
+            <a:r>
+              <a:rPr lang="vi-VN" dirty="0" err="1"/>
+              <a:t>liệu</a:t>
+            </a:r>
+            <a:r>
+              <a:rPr lang="vi-VN" dirty="0"/>
+              <a:t>:</a:t>
+            </a:r>
+          </a:p>
+          <a:p>
+            <a:pPr lvl="1"/>
+            <a:r>
+              <a:rPr lang="vi-VN" dirty="0">
+                <a:hlinkClick r:id="rId3"/>
+              </a:rPr>
+              <a:t>https://nycdatascience.com/blog/student-works/scraping-kickstarter/</a:t>
             </a:r>
             <a:endParaRPr lang="vi-VN" dirty="0"/>
           </a:p>
@@ -28583,81 +28714,29 @@
             <a:pPr lvl="1"/>
             <a:r>
               <a:rPr lang="vi-VN" dirty="0">
-                <a:hlinkClick r:id="rId3"/>
-              </a:rPr>
-              <a:t>https://stackoverflow.com/questions/25646200/python-convert-timedelta-to-int-in-a-dataframe</a:t>
-            </a:r>
-            <a:endParaRPr lang="vi-VN" dirty="0"/>
-          </a:p>
-          <a:p>
-            <a:r>
-              <a:rPr lang="vi-VN" dirty="0"/>
-              <a:t>Mô </a:t>
-            </a:r>
-            <a:r>
-              <a:rPr lang="vi-VN" dirty="0" err="1"/>
-              <a:t>hình</a:t>
-            </a:r>
-            <a:r>
-              <a:rPr lang="vi-VN" dirty="0"/>
-              <a:t> </a:t>
-            </a:r>
-            <a:r>
-              <a:rPr lang="vi-VN" dirty="0" err="1"/>
-              <a:t>hóa</a:t>
-            </a:r>
-            <a:r>
-              <a:rPr lang="vi-VN" dirty="0"/>
-              <a:t>:</a:t>
-            </a:r>
-          </a:p>
-          <a:p>
-            <a:pPr lvl="1"/>
-            <a:r>
-              <a:rPr lang="vi-VN" dirty="0">
                 <a:hlinkClick r:id="rId4"/>
               </a:rPr>
-              <a:t>https://scikit-learn.org/stable/modules/generated/sklearn.decomposition.TruncatedSVD.html</a:t>
+              <a:t>https://docs.microsoft.com/en-us/microsoft-edge/webdriver-chromium/?tabs=python</a:t>
             </a:r>
             <a:endParaRPr lang="vi-VN" dirty="0"/>
           </a:p>
           <a:p>
             <a:pPr lvl="1"/>
             <a:r>
-              <a:rPr lang="vi-VN" dirty="0" err="1">
-                <a:hlinkClick r:id="rId5"/>
-              </a:rPr>
-              <a:t>sklearn.model_selection.KFold</a:t>
-            </a:r>
-            <a:r>
               <a:rPr lang="vi-VN" dirty="0">
                 <a:hlinkClick r:id="rId5"/>
               </a:rPr>
-              <a:t> — </a:t>
-            </a:r>
-            <a:r>
-              <a:rPr lang="vi-VN" dirty="0" err="1">
-                <a:hlinkClick r:id="rId5"/>
+              <a:t>https://www.geeksforgeeks.org/python-convert-string-dictionary-to-dictionary/</a:t>
+            </a:r>
+            <a:endParaRPr lang="vi-VN" dirty="0"/>
+          </a:p>
+          <a:p>
+            <a:pPr lvl="1"/>
+            <a:r>
+              <a:rPr lang="vi-VN" dirty="0">
+                <a:hlinkClick r:id="rId6"/>
               </a:rPr>
-              <a:t>scikit-learn</a:t>
-            </a:r>
-            <a:r>
-              <a:rPr lang="vi-VN" dirty="0">
-                <a:hlinkClick r:id="rId5"/>
-              </a:rPr>
-              <a:t> 0.24.0 </a:t>
-            </a:r>
-            <a:r>
-              <a:rPr lang="vi-VN" dirty="0" err="1">
-                <a:hlinkClick r:id="rId5"/>
-              </a:rPr>
-              <a:t>documentation</a:t>
-            </a:r>
-            <a:r>
-              <a:rPr lang="vi-VN" dirty="0">
-                <a:hlinkClick r:id="rId5"/>
-              </a:rPr>
-              <a:t> (scikit-learn.org)</a:t>
+              <a:t>https://stackoverflow.com/questions/20986631/how-can-i-scroll-a-web-page-using-selenium-webdriver-in-python</a:t>
             </a:r>
             <a:endParaRPr lang="vi-VN" dirty="0"/>
           </a:p>
@@ -28666,7 +28745,7 @@
     </p:spTree>
     <p:extLst>
       <p:ext uri="{BB962C8B-B14F-4D97-AF65-F5344CB8AC3E}">
-        <p14:creationId xmlns:p14="http://schemas.microsoft.com/office/powerpoint/2010/main" val="648356202"/>
+        <p14:creationId xmlns:p14="http://schemas.microsoft.com/office/powerpoint/2010/main" val="1292511337"/>
       </p:ext>
     </p:extLst>
   </p:cSld>
@@ -29135,6 +29214,206 @@
     <p:extLst>
       <p:ext uri="{BB962C8B-B14F-4D97-AF65-F5344CB8AC3E}">
         <p14:creationId xmlns:p14="http://schemas.microsoft.com/office/powerpoint/2010/main" val="2491197973"/>
+      </p:ext>
+    </p:extLst>
+  </p:cSld>
+  <p:clrMapOvr>
+    <a:masterClrMapping/>
+  </p:clrMapOvr>
+</p:sld>
+</file>
+
+<file path=ppt/slides/slide30.xml><?xml version="1.0" encoding="utf-8"?>
+<p:sld xmlns:a="http://schemas.openxmlformats.org/drawingml/2006/main" xmlns:r="http://schemas.openxmlformats.org/officeDocument/2006/relationships" xmlns:p="http://schemas.openxmlformats.org/presentationml/2006/main">
+  <p:cSld>
+    <p:spTree>
+      <p:nvGrpSpPr>
+        <p:cNvPr id="1" name=""/>
+        <p:cNvGrpSpPr/>
+        <p:nvPr/>
+      </p:nvGrpSpPr>
+      <p:grpSpPr>
+        <a:xfrm>
+          <a:off x="0" y="0"/>
+          <a:ext cx="0" cy="0"/>
+          <a:chOff x="0" y="0"/>
+          <a:chExt cx="0" cy="0"/>
+        </a:xfrm>
+      </p:grpSpPr>
+      <p:sp>
+        <p:nvSpPr>
+          <p:cNvPr id="2" name="Tiêu đề 1">
+            <a:extLst>
+              <a:ext uri="{FF2B5EF4-FFF2-40B4-BE49-F238E27FC236}">
+                <a16:creationId xmlns:a16="http://schemas.microsoft.com/office/drawing/2014/main" id="{DFCDB106-A020-40F0-8412-3F13C58B1C72}"/>
+              </a:ext>
+            </a:extLst>
+          </p:cNvPr>
+          <p:cNvSpPr>
+            <a:spLocks noGrp="1"/>
+          </p:cNvSpPr>
+          <p:nvPr>
+            <p:ph type="title"/>
+          </p:nvPr>
+        </p:nvSpPr>
+        <p:spPr/>
+        <p:txBody>
+          <a:bodyPr/>
+          <a:lstStyle/>
+          <a:p>
+            <a:pPr algn="ctr"/>
+            <a:r>
+              <a:rPr lang="vi-VN" b="1"/>
+              <a:t>Tài liệu tham khảo</a:t>
+            </a:r>
+            <a:endParaRPr lang="vi-VN" b="1" dirty="0"/>
+          </a:p>
+        </p:txBody>
+      </p:sp>
+      <p:sp>
+        <p:nvSpPr>
+          <p:cNvPr id="3" name="Chỗ dành sẵn cho Nội dung 2">
+            <a:extLst>
+              <a:ext uri="{FF2B5EF4-FFF2-40B4-BE49-F238E27FC236}">
+                <a16:creationId xmlns:a16="http://schemas.microsoft.com/office/drawing/2014/main" id="{BD8F4D68-C769-4631-A0C6-1B5E1767ECC5}"/>
+              </a:ext>
+            </a:extLst>
+          </p:cNvPr>
+          <p:cNvSpPr>
+            <a:spLocks noGrp="1"/>
+          </p:cNvSpPr>
+          <p:nvPr>
+            <p:ph idx="1"/>
+          </p:nvPr>
+        </p:nvSpPr>
+        <p:spPr/>
+        <p:txBody>
+          <a:bodyPr/>
+          <a:lstStyle/>
+          <a:p>
+            <a:r>
+              <a:rPr lang="vi-VN" dirty="0" err="1"/>
+              <a:t>Tiền</a:t>
+            </a:r>
+            <a:r>
+              <a:rPr lang="vi-VN" dirty="0"/>
+              <a:t> </a:t>
+            </a:r>
+            <a:r>
+              <a:rPr lang="vi-VN" dirty="0" err="1"/>
+              <a:t>xử</a:t>
+            </a:r>
+            <a:r>
+              <a:rPr lang="vi-VN" dirty="0"/>
+              <a:t> </a:t>
+            </a:r>
+            <a:r>
+              <a:rPr lang="vi-VN" dirty="0" err="1"/>
+              <a:t>lý</a:t>
+            </a:r>
+            <a:r>
+              <a:rPr lang="vi-VN" dirty="0"/>
+              <a:t>:</a:t>
+            </a:r>
+          </a:p>
+          <a:p>
+            <a:pPr lvl="1"/>
+            <a:r>
+              <a:rPr lang="vi-VN" dirty="0">
+                <a:hlinkClick r:id="rId2"/>
+              </a:rPr>
+              <a:t>https://scikit-learn.org/stable/modules/feature_extraction.html</a:t>
+            </a:r>
+            <a:endParaRPr lang="vi-VN" dirty="0"/>
+          </a:p>
+          <a:p>
+            <a:pPr lvl="1"/>
+            <a:r>
+              <a:rPr lang="vi-VN" dirty="0">
+                <a:hlinkClick r:id="rId3"/>
+              </a:rPr>
+              <a:t>https://stackoverflow.com/questions/25646200/python-convert-timedelta-to-int-in-a-dataframe</a:t>
+            </a:r>
+            <a:endParaRPr lang="vi-VN" dirty="0"/>
+          </a:p>
+          <a:p>
+            <a:r>
+              <a:rPr lang="vi-VN" dirty="0"/>
+              <a:t>Mô </a:t>
+            </a:r>
+            <a:r>
+              <a:rPr lang="vi-VN" dirty="0" err="1"/>
+              <a:t>hình</a:t>
+            </a:r>
+            <a:r>
+              <a:rPr lang="vi-VN" dirty="0"/>
+              <a:t> </a:t>
+            </a:r>
+            <a:r>
+              <a:rPr lang="vi-VN" dirty="0" err="1"/>
+              <a:t>hóa</a:t>
+            </a:r>
+            <a:r>
+              <a:rPr lang="vi-VN" dirty="0"/>
+              <a:t>:</a:t>
+            </a:r>
+          </a:p>
+          <a:p>
+            <a:pPr lvl="1"/>
+            <a:r>
+              <a:rPr lang="vi-VN" dirty="0">
+                <a:hlinkClick r:id="rId4"/>
+              </a:rPr>
+              <a:t>https://scikit-learn.org/stable/modules/generated/sklearn.decomposition.TruncatedSVD.html</a:t>
+            </a:r>
+            <a:endParaRPr lang="vi-VN" dirty="0"/>
+          </a:p>
+          <a:p>
+            <a:pPr lvl="1"/>
+            <a:r>
+              <a:rPr lang="vi-VN" dirty="0" err="1">
+                <a:hlinkClick r:id="rId5"/>
+              </a:rPr>
+              <a:t>sklearn.model_selection.KFold</a:t>
+            </a:r>
+            <a:r>
+              <a:rPr lang="vi-VN" dirty="0">
+                <a:hlinkClick r:id="rId5"/>
+              </a:rPr>
+              <a:t> — </a:t>
+            </a:r>
+            <a:r>
+              <a:rPr lang="vi-VN" dirty="0" err="1">
+                <a:hlinkClick r:id="rId5"/>
+              </a:rPr>
+              <a:t>scikit-learn</a:t>
+            </a:r>
+            <a:r>
+              <a:rPr lang="vi-VN" dirty="0">
+                <a:hlinkClick r:id="rId5"/>
+              </a:rPr>
+              <a:t> 0.24.0 </a:t>
+            </a:r>
+            <a:r>
+              <a:rPr lang="vi-VN" dirty="0" err="1">
+                <a:hlinkClick r:id="rId5"/>
+              </a:rPr>
+              <a:t>documentation</a:t>
+            </a:r>
+            <a:r>
+              <a:rPr lang="vi-VN" dirty="0">
+                <a:hlinkClick r:id="rId5"/>
+              </a:rPr>
+              <a:t> (scikit-learn.org)</a:t>
+            </a:r>
+            <a:endParaRPr lang="vi-VN" dirty="0"/>
+          </a:p>
+        </p:txBody>
+      </p:sp>
+    </p:spTree>
+    <p:extLst>
+      <p:ext uri="{BB962C8B-B14F-4D97-AF65-F5344CB8AC3E}">
+        <p14:creationId xmlns:p14="http://schemas.microsoft.com/office/powerpoint/2010/main" val="648356202"/>
       </p:ext>
     </p:extLst>
   </p:cSld>
@@ -30559,6 +30838,224 @@
           <a:chExt cx="0" cy="0"/>
         </a:xfrm>
       </p:grpSpPr>
+      <p:sp useBgFill="1">
+        <p:nvSpPr>
+          <p:cNvPr id="23" name="Rectangle 22">
+            <a:extLst>
+              <a:ext uri="{FF2B5EF4-FFF2-40B4-BE49-F238E27FC236}">
+                <a16:creationId xmlns:a16="http://schemas.microsoft.com/office/drawing/2014/main" id="{1A95671B-3CC6-4792-9114-B74FAEA224E6}"/>
+              </a:ext>
+              <a:ext uri="{C183D7F6-B498-43B3-948B-1728B52AA6E4}">
+                <adec:decorative xmlns:adec="http://schemas.microsoft.com/office/drawing/2017/decorative" val="1"/>
+              </a:ext>
+            </a:extLst>
+          </p:cNvPr>
+          <p:cNvSpPr>
+            <a:spLocks noGrp="1" noRot="1" noChangeAspect="1" noMove="1" noResize="1" noEditPoints="1" noAdjustHandles="1" noChangeArrowheads="1" noChangeShapeType="1" noTextEdit="1"/>
+          </p:cNvSpPr>
+          <p:nvPr>
+            <p:extLst>
+              <p:ext uri="{386F3935-93C4-4BCD-93E2-E3B085C9AB24}">
+                <p16:designElem xmlns:p16="http://schemas.microsoft.com/office/powerpoint/2015/main" val="1"/>
+              </p:ext>
+            </p:extLst>
+          </p:nvPr>
+        </p:nvSpPr>
+        <p:spPr>
+          <a:xfrm>
+            <a:off x="0" y="0"/>
+            <a:ext cx="12188952" cy="6858000"/>
+          </a:xfrm>
+          <a:prstGeom prst="rect">
+            <a:avLst/>
+          </a:prstGeom>
+          <a:ln>
+            <a:noFill/>
+          </a:ln>
+        </p:spPr>
+        <p:style>
+          <a:lnRef idx="2">
+            <a:schemeClr val="accent1">
+              <a:shade val="50000"/>
+            </a:schemeClr>
+          </a:lnRef>
+          <a:fillRef idx="1">
+            <a:schemeClr val="accent1"/>
+          </a:fillRef>
+          <a:effectRef idx="0">
+            <a:schemeClr val="accent1"/>
+          </a:effectRef>
+          <a:fontRef idx="minor">
+            <a:schemeClr val="lt1"/>
+          </a:fontRef>
+        </p:style>
+        <p:txBody>
+          <a:bodyPr rtlCol="0" anchor="ctr"/>
+          <a:lstStyle/>
+          <a:p>
+            <a:pPr algn="ctr"/>
+            <a:endParaRPr lang="en-US"/>
+          </a:p>
+        </p:txBody>
+      </p:sp>
+      <p:sp>
+        <p:nvSpPr>
+          <p:cNvPr id="2" name="Tiêu đề 1">
+            <a:extLst>
+              <a:ext uri="{FF2B5EF4-FFF2-40B4-BE49-F238E27FC236}">
+                <a16:creationId xmlns:a16="http://schemas.microsoft.com/office/drawing/2014/main" id="{72E25E35-D984-4B2E-8075-81E4F65E1A1B}"/>
+              </a:ext>
+            </a:extLst>
+          </p:cNvPr>
+          <p:cNvSpPr>
+            <a:spLocks noGrp="1"/>
+          </p:cNvSpPr>
+          <p:nvPr>
+            <p:ph type="title"/>
+          </p:nvPr>
+        </p:nvSpPr>
+        <p:spPr>
+          <a:xfrm>
+            <a:off x="1008184" y="174032"/>
+            <a:ext cx="10175631" cy="1111843"/>
+          </a:xfrm>
+        </p:spPr>
+        <p:txBody>
+          <a:bodyPr vert="horz" lIns="91440" tIns="45720" rIns="91440" bIns="45720" rtlCol="0" anchor="ctr">
+            <a:normAutofit/>
+          </a:bodyPr>
+          <a:lstStyle/>
+          <a:p>
+            <a:pPr algn="ctr"/>
+            <a:r>
+              <a:rPr lang="en-US" sz="4000" b="1" kern="1200">
+                <a:solidFill>
+                  <a:schemeClr val="tx1"/>
+                </a:solidFill>
+                <a:latin typeface="+mj-lt"/>
+                <a:ea typeface="+mj-ea"/>
+                <a:cs typeface="+mj-cs"/>
+              </a:rPr>
+              <a:t>Thu thập dữ liệu</a:t>
+            </a:r>
+          </a:p>
+        </p:txBody>
+      </p:sp>
+      <p:sp>
+        <p:nvSpPr>
+          <p:cNvPr id="3" name="Chỗ dành sẵn cho Nội dung 2">
+            <a:extLst>
+              <a:ext uri="{FF2B5EF4-FFF2-40B4-BE49-F238E27FC236}">
+                <a16:creationId xmlns:a16="http://schemas.microsoft.com/office/drawing/2014/main" id="{DE6F6D1C-6816-498D-80E2-E925A1C03F31}"/>
+              </a:ext>
+            </a:extLst>
+          </p:cNvPr>
+          <p:cNvSpPr>
+            <a:spLocks noGrp="1"/>
+          </p:cNvSpPr>
+          <p:nvPr>
+            <p:ph type="body" sz="half" idx="2"/>
+          </p:nvPr>
+        </p:nvSpPr>
+        <p:spPr>
+          <a:xfrm>
+            <a:off x="1008184" y="1459907"/>
+            <a:ext cx="10175630" cy="767904"/>
+          </a:xfrm>
+        </p:spPr>
+        <p:txBody>
+          <a:bodyPr vert="horz" lIns="91440" tIns="45720" rIns="91440" bIns="45720" rtlCol="0" anchor="ctr">
+            <a:normAutofit/>
+          </a:bodyPr>
+          <a:lstStyle/>
+          <a:p>
+            <a:pPr lvl="0" indent="-228600" algn="ctr">
+              <a:buFont typeface="Arial" panose="020B0604020202020204" pitchFamily="34" charset="0"/>
+              <a:buChar char="•"/>
+            </a:pPr>
+            <a:r>
+              <a:rPr lang="en-US" sz="2000"/>
+              <a:t>Kết quả dữ liệu thu thập được:</a:t>
+            </a:r>
+          </a:p>
+          <a:p>
+            <a:pPr lvl="0" indent="-228600" algn="ctr">
+              <a:buFont typeface="Arial" panose="020B0604020202020204" pitchFamily="34" charset="0"/>
+              <a:buChar char="•"/>
+            </a:pPr>
+            <a:endParaRPr lang="en-US" sz="2000"/>
+          </a:p>
+        </p:txBody>
+      </p:sp>
+      <p:pic>
+        <p:nvPicPr>
+          <p:cNvPr id="18" name="Chỗ dành sẵn cho Hình ảnh 17">
+            <a:extLst>
+              <a:ext uri="{FF2B5EF4-FFF2-40B4-BE49-F238E27FC236}">
+                <a16:creationId xmlns:a16="http://schemas.microsoft.com/office/drawing/2014/main" id="{1D203A5D-928B-45AB-ABC9-27FAC7CE4637}"/>
+              </a:ext>
+            </a:extLst>
+          </p:cNvPr>
+          <p:cNvPicPr>
+            <a:picLocks noGrp="1" noChangeAspect="1"/>
+          </p:cNvPicPr>
+          <p:nvPr>
+            <p:ph type="pic" idx="1"/>
+          </p:nvPr>
+        </p:nvPicPr>
+        <p:blipFill rotWithShape="1">
+          <a:blip r:embed="rId2"/>
+          <a:srcRect l="10683" r="10683"/>
+          <a:stretch/>
+        </p:blipFill>
+        <p:spPr>
+          <a:xfrm>
+            <a:off x="3240628" y="2405149"/>
+            <a:ext cx="5704646" cy="3899393"/>
+          </a:xfrm>
+          <a:prstGeom prst="rect">
+            <a:avLst/>
+          </a:prstGeom>
+        </p:spPr>
+      </p:pic>
+    </p:spTree>
+    <p:extLst>
+      <p:ext uri="{BB962C8B-B14F-4D97-AF65-F5344CB8AC3E}">
+        <p14:creationId xmlns:p14="http://schemas.microsoft.com/office/powerpoint/2010/main" val="98085419"/>
+      </p:ext>
+    </p:extLst>
+  </p:cSld>
+  <p:clrMapOvr>
+    <a:masterClrMapping/>
+  </p:clrMapOvr>
+</p:sld>
+</file>
+
+<file path=ppt/slides/slide8.xml><?xml version="1.0" encoding="utf-8"?>
+<p:sld xmlns:a="http://schemas.openxmlformats.org/drawingml/2006/main" xmlns:r="http://schemas.openxmlformats.org/officeDocument/2006/relationships" xmlns:p="http://schemas.openxmlformats.org/presentationml/2006/main">
+  <p:cSld>
+    <p:bg>
+      <p:bgPr>
+        <a:solidFill>
+          <a:schemeClr val="bg1"/>
+        </a:solidFill>
+        <a:effectLst/>
+      </p:bgPr>
+    </p:bg>
+    <p:spTree>
+      <p:nvGrpSpPr>
+        <p:cNvPr id="1" name=""/>
+        <p:cNvGrpSpPr/>
+        <p:nvPr/>
+      </p:nvGrpSpPr>
+      <p:grpSpPr>
+        <a:xfrm>
+          <a:off x="0" y="0"/>
+          <a:ext cx="0" cy="0"/>
+          <a:chOff x="0" y="0"/>
+          <a:chExt cx="0" cy="0"/>
+        </a:xfrm>
+      </p:grpSpPr>
       <p:cxnSp>
         <p:nvCxnSpPr>
           <p:cNvPr id="71" name="Straight Connector 70">
@@ -31005,7 +31502,7 @@
 </p:sld>
 </file>
 
-<file path=ppt/slides/slide8.xml><?xml version="1.0" encoding="utf-8"?>
+<file path=ppt/slides/slide9.xml><?xml version="1.0" encoding="utf-8"?>
 <p:sld xmlns:a="http://schemas.openxmlformats.org/drawingml/2006/main" xmlns:r="http://schemas.openxmlformats.org/officeDocument/2006/relationships" xmlns:p="http://schemas.openxmlformats.org/presentationml/2006/main">
   <p:cSld>
     <p:bg>
@@ -32144,283 +32641,6 @@
 </p:sld>
 </file>
 
-<file path=ppt/slides/slide9.xml><?xml version="1.0" encoding="utf-8"?>
-<p:sld xmlns:a="http://schemas.openxmlformats.org/drawingml/2006/main" xmlns:r="http://schemas.openxmlformats.org/officeDocument/2006/relationships" xmlns:p="http://schemas.openxmlformats.org/presentationml/2006/main">
-  <p:cSld>
-    <p:bg>
-      <p:bgPr>
-        <a:solidFill>
-          <a:schemeClr val="bg1"/>
-        </a:solidFill>
-        <a:effectLst/>
-      </p:bgPr>
-    </p:bg>
-    <p:spTree>
-      <p:nvGrpSpPr>
-        <p:cNvPr id="1" name=""/>
-        <p:cNvGrpSpPr/>
-        <p:nvPr/>
-      </p:nvGrpSpPr>
-      <p:grpSpPr>
-        <a:xfrm>
-          <a:off x="0" y="0"/>
-          <a:ext cx="0" cy="0"/>
-          <a:chOff x="0" y="0"/>
-          <a:chExt cx="0" cy="0"/>
-        </a:xfrm>
-      </p:grpSpPr>
-      <p:sp>
-        <p:nvSpPr>
-          <p:cNvPr id="11" name="Rectangle 10">
-            <a:extLst>
-              <a:ext uri="{FF2B5EF4-FFF2-40B4-BE49-F238E27FC236}">
-                <a16:creationId xmlns:a16="http://schemas.microsoft.com/office/drawing/2014/main" id="{EBF87945-A001-489F-9D9B-7D9435F0B9CA}"/>
-              </a:ext>
-              <a:ext uri="{C183D7F6-B498-43B3-948B-1728B52AA6E4}">
-                <adec:decorative xmlns:adec="http://schemas.microsoft.com/office/drawing/2017/decorative" val="1"/>
-              </a:ext>
-            </a:extLst>
-          </p:cNvPr>
-          <p:cNvSpPr>
-            <a:spLocks noGrp="1" noRot="1" noChangeAspect="1" noMove="1" noResize="1" noEditPoints="1" noAdjustHandles="1" noChangeArrowheads="1" noChangeShapeType="1" noTextEdit="1"/>
-          </p:cNvSpPr>
-          <p:nvPr>
-            <p:extLst>
-              <p:ext uri="{386F3935-93C4-4BCD-93E2-E3B085C9AB24}">
-                <p16:designElem xmlns:p16="http://schemas.microsoft.com/office/powerpoint/2015/main" val="1"/>
-              </p:ext>
-            </p:extLst>
-          </p:nvPr>
-        </p:nvSpPr>
-        <p:spPr>
-          <a:xfrm>
-            <a:off x="548639" y="347471"/>
-            <a:ext cx="11100816" cy="1801368"/>
-          </a:xfrm>
-          <a:prstGeom prst="rect">
-            <a:avLst/>
-          </a:prstGeom>
-          <a:solidFill>
-            <a:schemeClr val="tx1">
-              <a:lumMod val="75000"/>
-              <a:lumOff val="25000"/>
-            </a:schemeClr>
-          </a:solidFill>
-          <a:ln>
-            <a:noFill/>
-          </a:ln>
-        </p:spPr>
-        <p:style>
-          <a:lnRef idx="2">
-            <a:schemeClr val="accent1">
-              <a:shade val="50000"/>
-            </a:schemeClr>
-          </a:lnRef>
-          <a:fillRef idx="1">
-            <a:schemeClr val="accent1"/>
-          </a:fillRef>
-          <a:effectRef idx="0">
-            <a:schemeClr val="accent1"/>
-          </a:effectRef>
-          <a:fontRef idx="minor">
-            <a:schemeClr val="lt1"/>
-          </a:fontRef>
-        </p:style>
-        <p:txBody>
-          <a:bodyPr rtlCol="0" anchor="ctr"/>
-          <a:lstStyle/>
-          <a:p>
-            <a:pPr algn="ctr"/>
-            <a:endParaRPr lang="en-US"/>
-          </a:p>
-        </p:txBody>
-      </p:sp>
-      <p:sp>
-        <p:nvSpPr>
-          <p:cNvPr id="2" name="Tiêu đề 1">
-            <a:extLst>
-              <a:ext uri="{FF2B5EF4-FFF2-40B4-BE49-F238E27FC236}">
-                <a16:creationId xmlns:a16="http://schemas.microsoft.com/office/drawing/2014/main" id="{92D911EC-1388-4972-ADAB-810027EC2FA9}"/>
-              </a:ext>
-            </a:extLst>
-          </p:cNvPr>
-          <p:cNvSpPr>
-            <a:spLocks noGrp="1"/>
-          </p:cNvSpPr>
-          <p:nvPr>
-            <p:ph type="title"/>
-          </p:nvPr>
-        </p:nvSpPr>
-        <p:spPr>
-          <a:xfrm>
-            <a:off x="838200" y="585216"/>
-            <a:ext cx="10515600" cy="1325563"/>
-          </a:xfrm>
-        </p:spPr>
-        <p:txBody>
-          <a:bodyPr vert="horz" lIns="91440" tIns="45720" rIns="91440" bIns="45720" rtlCol="0" anchor="ctr">
-            <a:normAutofit/>
-          </a:bodyPr>
-          <a:lstStyle/>
-          <a:p>
-            <a:pPr algn="ctr"/>
-            <a:r>
-              <a:rPr lang="en-US" sz="4400" b="1" dirty="0" err="1">
-                <a:solidFill>
-                  <a:schemeClr val="bg1"/>
-                </a:solidFill>
-              </a:rPr>
-              <a:t>Khám</a:t>
-            </a:r>
-            <a:r>
-              <a:rPr lang="en-US" sz="4400" b="1" dirty="0">
-                <a:solidFill>
-                  <a:schemeClr val="bg1"/>
-                </a:solidFill>
-              </a:rPr>
-              <a:t> </a:t>
-            </a:r>
-            <a:r>
-              <a:rPr lang="en-US" sz="4400" b="1" dirty="0" err="1">
-                <a:solidFill>
-                  <a:schemeClr val="bg1"/>
-                </a:solidFill>
-              </a:rPr>
-              <a:t>phá</a:t>
-            </a:r>
-            <a:r>
-              <a:rPr lang="en-US" sz="4400" b="1" dirty="0">
-                <a:solidFill>
-                  <a:schemeClr val="bg1"/>
-                </a:solidFill>
-              </a:rPr>
-              <a:t> </a:t>
-            </a:r>
-            <a:r>
-              <a:rPr lang="en-US" sz="4400" b="1" dirty="0" err="1">
-                <a:solidFill>
-                  <a:schemeClr val="bg1"/>
-                </a:solidFill>
-              </a:rPr>
-              <a:t>dữ</a:t>
-            </a:r>
-            <a:r>
-              <a:rPr lang="en-US" sz="4400" b="1" dirty="0">
-                <a:solidFill>
-                  <a:schemeClr val="bg1"/>
-                </a:solidFill>
-              </a:rPr>
-              <a:t> </a:t>
-            </a:r>
-            <a:r>
-              <a:rPr lang="en-US" sz="4400" b="1" dirty="0" err="1">
-                <a:solidFill>
-                  <a:schemeClr val="bg1"/>
-                </a:solidFill>
-              </a:rPr>
-              <a:t>liệu</a:t>
-            </a:r>
-            <a:endParaRPr lang="en-US" sz="4400" b="1" dirty="0">
-              <a:solidFill>
-                <a:schemeClr val="bg1"/>
-              </a:solidFill>
-            </a:endParaRPr>
-          </a:p>
-        </p:txBody>
-      </p:sp>
-      <p:pic>
-        <p:nvPicPr>
-          <p:cNvPr id="6" name="Chỗ dành sẵn cho Hình ảnh 5">
-            <a:extLst>
-              <a:ext uri="{FF2B5EF4-FFF2-40B4-BE49-F238E27FC236}">
-                <a16:creationId xmlns:a16="http://schemas.microsoft.com/office/drawing/2014/main" id="{94212812-678B-4475-B670-7EB876963453}"/>
-              </a:ext>
-            </a:extLst>
-          </p:cNvPr>
-          <p:cNvPicPr>
-            <a:picLocks noGrp="1" noChangeAspect="1"/>
-          </p:cNvPicPr>
-          <p:nvPr>
-            <p:ph type="pic" idx="1"/>
-          </p:nvPr>
-        </p:nvPicPr>
-        <p:blipFill rotWithShape="1">
-          <a:blip r:embed="rId2"/>
-          <a:srcRect l="5697" r="2723" b="-1"/>
-          <a:stretch/>
-        </p:blipFill>
-        <p:spPr>
-          <a:xfrm>
-            <a:off x="841248" y="2516777"/>
-            <a:ext cx="6236208" cy="3660185"/>
-          </a:xfrm>
-          <a:prstGeom prst="rect">
-            <a:avLst/>
-          </a:prstGeom>
-        </p:spPr>
-      </p:pic>
-      <p:sp>
-        <p:nvSpPr>
-          <p:cNvPr id="4" name="Chỗ dành sẵn cho Văn bản 3">
-            <a:extLst>
-              <a:ext uri="{FF2B5EF4-FFF2-40B4-BE49-F238E27FC236}">
-                <a16:creationId xmlns:a16="http://schemas.microsoft.com/office/drawing/2014/main" id="{DAAEAA49-8418-4F60-94F5-BB0B77CDF8C0}"/>
-              </a:ext>
-            </a:extLst>
-          </p:cNvPr>
-          <p:cNvSpPr>
-            <a:spLocks noGrp="1"/>
-          </p:cNvSpPr>
-          <p:nvPr>
-            <p:ph type="body" sz="half" idx="2"/>
-          </p:nvPr>
-        </p:nvSpPr>
-        <p:spPr>
-          <a:xfrm>
-            <a:off x="7546848" y="2516777"/>
-            <a:ext cx="3803904" cy="3660185"/>
-          </a:xfrm>
-        </p:spPr>
-        <p:txBody>
-          <a:bodyPr vert="horz" lIns="91440" tIns="45720" rIns="91440" bIns="45720" rtlCol="0" anchor="ctr">
-            <a:normAutofit/>
-          </a:bodyPr>
-          <a:lstStyle/>
-          <a:p>
-            <a:pPr indent="-228600">
-              <a:buFont typeface="Arial" panose="020B0604020202020204" pitchFamily="34" charset="0"/>
-              <a:buChar char="•"/>
-            </a:pPr>
-            <a:r>
-              <a:rPr lang="en-US" sz="2200"/>
-              <a:t>Độ lớn của tập dữ liệu.</a:t>
-            </a:r>
-          </a:p>
-          <a:p>
-            <a:pPr indent="-228600">
-              <a:buFont typeface="Arial" panose="020B0604020202020204" pitchFamily="34" charset="0"/>
-              <a:buChar char="•"/>
-            </a:pPr>
-            <a:r>
-              <a:rPr lang="en-US" sz="2200"/>
-              <a:t>Các dông hay các cột bị thiếu giá trị</a:t>
-            </a:r>
-          </a:p>
-        </p:txBody>
-      </p:sp>
-    </p:spTree>
-    <p:extLst>
-      <p:ext uri="{BB962C8B-B14F-4D97-AF65-F5344CB8AC3E}">
-        <p14:creationId xmlns:p14="http://schemas.microsoft.com/office/powerpoint/2010/main" val="1718431185"/>
-      </p:ext>
-    </p:extLst>
-  </p:cSld>
-  <p:clrMapOvr>
-    <a:masterClrMapping/>
-  </p:clrMapOvr>
-</p:sld>
-</file>
-
 <file path=ppt/theme/theme1.xml><?xml version="1.0" encoding="utf-8"?>
 <a:theme xmlns:a="http://schemas.openxmlformats.org/drawingml/2006/main" name="Chủ đề Office">
   <a:themeElements>
